--- a/Lecture/OpenCVCoban.pptx
+++ b/Lecture/OpenCVCoban.pptx
@@ -5,15 +5,24 @@
     <p:sldMasterId id="2147483648" r:id="rId4"/>
   </p:sldMasterIdLst>
   <p:notesMasterIdLst>
-    <p:notesMasterId r:id="rId11"/>
+    <p:notesMasterId r:id="rId20"/>
   </p:notesMasterIdLst>
   <p:sldIdLst>
     <p:sldId id="256" r:id="rId5"/>
     <p:sldId id="257" r:id="rId6"/>
     <p:sldId id="258" r:id="rId7"/>
-    <p:sldId id="261" r:id="rId8"/>
-    <p:sldId id="260" r:id="rId9"/>
-    <p:sldId id="259" r:id="rId10"/>
+    <p:sldId id="265" r:id="rId8"/>
+    <p:sldId id="261" r:id="rId9"/>
+    <p:sldId id="260" r:id="rId10"/>
+    <p:sldId id="259" r:id="rId11"/>
+    <p:sldId id="262" r:id="rId12"/>
+    <p:sldId id="263" r:id="rId13"/>
+    <p:sldId id="264" r:id="rId14"/>
+    <p:sldId id="267" r:id="rId15"/>
+    <p:sldId id="268" r:id="rId16"/>
+    <p:sldId id="269" r:id="rId17"/>
+    <p:sldId id="270" r:id="rId18"/>
+    <p:sldId id="271" r:id="rId19"/>
   </p:sldIdLst>
   <p:sldSz cx="12192000" cy="6858000"/>
   <p:notesSz cx="6858000" cy="9144000"/>
@@ -112,6 +121,11 @@
       </a:defRPr>
     </a:lvl9pPr>
   </p:defaultTextStyle>
+  <p:extLst>
+    <p:ext uri="{EFAFB233-063F-42B5-8137-9DF3F51BA10A}">
+      <p15:sldGuideLst xmlns:p15="http://schemas.microsoft.com/office/powerpoint/2012/main"/>
+    </p:ext>
+  </p:extLst>
 </p:presentation>
 </file>
 
@@ -197,7 +211,7 @@
           <a:p>
             <a:fld id="{6B0060CE-5BE9-4999-A479-5CC727D9E929}" type="datetimeFigureOut">
               <a:rPr lang="en-US" smtClean="0"/>
-              <a:t>2/12/2020</a:t>
+              <a:t>2/27/2020</a:t>
             </a:fld>
             <a:endParaRPr lang="en-US"/>
           </a:p>
@@ -704,7 +718,7 @@
           <a:p>
             <a:fld id="{398F67C6-969B-4601-8D1D-2A5CCB604380}" type="datetimeFigureOut">
               <a:rPr lang="en-US" smtClean="0"/>
-              <a:t>2/12/2020</a:t>
+              <a:t>2/27/2020</a:t>
             </a:fld>
             <a:endParaRPr lang="en-US"/>
           </a:p>
@@ -902,7 +916,7 @@
           <a:p>
             <a:fld id="{398F67C6-969B-4601-8D1D-2A5CCB604380}" type="datetimeFigureOut">
               <a:rPr lang="en-US" smtClean="0"/>
-              <a:t>2/12/2020</a:t>
+              <a:t>2/27/2020</a:t>
             </a:fld>
             <a:endParaRPr lang="en-US"/>
           </a:p>
@@ -1110,7 +1124,7 @@
           <a:p>
             <a:fld id="{398F67C6-969B-4601-8D1D-2A5CCB604380}" type="datetimeFigureOut">
               <a:rPr lang="en-US" smtClean="0"/>
-              <a:t>2/12/2020</a:t>
+              <a:t>2/27/2020</a:t>
             </a:fld>
             <a:endParaRPr lang="en-US"/>
           </a:p>
@@ -1308,7 +1322,7 @@
           <a:p>
             <a:fld id="{398F67C6-969B-4601-8D1D-2A5CCB604380}" type="datetimeFigureOut">
               <a:rPr lang="en-US" smtClean="0"/>
-              <a:t>2/12/2020</a:t>
+              <a:t>2/27/2020</a:t>
             </a:fld>
             <a:endParaRPr lang="en-US"/>
           </a:p>
@@ -1583,7 +1597,7 @@
           <a:p>
             <a:fld id="{398F67C6-969B-4601-8D1D-2A5CCB604380}" type="datetimeFigureOut">
               <a:rPr lang="en-US" smtClean="0"/>
-              <a:t>2/12/2020</a:t>
+              <a:t>2/27/2020</a:t>
             </a:fld>
             <a:endParaRPr lang="en-US"/>
           </a:p>
@@ -1848,7 +1862,7 @@
           <a:p>
             <a:fld id="{398F67C6-969B-4601-8D1D-2A5CCB604380}" type="datetimeFigureOut">
               <a:rPr lang="en-US" smtClean="0"/>
-              <a:t>2/12/2020</a:t>
+              <a:t>2/27/2020</a:t>
             </a:fld>
             <a:endParaRPr lang="en-US"/>
           </a:p>
@@ -2260,7 +2274,7 @@
           <a:p>
             <a:fld id="{398F67C6-969B-4601-8D1D-2A5CCB604380}" type="datetimeFigureOut">
               <a:rPr lang="en-US" smtClean="0"/>
-              <a:t>2/12/2020</a:t>
+              <a:t>2/27/2020</a:t>
             </a:fld>
             <a:endParaRPr lang="en-US"/>
           </a:p>
@@ -2401,7 +2415,7 @@
           <a:p>
             <a:fld id="{398F67C6-969B-4601-8D1D-2A5CCB604380}" type="datetimeFigureOut">
               <a:rPr lang="en-US" smtClean="0"/>
-              <a:t>2/12/2020</a:t>
+              <a:t>2/27/2020</a:t>
             </a:fld>
             <a:endParaRPr lang="en-US"/>
           </a:p>
@@ -2514,7 +2528,7 @@
           <a:p>
             <a:fld id="{398F67C6-969B-4601-8D1D-2A5CCB604380}" type="datetimeFigureOut">
               <a:rPr lang="en-US" smtClean="0"/>
-              <a:t>2/12/2020</a:t>
+              <a:t>2/27/2020</a:t>
             </a:fld>
             <a:endParaRPr lang="en-US"/>
           </a:p>
@@ -2825,7 +2839,7 @@
           <a:p>
             <a:fld id="{398F67C6-969B-4601-8D1D-2A5CCB604380}" type="datetimeFigureOut">
               <a:rPr lang="en-US" smtClean="0"/>
-              <a:t>2/12/2020</a:t>
+              <a:t>2/27/2020</a:t>
             </a:fld>
             <a:endParaRPr lang="en-US"/>
           </a:p>
@@ -3113,7 +3127,7 @@
           <a:p>
             <a:fld id="{398F67C6-969B-4601-8D1D-2A5CCB604380}" type="datetimeFigureOut">
               <a:rPr lang="en-US" smtClean="0"/>
-              <a:t>2/12/2020</a:t>
+              <a:t>2/27/2020</a:t>
             </a:fld>
             <a:endParaRPr lang="en-US"/>
           </a:p>
@@ -3354,7 +3368,7 @@
           <a:p>
             <a:fld id="{398F67C6-969B-4601-8D1D-2A5CCB604380}" type="datetimeFigureOut">
               <a:rPr lang="en-US" smtClean="0"/>
-              <a:t>2/12/2020</a:t>
+              <a:t>2/27/2020</a:t>
             </a:fld>
             <a:endParaRPr lang="en-US"/>
           </a:p>
@@ -3842,6 +3856,1798 @@
 </p:sld>
 </file>
 
+<file path=ppt/slides/slide10.xml><?xml version="1.0" encoding="utf-8"?>
+<p:sld xmlns:a="http://schemas.openxmlformats.org/drawingml/2006/main" xmlns:r="http://schemas.openxmlformats.org/officeDocument/2006/relationships" xmlns:p="http://schemas.openxmlformats.org/presentationml/2006/main">
+  <p:cSld>
+    <p:bg>
+      <p:bgPr>
+        <a:solidFill>
+          <a:schemeClr val="bg1"/>
+        </a:solidFill>
+        <a:effectLst/>
+      </p:bgPr>
+    </p:bg>
+    <p:spTree>
+      <p:nvGrpSpPr>
+        <p:cNvPr id="1" name=""/>
+        <p:cNvGrpSpPr/>
+        <p:nvPr/>
+      </p:nvGrpSpPr>
+      <p:grpSpPr>
+        <a:xfrm>
+          <a:off x="0" y="0"/>
+          <a:ext cx="0" cy="0"/>
+          <a:chOff x="0" y="0"/>
+          <a:chExt cx="0" cy="0"/>
+        </a:xfrm>
+      </p:grpSpPr>
+      <p:sp useBgFill="1">
+        <p:nvSpPr>
+          <p:cNvPr id="7" name="Rectangle 6">
+            <a:extLst>
+              <a:ext uri="{FF2B5EF4-FFF2-40B4-BE49-F238E27FC236}">
+                <a16:creationId xmlns:a16="http://schemas.microsoft.com/office/drawing/2014/main" id="{B26EE4FD-480F-42A5-9FEB-DA630457CFB7}"/>
+              </a:ext>
+              <a:ext uri="{C183D7F6-B498-43B3-948B-1728B52AA6E4}">
+                <adec:decorative xmlns:adec="http://schemas.microsoft.com/office/drawing/2017/decorative" val="1"/>
+              </a:ext>
+            </a:extLst>
+          </p:cNvPr>
+          <p:cNvSpPr>
+            <a:spLocks noGrp="1" noRot="1" noChangeAspect="1" noMove="1" noResize="1" noEditPoints="1" noAdjustHandles="1" noChangeArrowheads="1" noChangeShapeType="1" noTextEdit="1"/>
+          </p:cNvSpPr>
+          <p:nvPr>
+            <p:extLst>
+              <p:ext uri="{386F3935-93C4-4BCD-93E2-E3B085C9AB24}">
+                <p16:designElem xmlns:p16="http://schemas.microsoft.com/office/powerpoint/2015/main" val="1"/>
+              </p:ext>
+            </p:extLst>
+          </p:nvPr>
+        </p:nvSpPr>
+        <p:spPr>
+          <a:xfrm>
+            <a:off x="0" y="0"/>
+            <a:ext cx="12188952" cy="6858000"/>
+          </a:xfrm>
+          <a:prstGeom prst="rect">
+            <a:avLst/>
+          </a:prstGeom>
+          <a:ln>
+            <a:noFill/>
+          </a:ln>
+        </p:spPr>
+        <p:style>
+          <a:lnRef idx="2">
+            <a:schemeClr val="accent1">
+              <a:shade val="50000"/>
+            </a:schemeClr>
+          </a:lnRef>
+          <a:fillRef idx="1">
+            <a:schemeClr val="accent1"/>
+          </a:fillRef>
+          <a:effectRef idx="0">
+            <a:schemeClr val="accent1"/>
+          </a:effectRef>
+          <a:fontRef idx="minor">
+            <a:schemeClr val="lt1"/>
+          </a:fontRef>
+        </p:style>
+        <p:txBody>
+          <a:bodyPr rtlCol="0" anchor="ctr"/>
+          <a:lstStyle/>
+          <a:p>
+            <a:pPr algn="ctr"/>
+            <a:endParaRPr lang="en-US"/>
+          </a:p>
+        </p:txBody>
+      </p:sp>
+      <p:sp>
+        <p:nvSpPr>
+          <p:cNvPr id="9" name="Freeform 5">
+            <a:extLst>
+              <a:ext uri="{FF2B5EF4-FFF2-40B4-BE49-F238E27FC236}">
+                <a16:creationId xmlns:a16="http://schemas.microsoft.com/office/drawing/2014/main" id="{A187062F-BE14-42FC-B06A-607DB23849C3}"/>
+              </a:ext>
+              <a:ext uri="{C183D7F6-B498-43B3-948B-1728B52AA6E4}">
+                <adec:decorative xmlns:adec="http://schemas.microsoft.com/office/drawing/2017/decorative" val="1"/>
+              </a:ext>
+            </a:extLst>
+          </p:cNvPr>
+          <p:cNvSpPr>
+            <a:spLocks noGrp="1" noRot="1" noChangeAspect="1" noMove="1" noResize="1" noEditPoints="1" noAdjustHandles="1" noChangeArrowheads="1" noChangeShapeType="1" noTextEdit="1"/>
+          </p:cNvSpPr>
+          <p:nvPr>
+            <p:extLst>
+              <p:ext uri="{386F3935-93C4-4BCD-93E2-E3B085C9AB24}">
+                <p16:designElem xmlns:p16="http://schemas.microsoft.com/office/powerpoint/2015/main" val="1"/>
+              </p:ext>
+            </p:extLst>
+          </p:nvPr>
+        </p:nvSpPr>
+        <p:spPr bwMode="auto">
+          <a:xfrm flipH="1">
+            <a:off x="842688" y="1766812"/>
+            <a:ext cx="822493" cy="4232692"/>
+          </a:xfrm>
+          <a:custGeom>
+            <a:avLst/>
+            <a:gdLst>
+              <a:gd name="T0" fmla="*/ 491 w 491"/>
+              <a:gd name="T1" fmla="*/ 2247 h 2732"/>
+              <a:gd name="T2" fmla="*/ 0 w 491"/>
+              <a:gd name="T3" fmla="*/ 2732 h 2732"/>
+              <a:gd name="T4" fmla="*/ 0 w 491"/>
+              <a:gd name="T5" fmla="*/ 486 h 2732"/>
+              <a:gd name="T6" fmla="*/ 491 w 491"/>
+              <a:gd name="T7" fmla="*/ 0 h 2732"/>
+              <a:gd name="T8" fmla="*/ 491 w 491"/>
+              <a:gd name="T9" fmla="*/ 2247 h 2732"/>
+            </a:gdLst>
+            <a:ahLst/>
+            <a:cxnLst>
+              <a:cxn ang="0">
+                <a:pos x="T0" y="T1"/>
+              </a:cxn>
+              <a:cxn ang="0">
+                <a:pos x="T2" y="T3"/>
+              </a:cxn>
+              <a:cxn ang="0">
+                <a:pos x="T4" y="T5"/>
+              </a:cxn>
+              <a:cxn ang="0">
+                <a:pos x="T6" y="T7"/>
+              </a:cxn>
+              <a:cxn ang="0">
+                <a:pos x="T8" y="T9"/>
+              </a:cxn>
+            </a:cxnLst>
+            <a:rect l="0" t="0" r="r" b="b"/>
+            <a:pathLst>
+              <a:path w="491" h="2732">
+                <a:moveTo>
+                  <a:pt x="491" y="2247"/>
+                </a:moveTo>
+                <a:lnTo>
+                  <a:pt x="0" y="2732"/>
+                </a:lnTo>
+                <a:lnTo>
+                  <a:pt x="0" y="486"/>
+                </a:lnTo>
+                <a:lnTo>
+                  <a:pt x="491" y="0"/>
+                </a:lnTo>
+                <a:lnTo>
+                  <a:pt x="491" y="2247"/>
+                </a:lnTo>
+                <a:close/>
+              </a:path>
+            </a:pathLst>
+          </a:custGeom>
+          <a:solidFill>
+            <a:schemeClr val="accent1">
+              <a:lumMod val="50000"/>
+            </a:schemeClr>
+          </a:solidFill>
+          <a:ln>
+            <a:noFill/>
+          </a:ln>
+        </p:spPr>
+        <p:txBody>
+          <a:bodyPr vert="horz" wrap="square" lIns="91440" tIns="45720" rIns="91440" bIns="45720" numCol="1" anchor="t" anchorCtr="0" compatLnSpc="1">
+            <a:prstTxWarp prst="textNoShape">
+              <a:avLst/>
+            </a:prstTxWarp>
+          </a:bodyPr>
+          <a:lstStyle/>
+          <a:p>
+            <a:endParaRPr lang="en-US"/>
+          </a:p>
+        </p:txBody>
+      </p:sp>
+      <p:sp>
+        <p:nvSpPr>
+          <p:cNvPr id="11" name="Freeform 6">
+            <a:extLst>
+              <a:ext uri="{FF2B5EF4-FFF2-40B4-BE49-F238E27FC236}">
+                <a16:creationId xmlns:a16="http://schemas.microsoft.com/office/drawing/2014/main" id="{731FE21B-2A45-4BF5-8B03-E12341988774}"/>
+              </a:ext>
+              <a:ext uri="{C183D7F6-B498-43B3-948B-1728B52AA6E4}">
+                <adec:decorative xmlns:adec="http://schemas.microsoft.com/office/drawing/2017/decorative" val="1"/>
+              </a:ext>
+            </a:extLst>
+          </p:cNvPr>
+          <p:cNvSpPr>
+            <a:spLocks noGrp="1" noRot="1" noChangeAspect="1" noMove="1" noResize="1" noEditPoints="1" noAdjustHandles="1" noChangeArrowheads="1" noChangeShapeType="1" noTextEdit="1"/>
+          </p:cNvSpPr>
+          <p:nvPr>
+            <p:extLst>
+              <p:ext uri="{386F3935-93C4-4BCD-93E2-E3B085C9AB24}">
+                <p16:designElem xmlns:p16="http://schemas.microsoft.com/office/powerpoint/2015/main" val="1"/>
+              </p:ext>
+            </p:extLst>
+          </p:nvPr>
+        </p:nvSpPr>
+        <p:spPr bwMode="auto">
+          <a:xfrm flipH="1">
+            <a:off x="842689" y="1423780"/>
+            <a:ext cx="687754" cy="3820236"/>
+          </a:xfrm>
+          <a:custGeom>
+            <a:avLst/>
+            <a:gdLst>
+              <a:gd name="T0" fmla="*/ 414 w 414"/>
+              <a:gd name="T1" fmla="*/ 2447 h 2447"/>
+              <a:gd name="T2" fmla="*/ 0 w 414"/>
+              <a:gd name="T3" fmla="*/ 2247 h 2447"/>
+              <a:gd name="T4" fmla="*/ 0 w 414"/>
+              <a:gd name="T5" fmla="*/ 0 h 2447"/>
+              <a:gd name="T6" fmla="*/ 414 w 414"/>
+              <a:gd name="T7" fmla="*/ 200 h 2447"/>
+              <a:gd name="T8" fmla="*/ 414 w 414"/>
+              <a:gd name="T9" fmla="*/ 2447 h 2447"/>
+            </a:gdLst>
+            <a:ahLst/>
+            <a:cxnLst>
+              <a:cxn ang="0">
+                <a:pos x="T0" y="T1"/>
+              </a:cxn>
+              <a:cxn ang="0">
+                <a:pos x="T2" y="T3"/>
+              </a:cxn>
+              <a:cxn ang="0">
+                <a:pos x="T4" y="T5"/>
+              </a:cxn>
+              <a:cxn ang="0">
+                <a:pos x="T6" y="T7"/>
+              </a:cxn>
+              <a:cxn ang="0">
+                <a:pos x="T8" y="T9"/>
+              </a:cxn>
+            </a:cxnLst>
+            <a:rect l="0" t="0" r="r" b="b"/>
+            <a:pathLst>
+              <a:path w="414" h="2447">
+                <a:moveTo>
+                  <a:pt x="414" y="2447"/>
+                </a:moveTo>
+                <a:lnTo>
+                  <a:pt x="0" y="2247"/>
+                </a:lnTo>
+                <a:lnTo>
+                  <a:pt x="0" y="0"/>
+                </a:lnTo>
+                <a:lnTo>
+                  <a:pt x="414" y="200"/>
+                </a:lnTo>
+                <a:lnTo>
+                  <a:pt x="414" y="2447"/>
+                </a:lnTo>
+                <a:close/>
+              </a:path>
+            </a:pathLst>
+          </a:custGeom>
+          <a:solidFill>
+            <a:schemeClr val="accent1">
+              <a:lumMod val="75000"/>
+            </a:schemeClr>
+          </a:solidFill>
+          <a:ln>
+            <a:noFill/>
+          </a:ln>
+        </p:spPr>
+        <p:txBody>
+          <a:bodyPr vert="horz" wrap="square" lIns="91440" tIns="45720" rIns="91440" bIns="45720" numCol="1" anchor="t" anchorCtr="0" compatLnSpc="1">
+            <a:prstTxWarp prst="textNoShape">
+              <a:avLst/>
+            </a:prstTxWarp>
+          </a:bodyPr>
+          <a:lstStyle/>
+          <a:p>
+            <a:endParaRPr lang="en-US"/>
+          </a:p>
+        </p:txBody>
+      </p:sp>
+      <p:sp>
+        <p:nvSpPr>
+          <p:cNvPr id="13" name="Freeform 7">
+            <a:extLst>
+              <a:ext uri="{FF2B5EF4-FFF2-40B4-BE49-F238E27FC236}">
+                <a16:creationId xmlns:a16="http://schemas.microsoft.com/office/drawing/2014/main" id="{2DC5A94D-79ED-48F5-9DC5-96CBB507CEC8}"/>
+              </a:ext>
+              <a:ext uri="{C183D7F6-B498-43B3-948B-1728B52AA6E4}">
+                <adec:decorative xmlns:adec="http://schemas.microsoft.com/office/drawing/2017/decorative" val="1"/>
+              </a:ext>
+            </a:extLst>
+          </p:cNvPr>
+          <p:cNvSpPr>
+            <a:spLocks noGrp="1" noRot="1" noChangeAspect="1" noMove="1" noResize="1" noEditPoints="1" noAdjustHandles="1" noChangeArrowheads="1" noChangeShapeType="1" noTextEdit="1"/>
+          </p:cNvSpPr>
+          <p:nvPr>
+            <p:extLst>
+              <p:ext uri="{386F3935-93C4-4BCD-93E2-E3B085C9AB24}">
+                <p16:designElem xmlns:p16="http://schemas.microsoft.com/office/powerpoint/2015/main" val="1"/>
+              </p:ext>
+            </p:extLst>
+          </p:nvPr>
+        </p:nvSpPr>
+        <p:spPr bwMode="auto">
+          <a:xfrm flipH="1">
+            <a:off x="1183243" y="1239381"/>
+            <a:ext cx="347200" cy="3699705"/>
+          </a:xfrm>
+          <a:custGeom>
+            <a:avLst/>
+            <a:gdLst>
+              <a:gd name="T0" fmla="*/ 209 w 209"/>
+              <a:gd name="T1" fmla="*/ 2246 h 2358"/>
+              <a:gd name="T2" fmla="*/ 0 w 209"/>
+              <a:gd name="T3" fmla="*/ 2358 h 2358"/>
+              <a:gd name="T4" fmla="*/ 0 w 209"/>
+              <a:gd name="T5" fmla="*/ 111 h 2358"/>
+              <a:gd name="T6" fmla="*/ 209 w 209"/>
+              <a:gd name="T7" fmla="*/ 0 h 2358"/>
+              <a:gd name="T8" fmla="*/ 209 w 209"/>
+              <a:gd name="T9" fmla="*/ 2246 h 2358"/>
+            </a:gdLst>
+            <a:ahLst/>
+            <a:cxnLst>
+              <a:cxn ang="0">
+                <a:pos x="T0" y="T1"/>
+              </a:cxn>
+              <a:cxn ang="0">
+                <a:pos x="T2" y="T3"/>
+              </a:cxn>
+              <a:cxn ang="0">
+                <a:pos x="T4" y="T5"/>
+              </a:cxn>
+              <a:cxn ang="0">
+                <a:pos x="T6" y="T7"/>
+              </a:cxn>
+              <a:cxn ang="0">
+                <a:pos x="T8" y="T9"/>
+              </a:cxn>
+            </a:cxnLst>
+            <a:rect l="0" t="0" r="r" b="b"/>
+            <a:pathLst>
+              <a:path w="209" h="2358">
+                <a:moveTo>
+                  <a:pt x="209" y="2246"/>
+                </a:moveTo>
+                <a:lnTo>
+                  <a:pt x="0" y="2358"/>
+                </a:lnTo>
+                <a:lnTo>
+                  <a:pt x="0" y="111"/>
+                </a:lnTo>
+                <a:lnTo>
+                  <a:pt x="209" y="0"/>
+                </a:lnTo>
+                <a:lnTo>
+                  <a:pt x="209" y="2246"/>
+                </a:lnTo>
+                <a:close/>
+              </a:path>
+            </a:pathLst>
+          </a:custGeom>
+          <a:solidFill>
+            <a:schemeClr val="accent1">
+              <a:lumMod val="50000"/>
+            </a:schemeClr>
+          </a:solidFill>
+          <a:ln>
+            <a:noFill/>
+          </a:ln>
+        </p:spPr>
+        <p:txBody>
+          <a:bodyPr vert="horz" wrap="square" lIns="91440" tIns="45720" rIns="91440" bIns="45720" numCol="1" anchor="t" anchorCtr="0" compatLnSpc="1">
+            <a:prstTxWarp prst="textNoShape">
+              <a:avLst/>
+            </a:prstTxWarp>
+          </a:bodyPr>
+          <a:lstStyle/>
+          <a:p>
+            <a:endParaRPr lang="en-US"/>
+          </a:p>
+        </p:txBody>
+      </p:sp>
+      <p:sp>
+        <p:nvSpPr>
+          <p:cNvPr id="15" name="Rectangle 8">
+            <a:extLst>
+              <a:ext uri="{FF2B5EF4-FFF2-40B4-BE49-F238E27FC236}">
+                <a16:creationId xmlns:a16="http://schemas.microsoft.com/office/drawing/2014/main" id="{93A3D4BE-AF25-4F9A-9C29-1145CCE24A28}"/>
+              </a:ext>
+              <a:ext uri="{C183D7F6-B498-43B3-948B-1728B52AA6E4}">
+                <adec:decorative xmlns:adec="http://schemas.microsoft.com/office/drawing/2017/decorative" val="1"/>
+              </a:ext>
+            </a:extLst>
+          </p:cNvPr>
+          <p:cNvSpPr>
+            <a:spLocks noGrp="1" noRot="1" noChangeAspect="1" noMove="1" noResize="1" noEditPoints="1" noAdjustHandles="1" noChangeArrowheads="1" noChangeShapeType="1" noTextEdit="1"/>
+          </p:cNvSpPr>
+          <p:nvPr>
+            <p:extLst>
+              <p:ext uri="{386F3935-93C4-4BCD-93E2-E3B085C9AB24}">
+                <p16:designElem xmlns:p16="http://schemas.microsoft.com/office/powerpoint/2015/main" val="1"/>
+              </p:ext>
+            </p:extLst>
+          </p:nvPr>
+        </p:nvSpPr>
+        <p:spPr bwMode="auto">
+          <a:xfrm flipH="1">
+            <a:off x="1183242" y="1230651"/>
+            <a:ext cx="10208658" cy="3531073"/>
+          </a:xfrm>
+          <a:prstGeom prst="rect">
+            <a:avLst/>
+          </a:prstGeom>
+          <a:solidFill>
+            <a:schemeClr val="accent1"/>
+          </a:solidFill>
+          <a:ln>
+            <a:noFill/>
+          </a:ln>
+        </p:spPr>
+        <p:txBody>
+          <a:bodyPr vert="horz" wrap="square" lIns="91440" tIns="45720" rIns="91440" bIns="45720" numCol="1" anchor="t" anchorCtr="0" compatLnSpc="1">
+            <a:prstTxWarp prst="textNoShape">
+              <a:avLst/>
+            </a:prstTxWarp>
+          </a:bodyPr>
+          <a:lstStyle/>
+          <a:p>
+            <a:endParaRPr lang="en-US"/>
+          </a:p>
+        </p:txBody>
+      </p:sp>
+      <p:sp>
+        <p:nvSpPr>
+          <p:cNvPr id="2" name="Title 1">
+            <a:extLst>
+              <a:ext uri="{FF2B5EF4-FFF2-40B4-BE49-F238E27FC236}">
+                <a16:creationId xmlns:a16="http://schemas.microsoft.com/office/drawing/2014/main" id="{10B71728-B7C9-4862-8F57-DFA354394394}"/>
+              </a:ext>
+            </a:extLst>
+          </p:cNvPr>
+          <p:cNvSpPr>
+            <a:spLocks noGrp="1"/>
+          </p:cNvSpPr>
+          <p:nvPr>
+            <p:ph type="title"/>
+          </p:nvPr>
+        </p:nvSpPr>
+        <p:spPr>
+          <a:xfrm>
+            <a:off x="1870997" y="1607809"/>
+            <a:ext cx="9236026" cy="2876680"/>
+          </a:xfrm>
+        </p:spPr>
+        <p:txBody>
+          <a:bodyPr vert="horz" lIns="91440" tIns="45720" rIns="91440" bIns="45720" rtlCol="0" anchor="b">
+            <a:normAutofit/>
+          </a:bodyPr>
+          <a:lstStyle/>
+          <a:p>
+            <a:r>
+              <a:rPr lang="en-US" sz="6600" kern="1200">
+                <a:solidFill>
+                  <a:srgbClr val="FFFFFF"/>
+                </a:solidFill>
+                <a:latin typeface="+mj-lt"/>
+                <a:ea typeface="+mj-ea"/>
+                <a:cs typeface="+mj-cs"/>
+              </a:rPr>
+              <a:t>Cắt mảng và crop ảnh</a:t>
+            </a:r>
+          </a:p>
+        </p:txBody>
+      </p:sp>
+    </p:spTree>
+    <p:extLst>
+      <p:ext uri="{BB962C8B-B14F-4D97-AF65-F5344CB8AC3E}">
+        <p14:creationId xmlns:p14="http://schemas.microsoft.com/office/powerpoint/2010/main" val="3174610081"/>
+      </p:ext>
+    </p:extLst>
+  </p:cSld>
+  <p:clrMapOvr>
+    <a:masterClrMapping/>
+  </p:clrMapOvr>
+</p:sld>
+</file>
+
+<file path=ppt/slides/slide11.xml><?xml version="1.0" encoding="utf-8"?>
+<p:sld xmlns:a="http://schemas.openxmlformats.org/drawingml/2006/main" xmlns:r="http://schemas.openxmlformats.org/officeDocument/2006/relationships" xmlns:p="http://schemas.openxmlformats.org/presentationml/2006/main">
+  <p:cSld>
+    <p:spTree>
+      <p:nvGrpSpPr>
+        <p:cNvPr id="1" name=""/>
+        <p:cNvGrpSpPr/>
+        <p:nvPr/>
+      </p:nvGrpSpPr>
+      <p:grpSpPr>
+        <a:xfrm>
+          <a:off x="0" y="0"/>
+          <a:ext cx="0" cy="0"/>
+          <a:chOff x="0" y="0"/>
+          <a:chExt cx="0" cy="0"/>
+        </a:xfrm>
+      </p:grpSpPr>
+      <p:sp>
+        <p:nvSpPr>
+          <p:cNvPr id="3" name="Title 2">
+            <a:extLst>
+              <a:ext uri="{FF2B5EF4-FFF2-40B4-BE49-F238E27FC236}">
+                <a16:creationId xmlns:a16="http://schemas.microsoft.com/office/drawing/2014/main" id="{235EEDCF-141F-44D2-93ED-09D17D87F63D}"/>
+              </a:ext>
+            </a:extLst>
+          </p:cNvPr>
+          <p:cNvSpPr>
+            <a:spLocks noGrp="1"/>
+          </p:cNvSpPr>
+          <p:nvPr>
+            <p:ph type="title"/>
+          </p:nvPr>
+        </p:nvSpPr>
+        <p:spPr/>
+        <p:txBody>
+          <a:bodyPr/>
+          <a:lstStyle/>
+          <a:p>
+            <a:r>
+              <a:rPr lang="en-US" dirty="0"/>
+              <a:t>ROI(Region of Interest)</a:t>
+            </a:r>
+          </a:p>
+        </p:txBody>
+      </p:sp>
+      <p:sp>
+        <p:nvSpPr>
+          <p:cNvPr id="4" name="Content Placeholder 3">
+            <a:extLst>
+              <a:ext uri="{FF2B5EF4-FFF2-40B4-BE49-F238E27FC236}">
+                <a16:creationId xmlns:a16="http://schemas.microsoft.com/office/drawing/2014/main" id="{0143B43D-0814-4EBD-A480-E6BB2C38E028}"/>
+              </a:ext>
+            </a:extLst>
+          </p:cNvPr>
+          <p:cNvSpPr>
+            <a:spLocks noGrp="1"/>
+          </p:cNvSpPr>
+          <p:nvPr>
+            <p:ph idx="1"/>
+          </p:nvPr>
+        </p:nvSpPr>
+        <p:spPr/>
+        <p:txBody>
+          <a:bodyPr/>
+          <a:lstStyle/>
+          <a:p>
+            <a:r>
+              <a:rPr lang="en-US" dirty="0" err="1"/>
+              <a:t>Lấy</a:t>
+            </a:r>
+            <a:r>
+              <a:rPr lang="en-US" dirty="0"/>
+              <a:t> đ</a:t>
+            </a:r>
+            <a:r>
+              <a:rPr lang="vi-VN" dirty="0"/>
+              <a:t>ư</a:t>
+            </a:r>
+            <a:r>
+              <a:rPr lang="en-US" dirty="0" err="1"/>
+              <a:t>ợc</a:t>
+            </a:r>
+            <a:r>
+              <a:rPr lang="en-US" dirty="0"/>
+              <a:t> </a:t>
+            </a:r>
+            <a:r>
+              <a:rPr lang="en-US" dirty="0" err="1"/>
+              <a:t>vùng</a:t>
+            </a:r>
+            <a:r>
+              <a:rPr lang="en-US" dirty="0"/>
+              <a:t> </a:t>
+            </a:r>
+            <a:r>
+              <a:rPr lang="en-US" dirty="0" err="1"/>
+              <a:t>quan</a:t>
+            </a:r>
+            <a:r>
+              <a:rPr lang="en-US" dirty="0"/>
+              <a:t> </a:t>
+            </a:r>
+            <a:r>
+              <a:rPr lang="en-US" dirty="0" err="1"/>
+              <a:t>tâm</a:t>
+            </a:r>
+            <a:r>
+              <a:rPr lang="en-US" dirty="0"/>
+              <a:t>(ROI) </a:t>
+            </a:r>
+            <a:r>
+              <a:rPr lang="en-US" dirty="0" err="1"/>
+              <a:t>của</a:t>
+            </a:r>
+            <a:r>
+              <a:rPr lang="en-US" dirty="0"/>
+              <a:t> </a:t>
+            </a:r>
+            <a:r>
+              <a:rPr lang="en-US" dirty="0" err="1"/>
+              <a:t>ảnh</a:t>
+            </a:r>
+            <a:r>
+              <a:rPr lang="en-US" dirty="0"/>
+              <a:t> </a:t>
+            </a:r>
+            <a:r>
+              <a:rPr lang="en-US" dirty="0" err="1"/>
+              <a:t>là</a:t>
+            </a:r>
+            <a:r>
+              <a:rPr lang="en-US" dirty="0"/>
+              <a:t> 1 </a:t>
+            </a:r>
+            <a:r>
+              <a:rPr lang="en-US" dirty="0" err="1"/>
+              <a:t>kỹ</a:t>
+            </a:r>
+            <a:r>
+              <a:rPr lang="en-US" dirty="0"/>
+              <a:t> </a:t>
+            </a:r>
+            <a:r>
+              <a:rPr lang="en-US" dirty="0" err="1"/>
+              <a:t>năng</a:t>
+            </a:r>
+            <a:r>
+              <a:rPr lang="en-US" dirty="0"/>
+              <a:t> </a:t>
+            </a:r>
+            <a:r>
+              <a:rPr lang="en-US" dirty="0" err="1"/>
+              <a:t>quan</a:t>
+            </a:r>
+            <a:r>
+              <a:rPr lang="en-US" dirty="0"/>
+              <a:t> </a:t>
+            </a:r>
+            <a:r>
+              <a:rPr lang="en-US" dirty="0" err="1"/>
+              <a:t>trọng</a:t>
+            </a:r>
+            <a:r>
+              <a:rPr lang="en-US" dirty="0"/>
+              <a:t> </a:t>
+            </a:r>
+            <a:r>
+              <a:rPr lang="en-US" dirty="0" err="1"/>
+              <a:t>trong</a:t>
+            </a:r>
+            <a:r>
+              <a:rPr lang="en-US" dirty="0"/>
+              <a:t> </a:t>
+            </a:r>
+            <a:r>
+              <a:rPr lang="en-US" dirty="0" err="1"/>
+              <a:t>xử</a:t>
+            </a:r>
+            <a:r>
+              <a:rPr lang="en-US" dirty="0"/>
+              <a:t> </a:t>
+            </a:r>
+            <a:r>
+              <a:rPr lang="en-US" dirty="0" err="1"/>
+              <a:t>lí</a:t>
+            </a:r>
+            <a:r>
+              <a:rPr lang="en-US" dirty="0"/>
+              <a:t> </a:t>
+            </a:r>
+            <a:r>
+              <a:rPr lang="en-US" dirty="0" err="1"/>
+              <a:t>ảnh</a:t>
+            </a:r>
+            <a:endParaRPr lang="en-US" dirty="0"/>
+          </a:p>
+          <a:p>
+            <a:endParaRPr lang="en-US" dirty="0"/>
+          </a:p>
+        </p:txBody>
+      </p:sp>
+      <p:pic>
+        <p:nvPicPr>
+          <p:cNvPr id="6" name="Picture 5">
+            <a:extLst>
+              <a:ext uri="{FF2B5EF4-FFF2-40B4-BE49-F238E27FC236}">
+                <a16:creationId xmlns:a16="http://schemas.microsoft.com/office/drawing/2014/main" id="{CF601256-49EB-41F0-8E8F-690B6B89E5C7}"/>
+              </a:ext>
+            </a:extLst>
+          </p:cNvPr>
+          <p:cNvPicPr>
+            <a:picLocks noChangeAspect="1"/>
+          </p:cNvPicPr>
+          <p:nvPr/>
+        </p:nvPicPr>
+        <p:blipFill>
+          <a:blip r:embed="rId2"/>
+          <a:stretch>
+            <a:fillRect/>
+          </a:stretch>
+        </p:blipFill>
+        <p:spPr>
+          <a:xfrm>
+            <a:off x="1337347" y="3684265"/>
+            <a:ext cx="9517306" cy="1511622"/>
+          </a:xfrm>
+          <a:prstGeom prst="rect">
+            <a:avLst/>
+          </a:prstGeom>
+        </p:spPr>
+      </p:pic>
+    </p:spTree>
+    <p:extLst>
+      <p:ext uri="{BB962C8B-B14F-4D97-AF65-F5344CB8AC3E}">
+        <p14:creationId xmlns:p14="http://schemas.microsoft.com/office/powerpoint/2010/main" val="3281361755"/>
+      </p:ext>
+    </p:extLst>
+  </p:cSld>
+  <p:clrMapOvr>
+    <a:masterClrMapping/>
+  </p:clrMapOvr>
+</p:sld>
+</file>
+
+<file path=ppt/slides/slide12.xml><?xml version="1.0" encoding="utf-8"?>
+<p:sld xmlns:a="http://schemas.openxmlformats.org/drawingml/2006/main" xmlns:r="http://schemas.openxmlformats.org/officeDocument/2006/relationships" xmlns:p="http://schemas.openxmlformats.org/presentationml/2006/main">
+  <p:cSld>
+    <p:bg>
+      <p:bgPr>
+        <a:solidFill>
+          <a:schemeClr val="bg1"/>
+        </a:solidFill>
+        <a:effectLst/>
+      </p:bgPr>
+    </p:bg>
+    <p:spTree>
+      <p:nvGrpSpPr>
+        <p:cNvPr id="1" name=""/>
+        <p:cNvGrpSpPr/>
+        <p:nvPr/>
+      </p:nvGrpSpPr>
+      <p:grpSpPr>
+        <a:xfrm>
+          <a:off x="0" y="0"/>
+          <a:ext cx="0" cy="0"/>
+          <a:chOff x="0" y="0"/>
+          <a:chExt cx="0" cy="0"/>
+        </a:xfrm>
+      </p:grpSpPr>
+      <p:sp useBgFill="1">
+        <p:nvSpPr>
+          <p:cNvPr id="7" name="Rectangle 6">
+            <a:extLst>
+              <a:ext uri="{FF2B5EF4-FFF2-40B4-BE49-F238E27FC236}">
+                <a16:creationId xmlns:a16="http://schemas.microsoft.com/office/drawing/2014/main" id="{B26EE4FD-480F-42A5-9FEB-DA630457CFB7}"/>
+              </a:ext>
+              <a:ext uri="{C183D7F6-B498-43B3-948B-1728B52AA6E4}">
+                <adec:decorative xmlns:adec="http://schemas.microsoft.com/office/drawing/2017/decorative" val="1"/>
+              </a:ext>
+            </a:extLst>
+          </p:cNvPr>
+          <p:cNvSpPr>
+            <a:spLocks noGrp="1" noRot="1" noChangeAspect="1" noMove="1" noResize="1" noEditPoints="1" noAdjustHandles="1" noChangeArrowheads="1" noChangeShapeType="1" noTextEdit="1"/>
+          </p:cNvSpPr>
+          <p:nvPr>
+            <p:extLst>
+              <p:ext uri="{386F3935-93C4-4BCD-93E2-E3B085C9AB24}">
+                <p16:designElem xmlns:p16="http://schemas.microsoft.com/office/powerpoint/2015/main" val="1"/>
+              </p:ext>
+            </p:extLst>
+          </p:nvPr>
+        </p:nvSpPr>
+        <p:spPr>
+          <a:xfrm>
+            <a:off x="0" y="0"/>
+            <a:ext cx="12188952" cy="6858000"/>
+          </a:xfrm>
+          <a:prstGeom prst="rect">
+            <a:avLst/>
+          </a:prstGeom>
+          <a:ln>
+            <a:noFill/>
+          </a:ln>
+        </p:spPr>
+        <p:style>
+          <a:lnRef idx="2">
+            <a:schemeClr val="accent1">
+              <a:shade val="50000"/>
+            </a:schemeClr>
+          </a:lnRef>
+          <a:fillRef idx="1">
+            <a:schemeClr val="accent1"/>
+          </a:fillRef>
+          <a:effectRef idx="0">
+            <a:schemeClr val="accent1"/>
+          </a:effectRef>
+          <a:fontRef idx="minor">
+            <a:schemeClr val="lt1"/>
+          </a:fontRef>
+        </p:style>
+        <p:txBody>
+          <a:bodyPr rtlCol="0" anchor="ctr"/>
+          <a:lstStyle/>
+          <a:p>
+            <a:pPr algn="ctr"/>
+            <a:endParaRPr lang="en-US"/>
+          </a:p>
+        </p:txBody>
+      </p:sp>
+      <p:sp>
+        <p:nvSpPr>
+          <p:cNvPr id="9" name="Freeform 5">
+            <a:extLst>
+              <a:ext uri="{FF2B5EF4-FFF2-40B4-BE49-F238E27FC236}">
+                <a16:creationId xmlns:a16="http://schemas.microsoft.com/office/drawing/2014/main" id="{A187062F-BE14-42FC-B06A-607DB23849C3}"/>
+              </a:ext>
+              <a:ext uri="{C183D7F6-B498-43B3-948B-1728B52AA6E4}">
+                <adec:decorative xmlns:adec="http://schemas.microsoft.com/office/drawing/2017/decorative" val="1"/>
+              </a:ext>
+            </a:extLst>
+          </p:cNvPr>
+          <p:cNvSpPr>
+            <a:spLocks noGrp="1" noRot="1" noChangeAspect="1" noMove="1" noResize="1" noEditPoints="1" noAdjustHandles="1" noChangeArrowheads="1" noChangeShapeType="1" noTextEdit="1"/>
+          </p:cNvSpPr>
+          <p:nvPr>
+            <p:extLst>
+              <p:ext uri="{386F3935-93C4-4BCD-93E2-E3B085C9AB24}">
+                <p16:designElem xmlns:p16="http://schemas.microsoft.com/office/powerpoint/2015/main" val="1"/>
+              </p:ext>
+            </p:extLst>
+          </p:nvPr>
+        </p:nvSpPr>
+        <p:spPr bwMode="auto">
+          <a:xfrm flipH="1">
+            <a:off x="842688" y="1766812"/>
+            <a:ext cx="822493" cy="4232692"/>
+          </a:xfrm>
+          <a:custGeom>
+            <a:avLst/>
+            <a:gdLst>
+              <a:gd name="T0" fmla="*/ 491 w 491"/>
+              <a:gd name="T1" fmla="*/ 2247 h 2732"/>
+              <a:gd name="T2" fmla="*/ 0 w 491"/>
+              <a:gd name="T3" fmla="*/ 2732 h 2732"/>
+              <a:gd name="T4" fmla="*/ 0 w 491"/>
+              <a:gd name="T5" fmla="*/ 486 h 2732"/>
+              <a:gd name="T6" fmla="*/ 491 w 491"/>
+              <a:gd name="T7" fmla="*/ 0 h 2732"/>
+              <a:gd name="T8" fmla="*/ 491 w 491"/>
+              <a:gd name="T9" fmla="*/ 2247 h 2732"/>
+            </a:gdLst>
+            <a:ahLst/>
+            <a:cxnLst>
+              <a:cxn ang="0">
+                <a:pos x="T0" y="T1"/>
+              </a:cxn>
+              <a:cxn ang="0">
+                <a:pos x="T2" y="T3"/>
+              </a:cxn>
+              <a:cxn ang="0">
+                <a:pos x="T4" y="T5"/>
+              </a:cxn>
+              <a:cxn ang="0">
+                <a:pos x="T6" y="T7"/>
+              </a:cxn>
+              <a:cxn ang="0">
+                <a:pos x="T8" y="T9"/>
+              </a:cxn>
+            </a:cxnLst>
+            <a:rect l="0" t="0" r="r" b="b"/>
+            <a:pathLst>
+              <a:path w="491" h="2732">
+                <a:moveTo>
+                  <a:pt x="491" y="2247"/>
+                </a:moveTo>
+                <a:lnTo>
+                  <a:pt x="0" y="2732"/>
+                </a:lnTo>
+                <a:lnTo>
+                  <a:pt x="0" y="486"/>
+                </a:lnTo>
+                <a:lnTo>
+                  <a:pt x="491" y="0"/>
+                </a:lnTo>
+                <a:lnTo>
+                  <a:pt x="491" y="2247"/>
+                </a:lnTo>
+                <a:close/>
+              </a:path>
+            </a:pathLst>
+          </a:custGeom>
+          <a:solidFill>
+            <a:schemeClr val="accent1">
+              <a:lumMod val="50000"/>
+            </a:schemeClr>
+          </a:solidFill>
+          <a:ln>
+            <a:noFill/>
+          </a:ln>
+        </p:spPr>
+        <p:txBody>
+          <a:bodyPr vert="horz" wrap="square" lIns="91440" tIns="45720" rIns="91440" bIns="45720" numCol="1" anchor="t" anchorCtr="0" compatLnSpc="1">
+            <a:prstTxWarp prst="textNoShape">
+              <a:avLst/>
+            </a:prstTxWarp>
+          </a:bodyPr>
+          <a:lstStyle/>
+          <a:p>
+            <a:endParaRPr lang="en-US"/>
+          </a:p>
+        </p:txBody>
+      </p:sp>
+      <p:sp>
+        <p:nvSpPr>
+          <p:cNvPr id="11" name="Freeform 6">
+            <a:extLst>
+              <a:ext uri="{FF2B5EF4-FFF2-40B4-BE49-F238E27FC236}">
+                <a16:creationId xmlns:a16="http://schemas.microsoft.com/office/drawing/2014/main" id="{731FE21B-2A45-4BF5-8B03-E12341988774}"/>
+              </a:ext>
+              <a:ext uri="{C183D7F6-B498-43B3-948B-1728B52AA6E4}">
+                <adec:decorative xmlns:adec="http://schemas.microsoft.com/office/drawing/2017/decorative" val="1"/>
+              </a:ext>
+            </a:extLst>
+          </p:cNvPr>
+          <p:cNvSpPr>
+            <a:spLocks noGrp="1" noRot="1" noChangeAspect="1" noMove="1" noResize="1" noEditPoints="1" noAdjustHandles="1" noChangeArrowheads="1" noChangeShapeType="1" noTextEdit="1"/>
+          </p:cNvSpPr>
+          <p:nvPr>
+            <p:extLst>
+              <p:ext uri="{386F3935-93C4-4BCD-93E2-E3B085C9AB24}">
+                <p16:designElem xmlns:p16="http://schemas.microsoft.com/office/powerpoint/2015/main" val="1"/>
+              </p:ext>
+            </p:extLst>
+          </p:nvPr>
+        </p:nvSpPr>
+        <p:spPr bwMode="auto">
+          <a:xfrm flipH="1">
+            <a:off x="842689" y="1423780"/>
+            <a:ext cx="687754" cy="3820236"/>
+          </a:xfrm>
+          <a:custGeom>
+            <a:avLst/>
+            <a:gdLst>
+              <a:gd name="T0" fmla="*/ 414 w 414"/>
+              <a:gd name="T1" fmla="*/ 2447 h 2447"/>
+              <a:gd name="T2" fmla="*/ 0 w 414"/>
+              <a:gd name="T3" fmla="*/ 2247 h 2447"/>
+              <a:gd name="T4" fmla="*/ 0 w 414"/>
+              <a:gd name="T5" fmla="*/ 0 h 2447"/>
+              <a:gd name="T6" fmla="*/ 414 w 414"/>
+              <a:gd name="T7" fmla="*/ 200 h 2447"/>
+              <a:gd name="T8" fmla="*/ 414 w 414"/>
+              <a:gd name="T9" fmla="*/ 2447 h 2447"/>
+            </a:gdLst>
+            <a:ahLst/>
+            <a:cxnLst>
+              <a:cxn ang="0">
+                <a:pos x="T0" y="T1"/>
+              </a:cxn>
+              <a:cxn ang="0">
+                <a:pos x="T2" y="T3"/>
+              </a:cxn>
+              <a:cxn ang="0">
+                <a:pos x="T4" y="T5"/>
+              </a:cxn>
+              <a:cxn ang="0">
+                <a:pos x="T6" y="T7"/>
+              </a:cxn>
+              <a:cxn ang="0">
+                <a:pos x="T8" y="T9"/>
+              </a:cxn>
+            </a:cxnLst>
+            <a:rect l="0" t="0" r="r" b="b"/>
+            <a:pathLst>
+              <a:path w="414" h="2447">
+                <a:moveTo>
+                  <a:pt x="414" y="2447"/>
+                </a:moveTo>
+                <a:lnTo>
+                  <a:pt x="0" y="2247"/>
+                </a:lnTo>
+                <a:lnTo>
+                  <a:pt x="0" y="0"/>
+                </a:lnTo>
+                <a:lnTo>
+                  <a:pt x="414" y="200"/>
+                </a:lnTo>
+                <a:lnTo>
+                  <a:pt x="414" y="2447"/>
+                </a:lnTo>
+                <a:close/>
+              </a:path>
+            </a:pathLst>
+          </a:custGeom>
+          <a:solidFill>
+            <a:schemeClr val="accent1">
+              <a:lumMod val="75000"/>
+            </a:schemeClr>
+          </a:solidFill>
+          <a:ln>
+            <a:noFill/>
+          </a:ln>
+        </p:spPr>
+        <p:txBody>
+          <a:bodyPr vert="horz" wrap="square" lIns="91440" tIns="45720" rIns="91440" bIns="45720" numCol="1" anchor="t" anchorCtr="0" compatLnSpc="1">
+            <a:prstTxWarp prst="textNoShape">
+              <a:avLst/>
+            </a:prstTxWarp>
+          </a:bodyPr>
+          <a:lstStyle/>
+          <a:p>
+            <a:endParaRPr lang="en-US"/>
+          </a:p>
+        </p:txBody>
+      </p:sp>
+      <p:sp>
+        <p:nvSpPr>
+          <p:cNvPr id="13" name="Freeform 7">
+            <a:extLst>
+              <a:ext uri="{FF2B5EF4-FFF2-40B4-BE49-F238E27FC236}">
+                <a16:creationId xmlns:a16="http://schemas.microsoft.com/office/drawing/2014/main" id="{2DC5A94D-79ED-48F5-9DC5-96CBB507CEC8}"/>
+              </a:ext>
+              <a:ext uri="{C183D7F6-B498-43B3-948B-1728B52AA6E4}">
+                <adec:decorative xmlns:adec="http://schemas.microsoft.com/office/drawing/2017/decorative" val="1"/>
+              </a:ext>
+            </a:extLst>
+          </p:cNvPr>
+          <p:cNvSpPr>
+            <a:spLocks noGrp="1" noRot="1" noChangeAspect="1" noMove="1" noResize="1" noEditPoints="1" noAdjustHandles="1" noChangeArrowheads="1" noChangeShapeType="1" noTextEdit="1"/>
+          </p:cNvSpPr>
+          <p:nvPr>
+            <p:extLst>
+              <p:ext uri="{386F3935-93C4-4BCD-93E2-E3B085C9AB24}">
+                <p16:designElem xmlns:p16="http://schemas.microsoft.com/office/powerpoint/2015/main" val="1"/>
+              </p:ext>
+            </p:extLst>
+          </p:nvPr>
+        </p:nvSpPr>
+        <p:spPr bwMode="auto">
+          <a:xfrm flipH="1">
+            <a:off x="1183243" y="1239381"/>
+            <a:ext cx="347200" cy="3699705"/>
+          </a:xfrm>
+          <a:custGeom>
+            <a:avLst/>
+            <a:gdLst>
+              <a:gd name="T0" fmla="*/ 209 w 209"/>
+              <a:gd name="T1" fmla="*/ 2246 h 2358"/>
+              <a:gd name="T2" fmla="*/ 0 w 209"/>
+              <a:gd name="T3" fmla="*/ 2358 h 2358"/>
+              <a:gd name="T4" fmla="*/ 0 w 209"/>
+              <a:gd name="T5" fmla="*/ 111 h 2358"/>
+              <a:gd name="T6" fmla="*/ 209 w 209"/>
+              <a:gd name="T7" fmla="*/ 0 h 2358"/>
+              <a:gd name="T8" fmla="*/ 209 w 209"/>
+              <a:gd name="T9" fmla="*/ 2246 h 2358"/>
+            </a:gdLst>
+            <a:ahLst/>
+            <a:cxnLst>
+              <a:cxn ang="0">
+                <a:pos x="T0" y="T1"/>
+              </a:cxn>
+              <a:cxn ang="0">
+                <a:pos x="T2" y="T3"/>
+              </a:cxn>
+              <a:cxn ang="0">
+                <a:pos x="T4" y="T5"/>
+              </a:cxn>
+              <a:cxn ang="0">
+                <a:pos x="T6" y="T7"/>
+              </a:cxn>
+              <a:cxn ang="0">
+                <a:pos x="T8" y="T9"/>
+              </a:cxn>
+            </a:cxnLst>
+            <a:rect l="0" t="0" r="r" b="b"/>
+            <a:pathLst>
+              <a:path w="209" h="2358">
+                <a:moveTo>
+                  <a:pt x="209" y="2246"/>
+                </a:moveTo>
+                <a:lnTo>
+                  <a:pt x="0" y="2358"/>
+                </a:lnTo>
+                <a:lnTo>
+                  <a:pt x="0" y="111"/>
+                </a:lnTo>
+                <a:lnTo>
+                  <a:pt x="209" y="0"/>
+                </a:lnTo>
+                <a:lnTo>
+                  <a:pt x="209" y="2246"/>
+                </a:lnTo>
+                <a:close/>
+              </a:path>
+            </a:pathLst>
+          </a:custGeom>
+          <a:solidFill>
+            <a:schemeClr val="accent1">
+              <a:lumMod val="50000"/>
+            </a:schemeClr>
+          </a:solidFill>
+          <a:ln>
+            <a:noFill/>
+          </a:ln>
+        </p:spPr>
+        <p:txBody>
+          <a:bodyPr vert="horz" wrap="square" lIns="91440" tIns="45720" rIns="91440" bIns="45720" numCol="1" anchor="t" anchorCtr="0" compatLnSpc="1">
+            <a:prstTxWarp prst="textNoShape">
+              <a:avLst/>
+            </a:prstTxWarp>
+          </a:bodyPr>
+          <a:lstStyle/>
+          <a:p>
+            <a:endParaRPr lang="en-US"/>
+          </a:p>
+        </p:txBody>
+      </p:sp>
+      <p:sp>
+        <p:nvSpPr>
+          <p:cNvPr id="15" name="Rectangle 8">
+            <a:extLst>
+              <a:ext uri="{FF2B5EF4-FFF2-40B4-BE49-F238E27FC236}">
+                <a16:creationId xmlns:a16="http://schemas.microsoft.com/office/drawing/2014/main" id="{93A3D4BE-AF25-4F9A-9C29-1145CCE24A28}"/>
+              </a:ext>
+              <a:ext uri="{C183D7F6-B498-43B3-948B-1728B52AA6E4}">
+                <adec:decorative xmlns:adec="http://schemas.microsoft.com/office/drawing/2017/decorative" val="1"/>
+              </a:ext>
+            </a:extLst>
+          </p:cNvPr>
+          <p:cNvSpPr>
+            <a:spLocks noGrp="1" noRot="1" noChangeAspect="1" noMove="1" noResize="1" noEditPoints="1" noAdjustHandles="1" noChangeArrowheads="1" noChangeShapeType="1" noTextEdit="1"/>
+          </p:cNvSpPr>
+          <p:nvPr>
+            <p:extLst>
+              <p:ext uri="{386F3935-93C4-4BCD-93E2-E3B085C9AB24}">
+                <p16:designElem xmlns:p16="http://schemas.microsoft.com/office/powerpoint/2015/main" val="1"/>
+              </p:ext>
+            </p:extLst>
+          </p:nvPr>
+        </p:nvSpPr>
+        <p:spPr bwMode="auto">
+          <a:xfrm flipH="1">
+            <a:off x="1183242" y="1230651"/>
+            <a:ext cx="10208658" cy="3531073"/>
+          </a:xfrm>
+          <a:prstGeom prst="rect">
+            <a:avLst/>
+          </a:prstGeom>
+          <a:solidFill>
+            <a:schemeClr val="accent1"/>
+          </a:solidFill>
+          <a:ln>
+            <a:noFill/>
+          </a:ln>
+        </p:spPr>
+        <p:txBody>
+          <a:bodyPr vert="horz" wrap="square" lIns="91440" tIns="45720" rIns="91440" bIns="45720" numCol="1" anchor="t" anchorCtr="0" compatLnSpc="1">
+            <a:prstTxWarp prst="textNoShape">
+              <a:avLst/>
+            </a:prstTxWarp>
+          </a:bodyPr>
+          <a:lstStyle/>
+          <a:p>
+            <a:endParaRPr lang="en-US"/>
+          </a:p>
+        </p:txBody>
+      </p:sp>
+      <p:sp>
+        <p:nvSpPr>
+          <p:cNvPr id="2" name="Title 1">
+            <a:extLst>
+              <a:ext uri="{FF2B5EF4-FFF2-40B4-BE49-F238E27FC236}">
+                <a16:creationId xmlns:a16="http://schemas.microsoft.com/office/drawing/2014/main" id="{10B71728-B7C9-4862-8F57-DFA354394394}"/>
+              </a:ext>
+            </a:extLst>
+          </p:cNvPr>
+          <p:cNvSpPr>
+            <a:spLocks noGrp="1"/>
+          </p:cNvSpPr>
+          <p:nvPr>
+            <p:ph type="title"/>
+          </p:nvPr>
+        </p:nvSpPr>
+        <p:spPr>
+          <a:xfrm>
+            <a:off x="1870997" y="1607809"/>
+            <a:ext cx="9236026" cy="2876680"/>
+          </a:xfrm>
+        </p:spPr>
+        <p:txBody>
+          <a:bodyPr vert="horz" lIns="91440" tIns="45720" rIns="91440" bIns="45720" rtlCol="0" anchor="b">
+            <a:normAutofit/>
+          </a:bodyPr>
+          <a:lstStyle/>
+          <a:p>
+            <a:r>
+              <a:rPr lang="en-US" sz="6600" kern="1200" dirty="0">
+                <a:solidFill>
+                  <a:srgbClr val="FFFFFF"/>
+                </a:solidFill>
+                <a:latin typeface="+mj-lt"/>
+                <a:ea typeface="+mj-ea"/>
+                <a:cs typeface="+mj-cs"/>
+              </a:rPr>
+              <a:t>Resize </a:t>
+            </a:r>
+            <a:r>
+              <a:rPr lang="en-US" sz="6600" kern="1200" dirty="0" err="1">
+                <a:solidFill>
+                  <a:srgbClr val="FFFFFF"/>
+                </a:solidFill>
+                <a:latin typeface="+mj-lt"/>
+                <a:ea typeface="+mj-ea"/>
+                <a:cs typeface="+mj-cs"/>
+              </a:rPr>
+              <a:t>ảnh</a:t>
+            </a:r>
+            <a:endParaRPr lang="en-US" sz="6600" kern="1200" dirty="0">
+              <a:solidFill>
+                <a:srgbClr val="FFFFFF"/>
+              </a:solidFill>
+              <a:latin typeface="+mj-lt"/>
+              <a:ea typeface="+mj-ea"/>
+              <a:cs typeface="+mj-cs"/>
+            </a:endParaRPr>
+          </a:p>
+        </p:txBody>
+      </p:sp>
+    </p:spTree>
+    <p:extLst>
+      <p:ext uri="{BB962C8B-B14F-4D97-AF65-F5344CB8AC3E}">
+        <p14:creationId xmlns:p14="http://schemas.microsoft.com/office/powerpoint/2010/main" val="208446847"/>
+      </p:ext>
+    </p:extLst>
+  </p:cSld>
+  <p:clrMapOvr>
+    <a:masterClrMapping/>
+  </p:clrMapOvr>
+</p:sld>
+</file>
+
+<file path=ppt/slides/slide13.xml><?xml version="1.0" encoding="utf-8"?>
+<p:sld xmlns:a="http://schemas.openxmlformats.org/drawingml/2006/main" xmlns:r="http://schemas.openxmlformats.org/officeDocument/2006/relationships" xmlns:p="http://schemas.openxmlformats.org/presentationml/2006/main">
+  <p:cSld>
+    <p:spTree>
+      <p:nvGrpSpPr>
+        <p:cNvPr id="1" name=""/>
+        <p:cNvGrpSpPr/>
+        <p:nvPr/>
+      </p:nvGrpSpPr>
+      <p:grpSpPr>
+        <a:xfrm>
+          <a:off x="0" y="0"/>
+          <a:ext cx="0" cy="0"/>
+          <a:chOff x="0" y="0"/>
+          <a:chExt cx="0" cy="0"/>
+        </a:xfrm>
+      </p:grpSpPr>
+      <p:sp>
+        <p:nvSpPr>
+          <p:cNvPr id="2" name="Title 1">
+            <a:extLst>
+              <a:ext uri="{FF2B5EF4-FFF2-40B4-BE49-F238E27FC236}">
+                <a16:creationId xmlns:a16="http://schemas.microsoft.com/office/drawing/2014/main" id="{47D438AB-FB7D-4B96-8329-FEED181457CB}"/>
+              </a:ext>
+            </a:extLst>
+          </p:cNvPr>
+          <p:cNvSpPr>
+            <a:spLocks noGrp="1"/>
+          </p:cNvSpPr>
+          <p:nvPr>
+            <p:ph type="title"/>
+          </p:nvPr>
+        </p:nvSpPr>
+        <p:spPr/>
+        <p:txBody>
+          <a:bodyPr/>
+          <a:lstStyle/>
+          <a:p>
+            <a:r>
+              <a:rPr lang="en-US" dirty="0"/>
+              <a:t>Resize </a:t>
+            </a:r>
+            <a:r>
+              <a:rPr lang="en-US" dirty="0" err="1"/>
+              <a:t>ảnh</a:t>
+            </a:r>
+            <a:endParaRPr lang="en-US" dirty="0"/>
+          </a:p>
+        </p:txBody>
+      </p:sp>
+      <p:sp>
+        <p:nvSpPr>
+          <p:cNvPr id="3" name="Content Placeholder 2">
+            <a:extLst>
+              <a:ext uri="{FF2B5EF4-FFF2-40B4-BE49-F238E27FC236}">
+                <a16:creationId xmlns:a16="http://schemas.microsoft.com/office/drawing/2014/main" id="{568BF9D1-9109-4581-B3FF-553EE282B1F9}"/>
+              </a:ext>
+            </a:extLst>
+          </p:cNvPr>
+          <p:cNvSpPr>
+            <a:spLocks noGrp="1"/>
+          </p:cNvSpPr>
+          <p:nvPr>
+            <p:ph idx="1"/>
+          </p:nvPr>
+        </p:nvSpPr>
+        <p:spPr/>
+        <p:txBody>
+          <a:bodyPr/>
+          <a:lstStyle/>
+          <a:p>
+            <a:r>
+              <a:rPr lang="en-US" dirty="0"/>
+              <a:t>Cho </a:t>
+            </a:r>
+            <a:r>
+              <a:rPr lang="en-US" dirty="0" err="1"/>
+              <a:t>vừa</a:t>
+            </a:r>
+            <a:r>
+              <a:rPr lang="en-US" dirty="0"/>
+              <a:t> </a:t>
+            </a:r>
+            <a:r>
+              <a:rPr lang="en-US" dirty="0" err="1"/>
+              <a:t>màn</a:t>
+            </a:r>
+            <a:r>
+              <a:rPr lang="en-US" dirty="0"/>
+              <a:t> </a:t>
+            </a:r>
+            <a:r>
+              <a:rPr lang="en-US" dirty="0" err="1"/>
+              <a:t>hình</a:t>
+            </a:r>
+            <a:endParaRPr lang="en-US" dirty="0"/>
+          </a:p>
+          <a:p>
+            <a:r>
+              <a:rPr lang="en-US" dirty="0" err="1"/>
+              <a:t>Các</a:t>
+            </a:r>
+            <a:r>
+              <a:rPr lang="en-US" dirty="0"/>
+              <a:t> </a:t>
+            </a:r>
+            <a:r>
+              <a:rPr lang="en-US" dirty="0" err="1"/>
+              <a:t>quá</a:t>
+            </a:r>
+            <a:r>
+              <a:rPr lang="en-US" dirty="0"/>
+              <a:t> </a:t>
+            </a:r>
+            <a:r>
+              <a:rPr lang="en-US" dirty="0" err="1"/>
+              <a:t>trình</a:t>
+            </a:r>
+            <a:r>
+              <a:rPr lang="en-US" dirty="0"/>
+              <a:t> </a:t>
+            </a:r>
+            <a:r>
+              <a:rPr lang="en-US" dirty="0" err="1"/>
+              <a:t>xử</a:t>
+            </a:r>
+            <a:r>
+              <a:rPr lang="en-US" dirty="0"/>
+              <a:t> </a:t>
+            </a:r>
+            <a:r>
+              <a:rPr lang="en-US" dirty="0" err="1"/>
+              <a:t>lí</a:t>
+            </a:r>
+            <a:r>
+              <a:rPr lang="en-US" dirty="0"/>
+              <a:t> </a:t>
+            </a:r>
+            <a:r>
+              <a:rPr lang="en-US" dirty="0" err="1"/>
+              <a:t>ảnh</a:t>
+            </a:r>
+            <a:r>
+              <a:rPr lang="en-US" dirty="0"/>
+              <a:t> </a:t>
+            </a:r>
+            <a:r>
+              <a:rPr lang="en-US" dirty="0" err="1"/>
+              <a:t>nhanh</a:t>
+            </a:r>
+            <a:r>
+              <a:rPr lang="en-US" dirty="0"/>
+              <a:t> h</a:t>
+            </a:r>
+            <a:r>
+              <a:rPr lang="vi-VN" dirty="0"/>
+              <a:t>ơ</a:t>
+            </a:r>
+            <a:r>
+              <a:rPr lang="en-US" dirty="0"/>
+              <a:t>n </a:t>
+            </a:r>
+            <a:r>
+              <a:rPr lang="en-US" dirty="0" err="1"/>
+              <a:t>trên</a:t>
+            </a:r>
+            <a:r>
+              <a:rPr lang="en-US" dirty="0"/>
+              <a:t> </a:t>
+            </a:r>
+            <a:r>
+              <a:rPr lang="en-US" dirty="0" err="1"/>
+              <a:t>ảnh</a:t>
+            </a:r>
+            <a:r>
+              <a:rPr lang="en-US" dirty="0"/>
+              <a:t> </a:t>
+            </a:r>
+            <a:r>
+              <a:rPr lang="en-US" dirty="0" err="1"/>
+              <a:t>kích</a:t>
+            </a:r>
+            <a:r>
+              <a:rPr lang="en-US" dirty="0"/>
+              <a:t> </a:t>
+            </a:r>
+            <a:r>
+              <a:rPr lang="en-US" dirty="0" err="1"/>
+              <a:t>cỡ</a:t>
+            </a:r>
+            <a:r>
+              <a:rPr lang="en-US" dirty="0"/>
+              <a:t> </a:t>
+            </a:r>
+            <a:r>
+              <a:rPr lang="en-US" dirty="0" err="1"/>
+              <a:t>nhỏ</a:t>
+            </a:r>
+            <a:r>
+              <a:rPr lang="en-US" dirty="0"/>
+              <a:t> </a:t>
+            </a:r>
+            <a:r>
+              <a:rPr lang="en-US" dirty="0" err="1"/>
+              <a:t>vì</a:t>
+            </a:r>
+            <a:r>
+              <a:rPr lang="en-US" dirty="0"/>
+              <a:t> </a:t>
+            </a:r>
+            <a:r>
+              <a:rPr lang="en-US" dirty="0" err="1"/>
+              <a:t>ít</a:t>
+            </a:r>
+            <a:r>
+              <a:rPr lang="en-US" dirty="0"/>
+              <a:t> </a:t>
+            </a:r>
+            <a:r>
+              <a:rPr lang="en-US" dirty="0" err="1"/>
+              <a:t>điểm</a:t>
+            </a:r>
+            <a:r>
+              <a:rPr lang="en-US" dirty="0"/>
+              <a:t> </a:t>
+            </a:r>
+            <a:r>
+              <a:rPr lang="en-US" dirty="0" err="1"/>
+              <a:t>ảnh</a:t>
+            </a:r>
+            <a:r>
+              <a:rPr lang="en-US" dirty="0"/>
+              <a:t> h</a:t>
+            </a:r>
+            <a:r>
+              <a:rPr lang="vi-VN" dirty="0"/>
+              <a:t>ơ</a:t>
+            </a:r>
+            <a:r>
+              <a:rPr lang="en-US" dirty="0"/>
+              <a:t>n</a:t>
+            </a:r>
+          </a:p>
+          <a:p>
+            <a:endParaRPr lang="en-US" dirty="0"/>
+          </a:p>
+        </p:txBody>
+      </p:sp>
+    </p:spTree>
+    <p:extLst>
+      <p:ext uri="{BB962C8B-B14F-4D97-AF65-F5344CB8AC3E}">
+        <p14:creationId xmlns:p14="http://schemas.microsoft.com/office/powerpoint/2010/main" val="1316555691"/>
+      </p:ext>
+    </p:extLst>
+  </p:cSld>
+  <p:clrMapOvr>
+    <a:masterClrMapping/>
+  </p:clrMapOvr>
+</p:sld>
+</file>
+
+<file path=ppt/slides/slide14.xml><?xml version="1.0" encoding="utf-8"?>
+<p:sld xmlns:a="http://schemas.openxmlformats.org/drawingml/2006/main" xmlns:r="http://schemas.openxmlformats.org/officeDocument/2006/relationships" xmlns:p="http://schemas.openxmlformats.org/presentationml/2006/main">
+  <p:cSld>
+    <p:spTree>
+      <p:nvGrpSpPr>
+        <p:cNvPr id="1" name=""/>
+        <p:cNvGrpSpPr/>
+        <p:nvPr/>
+      </p:nvGrpSpPr>
+      <p:grpSpPr>
+        <a:xfrm>
+          <a:off x="0" y="0"/>
+          <a:ext cx="0" cy="0"/>
+          <a:chOff x="0" y="0"/>
+          <a:chExt cx="0" cy="0"/>
+        </a:xfrm>
+      </p:grpSpPr>
+      <p:sp>
+        <p:nvSpPr>
+          <p:cNvPr id="2" name="Title 1">
+            <a:extLst>
+              <a:ext uri="{FF2B5EF4-FFF2-40B4-BE49-F238E27FC236}">
+                <a16:creationId xmlns:a16="http://schemas.microsoft.com/office/drawing/2014/main" id="{38699601-3DD4-4127-99B8-AB03ADD4EAC9}"/>
+              </a:ext>
+            </a:extLst>
+          </p:cNvPr>
+          <p:cNvSpPr>
+            <a:spLocks noGrp="1"/>
+          </p:cNvSpPr>
+          <p:nvPr>
+            <p:ph type="title"/>
+          </p:nvPr>
+        </p:nvSpPr>
+        <p:spPr/>
+        <p:txBody>
+          <a:bodyPr/>
+          <a:lstStyle/>
+          <a:p>
+            <a:r>
+              <a:rPr lang="en-US" dirty="0"/>
+              <a:t>Resize </a:t>
+            </a:r>
+            <a:r>
+              <a:rPr lang="en-US" dirty="0" err="1"/>
+              <a:t>ảnh</a:t>
+            </a:r>
+            <a:r>
+              <a:rPr lang="en-US" dirty="0"/>
+              <a:t> </a:t>
+            </a:r>
+            <a:r>
+              <a:rPr lang="en-US" dirty="0" err="1"/>
+              <a:t>bỏ</a:t>
+            </a:r>
+            <a:r>
+              <a:rPr lang="en-US" dirty="0"/>
+              <a:t> qua </a:t>
+            </a:r>
+            <a:r>
+              <a:rPr lang="en-US" dirty="0" err="1"/>
+              <a:t>tỉ</a:t>
+            </a:r>
+            <a:r>
+              <a:rPr lang="en-US" dirty="0"/>
+              <a:t> </a:t>
+            </a:r>
+            <a:r>
+              <a:rPr lang="en-US" dirty="0" err="1"/>
+              <a:t>lệ</a:t>
+            </a:r>
+            <a:r>
+              <a:rPr lang="en-US" dirty="0"/>
+              <a:t> </a:t>
+            </a:r>
+            <a:r>
+              <a:rPr lang="en-US" dirty="0" err="1"/>
+              <a:t>khung</a:t>
+            </a:r>
+            <a:r>
+              <a:rPr lang="en-US" dirty="0"/>
+              <a:t> </a:t>
+            </a:r>
+            <a:r>
+              <a:rPr lang="en-US" dirty="0" err="1"/>
+              <a:t>hình</a:t>
+            </a:r>
+            <a:endParaRPr lang="en-US" dirty="0"/>
+          </a:p>
+        </p:txBody>
+      </p:sp>
+      <p:pic>
+        <p:nvPicPr>
+          <p:cNvPr id="4" name="Content Placeholder 3">
+            <a:extLst>
+              <a:ext uri="{FF2B5EF4-FFF2-40B4-BE49-F238E27FC236}">
+                <a16:creationId xmlns:a16="http://schemas.microsoft.com/office/drawing/2014/main" id="{E06F505E-1F32-4509-A9F4-0D6F3512C74D}"/>
+              </a:ext>
+            </a:extLst>
+          </p:cNvPr>
+          <p:cNvPicPr>
+            <a:picLocks noGrp="1" noChangeAspect="1"/>
+          </p:cNvPicPr>
+          <p:nvPr>
+            <p:ph idx="1"/>
+          </p:nvPr>
+        </p:nvPicPr>
+        <p:blipFill>
+          <a:blip r:embed="rId2"/>
+          <a:stretch>
+            <a:fillRect/>
+          </a:stretch>
+        </p:blipFill>
+        <p:spPr>
+          <a:xfrm>
+            <a:off x="838200" y="2539313"/>
+            <a:ext cx="10964084" cy="1779374"/>
+          </a:xfrm>
+          <a:prstGeom prst="rect">
+            <a:avLst/>
+          </a:prstGeom>
+        </p:spPr>
+      </p:pic>
+    </p:spTree>
+    <p:extLst>
+      <p:ext uri="{BB962C8B-B14F-4D97-AF65-F5344CB8AC3E}">
+        <p14:creationId xmlns:p14="http://schemas.microsoft.com/office/powerpoint/2010/main" val="85078581"/>
+      </p:ext>
+    </p:extLst>
+  </p:cSld>
+  <p:clrMapOvr>
+    <a:masterClrMapping/>
+  </p:clrMapOvr>
+</p:sld>
+</file>
+
+<file path=ppt/slides/slide15.xml><?xml version="1.0" encoding="utf-8"?>
+<p:sld xmlns:a="http://schemas.openxmlformats.org/drawingml/2006/main" xmlns:r="http://schemas.openxmlformats.org/officeDocument/2006/relationships" xmlns:p="http://schemas.openxmlformats.org/presentationml/2006/main">
+  <p:cSld>
+    <p:spTree>
+      <p:nvGrpSpPr>
+        <p:cNvPr id="1" name=""/>
+        <p:cNvGrpSpPr/>
+        <p:nvPr/>
+      </p:nvGrpSpPr>
+      <p:grpSpPr>
+        <a:xfrm>
+          <a:off x="0" y="0"/>
+          <a:ext cx="0" cy="0"/>
+          <a:chOff x="0" y="0"/>
+          <a:chExt cx="0" cy="0"/>
+        </a:xfrm>
+      </p:grpSpPr>
+      <p:sp>
+        <p:nvSpPr>
+          <p:cNvPr id="2" name="Title 1">
+            <a:extLst>
+              <a:ext uri="{FF2B5EF4-FFF2-40B4-BE49-F238E27FC236}">
+                <a16:creationId xmlns:a16="http://schemas.microsoft.com/office/drawing/2014/main" id="{FF6ADABB-1B5F-413F-B82A-5D4F93F14C4F}"/>
+              </a:ext>
+            </a:extLst>
+          </p:cNvPr>
+          <p:cNvSpPr>
+            <a:spLocks noGrp="1"/>
+          </p:cNvSpPr>
+          <p:nvPr>
+            <p:ph type="title"/>
+          </p:nvPr>
+        </p:nvSpPr>
+        <p:spPr/>
+        <p:txBody>
+          <a:bodyPr/>
+          <a:lstStyle/>
+          <a:p>
+            <a:r>
+              <a:rPr lang="en-US" dirty="0"/>
+              <a:t>Resize </a:t>
+            </a:r>
+            <a:r>
+              <a:rPr lang="en-US" dirty="0" err="1"/>
+              <a:t>ảnh</a:t>
+            </a:r>
+            <a:r>
+              <a:rPr lang="en-US" dirty="0"/>
+              <a:t> </a:t>
+            </a:r>
+            <a:r>
+              <a:rPr lang="en-US" dirty="0" err="1"/>
+              <a:t>giữ</a:t>
+            </a:r>
+            <a:r>
+              <a:rPr lang="en-US" dirty="0"/>
+              <a:t> </a:t>
+            </a:r>
+            <a:r>
+              <a:rPr lang="en-US" dirty="0" err="1"/>
+              <a:t>tỉ</a:t>
+            </a:r>
+            <a:r>
+              <a:rPr lang="en-US" dirty="0"/>
+              <a:t> </a:t>
+            </a:r>
+            <a:r>
+              <a:rPr lang="en-US" dirty="0" err="1"/>
+              <a:t>lệ</a:t>
+            </a:r>
+            <a:r>
+              <a:rPr lang="en-US" dirty="0"/>
+              <a:t> </a:t>
+            </a:r>
+            <a:r>
+              <a:rPr lang="en-US" dirty="0" err="1"/>
+              <a:t>khung</a:t>
+            </a:r>
+            <a:r>
+              <a:rPr lang="en-US" dirty="0"/>
+              <a:t> </a:t>
+            </a:r>
+            <a:r>
+              <a:rPr lang="en-US" dirty="0" err="1"/>
+              <a:t>hình</a:t>
+            </a:r>
+            <a:endParaRPr lang="en-US" dirty="0"/>
+          </a:p>
+        </p:txBody>
+      </p:sp>
+      <p:pic>
+        <p:nvPicPr>
+          <p:cNvPr id="4" name="Content Placeholder 3">
+            <a:extLst>
+              <a:ext uri="{FF2B5EF4-FFF2-40B4-BE49-F238E27FC236}">
+                <a16:creationId xmlns:a16="http://schemas.microsoft.com/office/drawing/2014/main" id="{04DCF2C7-A0A2-4120-8731-736ABCEADEEF}"/>
+              </a:ext>
+            </a:extLst>
+          </p:cNvPr>
+          <p:cNvPicPr>
+            <a:picLocks noGrp="1" noChangeAspect="1"/>
+          </p:cNvPicPr>
+          <p:nvPr>
+            <p:ph idx="1"/>
+          </p:nvPr>
+        </p:nvPicPr>
+        <p:blipFill>
+          <a:blip r:embed="rId2"/>
+          <a:stretch>
+            <a:fillRect/>
+          </a:stretch>
+        </p:blipFill>
+        <p:spPr>
+          <a:xfrm>
+            <a:off x="419100" y="2437507"/>
+            <a:ext cx="11353800" cy="1982985"/>
+          </a:xfrm>
+          <a:prstGeom prst="rect">
+            <a:avLst/>
+          </a:prstGeom>
+        </p:spPr>
+      </p:pic>
+    </p:spTree>
+    <p:extLst>
+      <p:ext uri="{BB962C8B-B14F-4D97-AF65-F5344CB8AC3E}">
+        <p14:creationId xmlns:p14="http://schemas.microsoft.com/office/powerpoint/2010/main" val="3291537070"/>
+      </p:ext>
+    </p:extLst>
+  </p:cSld>
+  <p:clrMapOvr>
+    <a:masterClrMapping/>
+  </p:clrMapOvr>
+</p:sld>
+</file>
+
 <file path=ppt/slides/slide2.xml><?xml version="1.0" encoding="utf-8"?>
 <p:sld xmlns:a="http://schemas.openxmlformats.org/drawingml/2006/main" xmlns:r="http://schemas.openxmlformats.org/officeDocument/2006/relationships" xmlns:p="http://schemas.openxmlformats.org/presentationml/2006/main">
   <p:cSld>
@@ -3920,6 +5726,31 @@
               <a:rPr lang="vi-VN" dirty="0"/>
               <a:t>Tải ảnh lên</a:t>
             </a:r>
+            <a:r>
+              <a:rPr lang="en-US" dirty="0"/>
+              <a:t> </a:t>
+            </a:r>
+            <a:r>
+              <a:rPr lang="en-US" dirty="0" err="1"/>
+              <a:t>và</a:t>
+            </a:r>
+            <a:r>
+              <a:rPr lang="en-US" dirty="0"/>
+              <a:t> </a:t>
+            </a:r>
+            <a:r>
+              <a:rPr lang="en-US" dirty="0" err="1"/>
+              <a:t>xuất</a:t>
+            </a:r>
+            <a:r>
+              <a:rPr lang="en-US" dirty="0"/>
+              <a:t> </a:t>
+            </a:r>
+            <a:r>
+              <a:rPr lang="en-US" dirty="0" err="1"/>
+              <a:t>ảnh</a:t>
+            </a:r>
+            <a:endParaRPr lang="vi-VN" dirty="0"/>
           </a:p>
           <a:p>
             <a:pPr lvl="1"/>
@@ -4033,7 +5864,7 @@
           <a:p>
             <a:r>
               <a:rPr lang="vi-VN" dirty="0"/>
-              <a:t>1. Tải ảnh lên</a:t>
+              <a:t>Tải ảnh lên</a:t>
             </a:r>
             <a:endParaRPr lang="en-US" dirty="0"/>
           </a:p>
@@ -4164,6 +5995,505 @@
 <file path=ppt/slides/slide4.xml><?xml version="1.0" encoding="utf-8"?>
 <p:sld xmlns:a="http://schemas.openxmlformats.org/drawingml/2006/main" xmlns:r="http://schemas.openxmlformats.org/officeDocument/2006/relationships" xmlns:p="http://schemas.openxmlformats.org/presentationml/2006/main">
   <p:cSld>
+    <p:bg>
+      <p:bgPr>
+        <a:solidFill>
+          <a:schemeClr val="bg1"/>
+        </a:solidFill>
+        <a:effectLst/>
+      </p:bgPr>
+    </p:bg>
+    <p:spTree>
+      <p:nvGrpSpPr>
+        <p:cNvPr id="1" name=""/>
+        <p:cNvGrpSpPr/>
+        <p:nvPr/>
+      </p:nvGrpSpPr>
+      <p:grpSpPr>
+        <a:xfrm>
+          <a:off x="0" y="0"/>
+          <a:ext cx="0" cy="0"/>
+          <a:chOff x="0" y="0"/>
+          <a:chExt cx="0" cy="0"/>
+        </a:xfrm>
+      </p:grpSpPr>
+      <p:sp useBgFill="1">
+        <p:nvSpPr>
+          <p:cNvPr id="7" name="Rectangle 6">
+            <a:extLst>
+              <a:ext uri="{FF2B5EF4-FFF2-40B4-BE49-F238E27FC236}">
+                <a16:creationId xmlns:a16="http://schemas.microsoft.com/office/drawing/2014/main" id="{B26EE4FD-480F-42A5-9FEB-DA630457CFB7}"/>
+              </a:ext>
+              <a:ext uri="{C183D7F6-B498-43B3-948B-1728B52AA6E4}">
+                <adec:decorative xmlns:adec="http://schemas.microsoft.com/office/drawing/2017/decorative" val="1"/>
+              </a:ext>
+            </a:extLst>
+          </p:cNvPr>
+          <p:cNvSpPr>
+            <a:spLocks noGrp="1" noRot="1" noChangeAspect="1" noMove="1" noResize="1" noEditPoints="1" noAdjustHandles="1" noChangeArrowheads="1" noChangeShapeType="1" noTextEdit="1"/>
+          </p:cNvSpPr>
+          <p:nvPr>
+            <p:extLst>
+              <p:ext uri="{386F3935-93C4-4BCD-93E2-E3B085C9AB24}">
+                <p16:designElem xmlns:p16="http://schemas.microsoft.com/office/powerpoint/2015/main" val="1"/>
+              </p:ext>
+            </p:extLst>
+          </p:nvPr>
+        </p:nvSpPr>
+        <p:spPr>
+          <a:xfrm>
+            <a:off x="0" y="0"/>
+            <a:ext cx="12188952" cy="6858000"/>
+          </a:xfrm>
+          <a:prstGeom prst="rect">
+            <a:avLst/>
+          </a:prstGeom>
+          <a:ln>
+            <a:noFill/>
+          </a:ln>
+        </p:spPr>
+        <p:style>
+          <a:lnRef idx="2">
+            <a:schemeClr val="accent1">
+              <a:shade val="50000"/>
+            </a:schemeClr>
+          </a:lnRef>
+          <a:fillRef idx="1">
+            <a:schemeClr val="accent1"/>
+          </a:fillRef>
+          <a:effectRef idx="0">
+            <a:schemeClr val="accent1"/>
+          </a:effectRef>
+          <a:fontRef idx="minor">
+            <a:schemeClr val="lt1"/>
+          </a:fontRef>
+        </p:style>
+        <p:txBody>
+          <a:bodyPr rtlCol="0" anchor="ctr"/>
+          <a:lstStyle/>
+          <a:p>
+            <a:pPr algn="ctr"/>
+            <a:endParaRPr lang="en-US"/>
+          </a:p>
+        </p:txBody>
+      </p:sp>
+      <p:sp>
+        <p:nvSpPr>
+          <p:cNvPr id="5" name="Freeform 5">
+            <a:extLst>
+              <a:ext uri="{FF2B5EF4-FFF2-40B4-BE49-F238E27FC236}">
+                <a16:creationId xmlns:a16="http://schemas.microsoft.com/office/drawing/2014/main" id="{A187062F-BE14-42FC-B06A-607DB23849C3}"/>
+              </a:ext>
+              <a:ext uri="{C183D7F6-B498-43B3-948B-1728B52AA6E4}">
+                <adec:decorative xmlns:adec="http://schemas.microsoft.com/office/drawing/2017/decorative" val="1"/>
+              </a:ext>
+            </a:extLst>
+          </p:cNvPr>
+          <p:cNvSpPr>
+            <a:spLocks noGrp="1" noRot="1" noChangeAspect="1" noMove="1" noResize="1" noEditPoints="1" noAdjustHandles="1" noChangeArrowheads="1" noChangeShapeType="1" noTextEdit="1"/>
+          </p:cNvSpPr>
+          <p:nvPr>
+            <p:extLst>
+              <p:ext uri="{386F3935-93C4-4BCD-93E2-E3B085C9AB24}">
+                <p16:designElem xmlns:p16="http://schemas.microsoft.com/office/powerpoint/2015/main" val="1"/>
+              </p:ext>
+            </p:extLst>
+          </p:nvPr>
+        </p:nvSpPr>
+        <p:spPr bwMode="auto">
+          <a:xfrm flipH="1">
+            <a:off x="842688" y="1766812"/>
+            <a:ext cx="822493" cy="4232692"/>
+          </a:xfrm>
+          <a:custGeom>
+            <a:avLst/>
+            <a:gdLst>
+              <a:gd name="T0" fmla="*/ 491 w 491"/>
+              <a:gd name="T1" fmla="*/ 2247 h 2732"/>
+              <a:gd name="T2" fmla="*/ 0 w 491"/>
+              <a:gd name="T3" fmla="*/ 2732 h 2732"/>
+              <a:gd name="T4" fmla="*/ 0 w 491"/>
+              <a:gd name="T5" fmla="*/ 486 h 2732"/>
+              <a:gd name="T6" fmla="*/ 491 w 491"/>
+              <a:gd name="T7" fmla="*/ 0 h 2732"/>
+              <a:gd name="T8" fmla="*/ 491 w 491"/>
+              <a:gd name="T9" fmla="*/ 2247 h 2732"/>
+            </a:gdLst>
+            <a:ahLst/>
+            <a:cxnLst>
+              <a:cxn ang="0">
+                <a:pos x="T0" y="T1"/>
+              </a:cxn>
+              <a:cxn ang="0">
+                <a:pos x="T2" y="T3"/>
+              </a:cxn>
+              <a:cxn ang="0">
+                <a:pos x="T4" y="T5"/>
+              </a:cxn>
+              <a:cxn ang="0">
+                <a:pos x="T6" y="T7"/>
+              </a:cxn>
+              <a:cxn ang="0">
+                <a:pos x="T8" y="T9"/>
+              </a:cxn>
+            </a:cxnLst>
+            <a:rect l="0" t="0" r="r" b="b"/>
+            <a:pathLst>
+              <a:path w="491" h="2732">
+                <a:moveTo>
+                  <a:pt x="491" y="2247"/>
+                </a:moveTo>
+                <a:lnTo>
+                  <a:pt x="0" y="2732"/>
+                </a:lnTo>
+                <a:lnTo>
+                  <a:pt x="0" y="486"/>
+                </a:lnTo>
+                <a:lnTo>
+                  <a:pt x="491" y="0"/>
+                </a:lnTo>
+                <a:lnTo>
+                  <a:pt x="491" y="2247"/>
+                </a:lnTo>
+                <a:close/>
+              </a:path>
+            </a:pathLst>
+          </a:custGeom>
+          <a:solidFill>
+            <a:schemeClr val="accent1">
+              <a:lumMod val="50000"/>
+            </a:schemeClr>
+          </a:solidFill>
+          <a:ln>
+            <a:noFill/>
+          </a:ln>
+        </p:spPr>
+        <p:txBody>
+          <a:bodyPr vert="horz" wrap="square" lIns="91440" tIns="45720" rIns="91440" bIns="45720" numCol="1" anchor="t" anchorCtr="0" compatLnSpc="1">
+            <a:prstTxWarp prst="textNoShape">
+              <a:avLst/>
+            </a:prstTxWarp>
+          </a:bodyPr>
+          <a:lstStyle/>
+          <a:p>
+            <a:endParaRPr lang="en-US"/>
+          </a:p>
+        </p:txBody>
+      </p:sp>
+      <p:sp>
+        <p:nvSpPr>
+          <p:cNvPr id="6" name="Freeform 6">
+            <a:extLst>
+              <a:ext uri="{FF2B5EF4-FFF2-40B4-BE49-F238E27FC236}">
+                <a16:creationId xmlns:a16="http://schemas.microsoft.com/office/drawing/2014/main" id="{731FE21B-2A45-4BF5-8B03-E12341988774}"/>
+              </a:ext>
+              <a:ext uri="{C183D7F6-B498-43B3-948B-1728B52AA6E4}">
+                <adec:decorative xmlns:adec="http://schemas.microsoft.com/office/drawing/2017/decorative" val="1"/>
+              </a:ext>
+            </a:extLst>
+          </p:cNvPr>
+          <p:cNvSpPr>
+            <a:spLocks noGrp="1" noRot="1" noChangeAspect="1" noMove="1" noResize="1" noEditPoints="1" noAdjustHandles="1" noChangeArrowheads="1" noChangeShapeType="1" noTextEdit="1"/>
+          </p:cNvSpPr>
+          <p:nvPr>
+            <p:extLst>
+              <p:ext uri="{386F3935-93C4-4BCD-93E2-E3B085C9AB24}">
+                <p16:designElem xmlns:p16="http://schemas.microsoft.com/office/powerpoint/2015/main" val="1"/>
+              </p:ext>
+            </p:extLst>
+          </p:nvPr>
+        </p:nvSpPr>
+        <p:spPr bwMode="auto">
+          <a:xfrm flipH="1">
+            <a:off x="842689" y="1423780"/>
+            <a:ext cx="687754" cy="3820236"/>
+          </a:xfrm>
+          <a:custGeom>
+            <a:avLst/>
+            <a:gdLst>
+              <a:gd name="T0" fmla="*/ 414 w 414"/>
+              <a:gd name="T1" fmla="*/ 2447 h 2447"/>
+              <a:gd name="T2" fmla="*/ 0 w 414"/>
+              <a:gd name="T3" fmla="*/ 2247 h 2447"/>
+              <a:gd name="T4" fmla="*/ 0 w 414"/>
+              <a:gd name="T5" fmla="*/ 0 h 2447"/>
+              <a:gd name="T6" fmla="*/ 414 w 414"/>
+              <a:gd name="T7" fmla="*/ 200 h 2447"/>
+              <a:gd name="T8" fmla="*/ 414 w 414"/>
+              <a:gd name="T9" fmla="*/ 2447 h 2447"/>
+            </a:gdLst>
+            <a:ahLst/>
+            <a:cxnLst>
+              <a:cxn ang="0">
+                <a:pos x="T0" y="T1"/>
+              </a:cxn>
+              <a:cxn ang="0">
+                <a:pos x="T2" y="T3"/>
+              </a:cxn>
+              <a:cxn ang="0">
+                <a:pos x="T4" y="T5"/>
+              </a:cxn>
+              <a:cxn ang="0">
+                <a:pos x="T6" y="T7"/>
+              </a:cxn>
+              <a:cxn ang="0">
+                <a:pos x="T8" y="T9"/>
+              </a:cxn>
+            </a:cxnLst>
+            <a:rect l="0" t="0" r="r" b="b"/>
+            <a:pathLst>
+              <a:path w="414" h="2447">
+                <a:moveTo>
+                  <a:pt x="414" y="2447"/>
+                </a:moveTo>
+                <a:lnTo>
+                  <a:pt x="0" y="2247"/>
+                </a:lnTo>
+                <a:lnTo>
+                  <a:pt x="0" y="0"/>
+                </a:lnTo>
+                <a:lnTo>
+                  <a:pt x="414" y="200"/>
+                </a:lnTo>
+                <a:lnTo>
+                  <a:pt x="414" y="2447"/>
+                </a:lnTo>
+                <a:close/>
+              </a:path>
+            </a:pathLst>
+          </a:custGeom>
+          <a:solidFill>
+            <a:schemeClr val="accent1">
+              <a:lumMod val="75000"/>
+            </a:schemeClr>
+          </a:solidFill>
+          <a:ln>
+            <a:noFill/>
+          </a:ln>
+        </p:spPr>
+        <p:txBody>
+          <a:bodyPr vert="horz" wrap="square" lIns="91440" tIns="45720" rIns="91440" bIns="45720" numCol="1" anchor="t" anchorCtr="0" compatLnSpc="1">
+            <a:prstTxWarp prst="textNoShape">
+              <a:avLst/>
+            </a:prstTxWarp>
+          </a:bodyPr>
+          <a:lstStyle/>
+          <a:p>
+            <a:endParaRPr lang="en-US"/>
+          </a:p>
+        </p:txBody>
+      </p:sp>
+      <p:sp>
+        <p:nvSpPr>
+          <p:cNvPr id="8" name="Freeform 7">
+            <a:extLst>
+              <a:ext uri="{FF2B5EF4-FFF2-40B4-BE49-F238E27FC236}">
+                <a16:creationId xmlns:a16="http://schemas.microsoft.com/office/drawing/2014/main" id="{2DC5A94D-79ED-48F5-9DC5-96CBB507CEC8}"/>
+              </a:ext>
+              <a:ext uri="{C183D7F6-B498-43B3-948B-1728B52AA6E4}">
+                <adec:decorative xmlns:adec="http://schemas.microsoft.com/office/drawing/2017/decorative" val="1"/>
+              </a:ext>
+            </a:extLst>
+          </p:cNvPr>
+          <p:cNvSpPr>
+            <a:spLocks noGrp="1" noRot="1" noChangeAspect="1" noMove="1" noResize="1" noEditPoints="1" noAdjustHandles="1" noChangeArrowheads="1" noChangeShapeType="1" noTextEdit="1"/>
+          </p:cNvSpPr>
+          <p:nvPr>
+            <p:extLst>
+              <p:ext uri="{386F3935-93C4-4BCD-93E2-E3B085C9AB24}">
+                <p16:designElem xmlns:p16="http://schemas.microsoft.com/office/powerpoint/2015/main" val="1"/>
+              </p:ext>
+            </p:extLst>
+          </p:nvPr>
+        </p:nvSpPr>
+        <p:spPr bwMode="auto">
+          <a:xfrm flipH="1">
+            <a:off x="1183243" y="1239381"/>
+            <a:ext cx="347200" cy="3699705"/>
+          </a:xfrm>
+          <a:custGeom>
+            <a:avLst/>
+            <a:gdLst>
+              <a:gd name="T0" fmla="*/ 209 w 209"/>
+              <a:gd name="T1" fmla="*/ 2246 h 2358"/>
+              <a:gd name="T2" fmla="*/ 0 w 209"/>
+              <a:gd name="T3" fmla="*/ 2358 h 2358"/>
+              <a:gd name="T4" fmla="*/ 0 w 209"/>
+              <a:gd name="T5" fmla="*/ 111 h 2358"/>
+              <a:gd name="T6" fmla="*/ 209 w 209"/>
+              <a:gd name="T7" fmla="*/ 0 h 2358"/>
+              <a:gd name="T8" fmla="*/ 209 w 209"/>
+              <a:gd name="T9" fmla="*/ 2246 h 2358"/>
+            </a:gdLst>
+            <a:ahLst/>
+            <a:cxnLst>
+              <a:cxn ang="0">
+                <a:pos x="T0" y="T1"/>
+              </a:cxn>
+              <a:cxn ang="0">
+                <a:pos x="T2" y="T3"/>
+              </a:cxn>
+              <a:cxn ang="0">
+                <a:pos x="T4" y="T5"/>
+              </a:cxn>
+              <a:cxn ang="0">
+                <a:pos x="T6" y="T7"/>
+              </a:cxn>
+              <a:cxn ang="0">
+                <a:pos x="T8" y="T9"/>
+              </a:cxn>
+            </a:cxnLst>
+            <a:rect l="0" t="0" r="r" b="b"/>
+            <a:pathLst>
+              <a:path w="209" h="2358">
+                <a:moveTo>
+                  <a:pt x="209" y="2246"/>
+                </a:moveTo>
+                <a:lnTo>
+                  <a:pt x="0" y="2358"/>
+                </a:lnTo>
+                <a:lnTo>
+                  <a:pt x="0" y="111"/>
+                </a:lnTo>
+                <a:lnTo>
+                  <a:pt x="209" y="0"/>
+                </a:lnTo>
+                <a:lnTo>
+                  <a:pt x="209" y="2246"/>
+                </a:lnTo>
+                <a:close/>
+              </a:path>
+            </a:pathLst>
+          </a:custGeom>
+          <a:solidFill>
+            <a:schemeClr val="accent1">
+              <a:lumMod val="50000"/>
+            </a:schemeClr>
+          </a:solidFill>
+          <a:ln>
+            <a:noFill/>
+          </a:ln>
+        </p:spPr>
+        <p:txBody>
+          <a:bodyPr vert="horz" wrap="square" lIns="91440" tIns="45720" rIns="91440" bIns="45720" numCol="1" anchor="t" anchorCtr="0" compatLnSpc="1">
+            <a:prstTxWarp prst="textNoShape">
+              <a:avLst/>
+            </a:prstTxWarp>
+          </a:bodyPr>
+          <a:lstStyle/>
+          <a:p>
+            <a:endParaRPr lang="en-US"/>
+          </a:p>
+        </p:txBody>
+      </p:sp>
+      <p:sp>
+        <p:nvSpPr>
+          <p:cNvPr id="15" name="Rectangle 8">
+            <a:extLst>
+              <a:ext uri="{FF2B5EF4-FFF2-40B4-BE49-F238E27FC236}">
+                <a16:creationId xmlns:a16="http://schemas.microsoft.com/office/drawing/2014/main" id="{93A3D4BE-AF25-4F9A-9C29-1145CCE24A28}"/>
+              </a:ext>
+              <a:ext uri="{C183D7F6-B498-43B3-948B-1728B52AA6E4}">
+                <adec:decorative xmlns:adec="http://schemas.microsoft.com/office/drawing/2017/decorative" val="1"/>
+              </a:ext>
+            </a:extLst>
+          </p:cNvPr>
+          <p:cNvSpPr>
+            <a:spLocks noGrp="1" noRot="1" noChangeAspect="1" noMove="1" noResize="1" noEditPoints="1" noAdjustHandles="1" noChangeArrowheads="1" noChangeShapeType="1" noTextEdit="1"/>
+          </p:cNvSpPr>
+          <p:nvPr>
+            <p:extLst>
+              <p:ext uri="{386F3935-93C4-4BCD-93E2-E3B085C9AB24}">
+                <p16:designElem xmlns:p16="http://schemas.microsoft.com/office/powerpoint/2015/main" val="1"/>
+              </p:ext>
+            </p:extLst>
+          </p:nvPr>
+        </p:nvSpPr>
+        <p:spPr bwMode="auto">
+          <a:xfrm flipH="1">
+            <a:off x="1183242" y="1230651"/>
+            <a:ext cx="10208658" cy="3531073"/>
+          </a:xfrm>
+          <a:prstGeom prst="rect">
+            <a:avLst/>
+          </a:prstGeom>
+          <a:solidFill>
+            <a:schemeClr val="accent1"/>
+          </a:solidFill>
+          <a:ln>
+            <a:noFill/>
+          </a:ln>
+        </p:spPr>
+        <p:txBody>
+          <a:bodyPr vert="horz" wrap="square" lIns="91440" tIns="45720" rIns="91440" bIns="45720" numCol="1" anchor="t" anchorCtr="0" compatLnSpc="1">
+            <a:prstTxWarp prst="textNoShape">
+              <a:avLst/>
+            </a:prstTxWarp>
+          </a:bodyPr>
+          <a:lstStyle/>
+          <a:p>
+            <a:endParaRPr lang="en-US"/>
+          </a:p>
+        </p:txBody>
+      </p:sp>
+      <p:sp>
+        <p:nvSpPr>
+          <p:cNvPr id="2" name="Title 1">
+            <a:extLst>
+              <a:ext uri="{FF2B5EF4-FFF2-40B4-BE49-F238E27FC236}">
+                <a16:creationId xmlns:a16="http://schemas.microsoft.com/office/drawing/2014/main" id="{5F5F1289-AD24-4FFA-82A7-622AAEA27DC0}"/>
+              </a:ext>
+            </a:extLst>
+          </p:cNvPr>
+          <p:cNvSpPr>
+            <a:spLocks noGrp="1"/>
+          </p:cNvSpPr>
+          <p:nvPr>
+            <p:ph type="title"/>
+          </p:nvPr>
+        </p:nvSpPr>
+        <p:spPr>
+          <a:xfrm>
+            <a:off x="1870997" y="1607809"/>
+            <a:ext cx="9236026" cy="2876680"/>
+          </a:xfrm>
+        </p:spPr>
+        <p:txBody>
+          <a:bodyPr vert="horz" lIns="91440" tIns="45720" rIns="91440" bIns="45720" rtlCol="0" anchor="b">
+            <a:normAutofit/>
+          </a:bodyPr>
+          <a:lstStyle/>
+          <a:p>
+            <a:r>
+              <a:rPr lang="en-US" sz="6600" kern="1200">
+                <a:solidFill>
+                  <a:srgbClr val="FFFFFF"/>
+                </a:solidFill>
+                <a:latin typeface="+mj-lt"/>
+                <a:ea typeface="+mj-ea"/>
+                <a:cs typeface="+mj-cs"/>
+              </a:rPr>
+              <a:t>Tải ảnh lên và xuất ảnh</a:t>
+            </a:r>
+          </a:p>
+        </p:txBody>
+      </p:sp>
+    </p:spTree>
+    <p:extLst>
+      <p:ext uri="{BB962C8B-B14F-4D97-AF65-F5344CB8AC3E}">
+        <p14:creationId xmlns:p14="http://schemas.microsoft.com/office/powerpoint/2010/main" val="3355259888"/>
+      </p:ext>
+    </p:extLst>
+  </p:cSld>
+  <p:clrMapOvr>
+    <a:masterClrMapping/>
+  </p:clrMapOvr>
+</p:sld>
+</file>
+
+<file path=ppt/slides/slide5.xml><?xml version="1.0" encoding="utf-8"?>
+<p:sld xmlns:a="http://schemas.openxmlformats.org/drawingml/2006/main" xmlns:r="http://schemas.openxmlformats.org/officeDocument/2006/relationships" xmlns:p="http://schemas.openxmlformats.org/presentationml/2006/main">
+  <p:cSld>
     <p:spTree>
       <p:nvGrpSpPr>
         <p:cNvPr id="1" name=""/>
@@ -4295,172 +6625,6 @@
 </p:sld>
 </file>
 
-<file path=ppt/slides/slide5.xml><?xml version="1.0" encoding="utf-8"?>
-<p:sld xmlns:a="http://schemas.openxmlformats.org/drawingml/2006/main" xmlns:r="http://schemas.openxmlformats.org/officeDocument/2006/relationships" xmlns:p="http://schemas.openxmlformats.org/presentationml/2006/main">
-  <p:cSld>
-    <p:spTree>
-      <p:nvGrpSpPr>
-        <p:cNvPr id="1" name=""/>
-        <p:cNvGrpSpPr/>
-        <p:nvPr/>
-      </p:nvGrpSpPr>
-      <p:grpSpPr>
-        <a:xfrm>
-          <a:off x="0" y="0"/>
-          <a:ext cx="0" cy="0"/>
-          <a:chOff x="0" y="0"/>
-          <a:chExt cx="0" cy="0"/>
-        </a:xfrm>
-      </p:grpSpPr>
-      <p:sp>
-        <p:nvSpPr>
-          <p:cNvPr id="2" name="Title 1">
-            <a:extLst>
-              <a:ext uri="{FF2B5EF4-FFF2-40B4-BE49-F238E27FC236}">
-                <a16:creationId xmlns:a16="http://schemas.microsoft.com/office/drawing/2014/main" id="{904752A3-C99E-4922-8EC8-5D69AED8D71F}"/>
-              </a:ext>
-            </a:extLst>
-          </p:cNvPr>
-          <p:cNvSpPr>
-            <a:spLocks noGrp="1"/>
-          </p:cNvSpPr>
-          <p:nvPr>
-            <p:ph type="title"/>
-          </p:nvPr>
-        </p:nvSpPr>
-        <p:spPr/>
-        <p:txBody>
-          <a:bodyPr/>
-          <a:lstStyle/>
-          <a:p>
-            <a:r>
-              <a:rPr lang="vi-VN" dirty="0"/>
-              <a:t>Áp dụng	</a:t>
-            </a:r>
-            <a:endParaRPr lang="en-US" dirty="0"/>
-          </a:p>
-        </p:txBody>
-      </p:sp>
-      <p:sp>
-        <p:nvSpPr>
-          <p:cNvPr id="3" name="Content Placeholder 2">
-            <a:extLst>
-              <a:ext uri="{FF2B5EF4-FFF2-40B4-BE49-F238E27FC236}">
-                <a16:creationId xmlns:a16="http://schemas.microsoft.com/office/drawing/2014/main" id="{C69B7ACC-377F-4E4D-AC5D-8310DA879075}"/>
-              </a:ext>
-            </a:extLst>
-          </p:cNvPr>
-          <p:cNvSpPr>
-            <a:spLocks noGrp="1"/>
-          </p:cNvSpPr>
-          <p:nvPr>
-            <p:ph idx="1"/>
-          </p:nvPr>
-        </p:nvSpPr>
-        <p:spPr/>
-        <p:txBody>
-          <a:bodyPr/>
-          <a:lstStyle/>
-          <a:p>
-            <a:r>
-              <a:rPr lang="vi-VN" dirty="0"/>
-              <a:t>Tải ảnh từ ổ cứng lên ram, hiển thị thông số width, height, depth</a:t>
-            </a:r>
-          </a:p>
-          <a:p>
-            <a:r>
-              <a:rPr lang="vi-VN" dirty="0"/>
-              <a:t>Show ảnh lên màn hình</a:t>
-            </a:r>
-          </a:p>
-          <a:p>
-            <a:pPr>
-              <a:buFont typeface="Symbol" panose="05050102010706020507" pitchFamily="18" charset="2"/>
-              <a:buChar char="Þ"/>
-            </a:pPr>
-            <a:r>
-              <a:rPr lang="vi-VN" dirty="0"/>
-              <a:t>Các bước cần làm:</a:t>
-            </a:r>
-          </a:p>
-          <a:p>
-            <a:pPr marL="0" indent="0">
-              <a:buNone/>
-            </a:pPr>
-            <a:r>
-              <a:rPr lang="vi-VN" dirty="0"/>
-              <a:t>    -Tạo file name ảnh</a:t>
-            </a:r>
-          </a:p>
-          <a:p>
-            <a:pPr marL="0" indent="0">
-              <a:buNone/>
-            </a:pPr>
-            <a:r>
-              <a:rPr lang="vi-VN" dirty="0"/>
-              <a:t>    -</a:t>
-            </a:r>
-            <a:r>
-              <a:rPr lang="vi-VN" b="1" dirty="0"/>
-              <a:t>imread</a:t>
-            </a:r>
-            <a:r>
-              <a:rPr lang="vi-VN" dirty="0"/>
-              <a:t> đọc ảnh lên ram</a:t>
-            </a:r>
-          </a:p>
-          <a:p>
-            <a:pPr marL="0" indent="0">
-              <a:buNone/>
-            </a:pPr>
-            <a:r>
-              <a:rPr lang="vi-VN" dirty="0"/>
-              <a:t>    -</a:t>
-            </a:r>
-            <a:r>
-              <a:rPr lang="vi-VN" b="1" dirty="0"/>
-              <a:t>shape</a:t>
-            </a:r>
-            <a:r>
-              <a:rPr lang="vi-VN" dirty="0"/>
-              <a:t> lấy thông số width, height, depth</a:t>
-            </a:r>
-          </a:p>
-          <a:p>
-            <a:pPr marL="0" indent="0">
-              <a:buNone/>
-            </a:pPr>
-            <a:r>
-              <a:rPr lang="vi-VN" dirty="0"/>
-              <a:t>    -</a:t>
-            </a:r>
-            <a:r>
-              <a:rPr lang="vi-VN" b="1" dirty="0"/>
-              <a:t>imshow</a:t>
-            </a:r>
-            <a:r>
-              <a:rPr lang="vi-VN" dirty="0"/>
-              <a:t> show ảnh lên</a:t>
-            </a:r>
-          </a:p>
-          <a:p>
-            <a:endParaRPr lang="en-US" dirty="0"/>
-          </a:p>
-        </p:txBody>
-      </p:sp>
-    </p:spTree>
-    <p:extLst>
-      <p:ext uri="{BB962C8B-B14F-4D97-AF65-F5344CB8AC3E}">
-        <p14:creationId xmlns:p14="http://schemas.microsoft.com/office/powerpoint/2010/main" val="980166469"/>
-      </p:ext>
-    </p:extLst>
-  </p:cSld>
-  <p:clrMapOvr>
-    <a:masterClrMapping/>
-  </p:clrMapOvr>
-</p:sld>
-</file>
-
 <file path=ppt/slides/slide6.xml><?xml version="1.0" encoding="utf-8"?>
 <p:sld xmlns:a="http://schemas.openxmlformats.org/drawingml/2006/main" xmlns:r="http://schemas.openxmlformats.org/officeDocument/2006/relationships" xmlns:p="http://schemas.openxmlformats.org/presentationml/2006/main">
   <p:cSld>
@@ -4483,6 +6647,172 @@
           <p:cNvPr id="2" name="Title 1">
             <a:extLst>
               <a:ext uri="{FF2B5EF4-FFF2-40B4-BE49-F238E27FC236}">
+                <a16:creationId xmlns:a16="http://schemas.microsoft.com/office/drawing/2014/main" id="{904752A3-C99E-4922-8EC8-5D69AED8D71F}"/>
+              </a:ext>
+            </a:extLst>
+          </p:cNvPr>
+          <p:cNvSpPr>
+            <a:spLocks noGrp="1"/>
+          </p:cNvSpPr>
+          <p:nvPr>
+            <p:ph type="title"/>
+          </p:nvPr>
+        </p:nvSpPr>
+        <p:spPr/>
+        <p:txBody>
+          <a:bodyPr/>
+          <a:lstStyle/>
+          <a:p>
+            <a:r>
+              <a:rPr lang="vi-VN" dirty="0"/>
+              <a:t>Áp dụng	</a:t>
+            </a:r>
+            <a:endParaRPr lang="en-US" dirty="0"/>
+          </a:p>
+        </p:txBody>
+      </p:sp>
+      <p:sp>
+        <p:nvSpPr>
+          <p:cNvPr id="3" name="Content Placeholder 2">
+            <a:extLst>
+              <a:ext uri="{FF2B5EF4-FFF2-40B4-BE49-F238E27FC236}">
+                <a16:creationId xmlns:a16="http://schemas.microsoft.com/office/drawing/2014/main" id="{C69B7ACC-377F-4E4D-AC5D-8310DA879075}"/>
+              </a:ext>
+            </a:extLst>
+          </p:cNvPr>
+          <p:cNvSpPr>
+            <a:spLocks noGrp="1"/>
+          </p:cNvSpPr>
+          <p:nvPr>
+            <p:ph idx="1"/>
+          </p:nvPr>
+        </p:nvSpPr>
+        <p:spPr/>
+        <p:txBody>
+          <a:bodyPr/>
+          <a:lstStyle/>
+          <a:p>
+            <a:r>
+              <a:rPr lang="vi-VN" dirty="0"/>
+              <a:t>Tải ảnh từ ổ cứng lên ram, hiển thị thông số width, height, depth</a:t>
+            </a:r>
+          </a:p>
+          <a:p>
+            <a:r>
+              <a:rPr lang="vi-VN" dirty="0"/>
+              <a:t>Show ảnh lên màn hình</a:t>
+            </a:r>
+          </a:p>
+          <a:p>
+            <a:pPr>
+              <a:buFont typeface="Symbol" panose="05050102010706020507" pitchFamily="18" charset="2"/>
+              <a:buChar char="Þ"/>
+            </a:pPr>
+            <a:r>
+              <a:rPr lang="vi-VN" dirty="0"/>
+              <a:t>Các bước cần làm:</a:t>
+            </a:r>
+          </a:p>
+          <a:p>
+            <a:pPr marL="0" indent="0">
+              <a:buNone/>
+            </a:pPr>
+            <a:r>
+              <a:rPr lang="vi-VN" dirty="0"/>
+              <a:t>    -Tạo file name ảnh</a:t>
+            </a:r>
+          </a:p>
+          <a:p>
+            <a:pPr marL="0" indent="0">
+              <a:buNone/>
+            </a:pPr>
+            <a:r>
+              <a:rPr lang="vi-VN" dirty="0"/>
+              <a:t>    -</a:t>
+            </a:r>
+            <a:r>
+              <a:rPr lang="vi-VN" b="1" dirty="0"/>
+              <a:t>imread</a:t>
+            </a:r>
+            <a:r>
+              <a:rPr lang="vi-VN" dirty="0"/>
+              <a:t> đọc ảnh lên ram</a:t>
+            </a:r>
+          </a:p>
+          <a:p>
+            <a:pPr marL="0" indent="0">
+              <a:buNone/>
+            </a:pPr>
+            <a:r>
+              <a:rPr lang="vi-VN" dirty="0"/>
+              <a:t>    -</a:t>
+            </a:r>
+            <a:r>
+              <a:rPr lang="vi-VN" b="1" dirty="0"/>
+              <a:t>shape</a:t>
+            </a:r>
+            <a:r>
+              <a:rPr lang="vi-VN" dirty="0"/>
+              <a:t> lấy thông số width, height, depth</a:t>
+            </a:r>
+          </a:p>
+          <a:p>
+            <a:pPr marL="0" indent="0">
+              <a:buNone/>
+            </a:pPr>
+            <a:r>
+              <a:rPr lang="vi-VN" dirty="0"/>
+              <a:t>    -</a:t>
+            </a:r>
+            <a:r>
+              <a:rPr lang="vi-VN" b="1" dirty="0"/>
+              <a:t>imshow</a:t>
+            </a:r>
+            <a:r>
+              <a:rPr lang="vi-VN" dirty="0"/>
+              <a:t> show ảnh lên</a:t>
+            </a:r>
+          </a:p>
+          <a:p>
+            <a:endParaRPr lang="en-US" dirty="0"/>
+          </a:p>
+        </p:txBody>
+      </p:sp>
+    </p:spTree>
+    <p:extLst>
+      <p:ext uri="{BB962C8B-B14F-4D97-AF65-F5344CB8AC3E}">
+        <p14:creationId xmlns:p14="http://schemas.microsoft.com/office/powerpoint/2010/main" val="980166469"/>
+      </p:ext>
+    </p:extLst>
+  </p:cSld>
+  <p:clrMapOvr>
+    <a:masterClrMapping/>
+  </p:clrMapOvr>
+</p:sld>
+</file>
+
+<file path=ppt/slides/slide7.xml><?xml version="1.0" encoding="utf-8"?>
+<p:sld xmlns:a="http://schemas.openxmlformats.org/drawingml/2006/main" xmlns:r="http://schemas.openxmlformats.org/officeDocument/2006/relationships" xmlns:p="http://schemas.openxmlformats.org/presentationml/2006/main">
+  <p:cSld>
+    <p:spTree>
+      <p:nvGrpSpPr>
+        <p:cNvPr id="1" name=""/>
+        <p:cNvGrpSpPr/>
+        <p:nvPr/>
+      </p:nvGrpSpPr>
+      <p:grpSpPr>
+        <a:xfrm>
+          <a:off x="0" y="0"/>
+          <a:ext cx="0" cy="0"/>
+          <a:chOff x="0" y="0"/>
+          <a:chExt cx="0" cy="0"/>
+        </a:xfrm>
+      </p:grpSpPr>
+      <p:sp>
+        <p:nvSpPr>
+          <p:cNvPr id="2" name="Title 1">
+            <a:extLst>
+              <a:ext uri="{FF2B5EF4-FFF2-40B4-BE49-F238E27FC236}">
                 <a16:creationId xmlns:a16="http://schemas.microsoft.com/office/drawing/2014/main" id="{2739BE86-1F8E-4C26-BD92-25B3B791D259}"/>
               </a:ext>
             </a:extLst>
@@ -4546,6 +6876,439 @@
     <p:extLst>
       <p:ext uri="{BB962C8B-B14F-4D97-AF65-F5344CB8AC3E}">
         <p14:creationId xmlns:p14="http://schemas.microsoft.com/office/powerpoint/2010/main" val="1491750854"/>
+      </p:ext>
+    </p:extLst>
+  </p:cSld>
+  <p:clrMapOvr>
+    <a:masterClrMapping/>
+  </p:clrMapOvr>
+</p:sld>
+</file>
+
+<file path=ppt/slides/slide8.xml><?xml version="1.0" encoding="utf-8"?>
+<p:sld xmlns:a="http://schemas.openxmlformats.org/drawingml/2006/main" xmlns:r="http://schemas.openxmlformats.org/officeDocument/2006/relationships" xmlns:p="http://schemas.openxmlformats.org/presentationml/2006/main">
+  <p:cSld>
+    <p:spTree>
+      <p:nvGrpSpPr>
+        <p:cNvPr id="1" name=""/>
+        <p:cNvGrpSpPr/>
+        <p:nvPr/>
+      </p:nvGrpSpPr>
+      <p:grpSpPr>
+        <a:xfrm>
+          <a:off x="0" y="0"/>
+          <a:ext cx="0" cy="0"/>
+          <a:chOff x="0" y="0"/>
+          <a:chExt cx="0" cy="0"/>
+        </a:xfrm>
+      </p:grpSpPr>
+      <p:sp>
+        <p:nvSpPr>
+          <p:cNvPr id="2" name="Title 1">
+            <a:extLst>
+              <a:ext uri="{FF2B5EF4-FFF2-40B4-BE49-F238E27FC236}">
+                <a16:creationId xmlns:a16="http://schemas.microsoft.com/office/drawing/2014/main" id="{811F596D-1173-4576-99FE-D6B71DF51C5D}"/>
+              </a:ext>
+            </a:extLst>
+          </p:cNvPr>
+          <p:cNvSpPr>
+            <a:spLocks noGrp="1"/>
+          </p:cNvSpPr>
+          <p:nvPr>
+            <p:ph type="title"/>
+          </p:nvPr>
+        </p:nvSpPr>
+        <p:spPr/>
+        <p:txBody>
+          <a:bodyPr/>
+          <a:lstStyle/>
+          <a:p>
+            <a:r>
+              <a:rPr lang="en-US" dirty="0"/>
+              <a:t>Thao </a:t>
+            </a:r>
+            <a:r>
+              <a:rPr lang="en-US" dirty="0" err="1"/>
+              <a:t>tác</a:t>
+            </a:r>
+            <a:r>
+              <a:rPr lang="en-US" dirty="0"/>
+              <a:t> </a:t>
+            </a:r>
+            <a:r>
+              <a:rPr lang="en-US" dirty="0" err="1"/>
+              <a:t>với</a:t>
+            </a:r>
+            <a:r>
+              <a:rPr lang="en-US" dirty="0"/>
+              <a:t> </a:t>
+            </a:r>
+            <a:r>
+              <a:rPr lang="en-US" dirty="0" err="1"/>
+              <a:t>điểm</a:t>
+            </a:r>
+            <a:r>
+              <a:rPr lang="en-US" dirty="0"/>
+              <a:t> </a:t>
+            </a:r>
+            <a:r>
+              <a:rPr lang="en-US" dirty="0" err="1"/>
+              <a:t>ảnh</a:t>
+            </a:r>
+            <a:endParaRPr lang="en-US" dirty="0"/>
+          </a:p>
+        </p:txBody>
+      </p:sp>
+      <p:sp>
+        <p:nvSpPr>
+          <p:cNvPr id="3" name="Content Placeholder 2">
+            <a:extLst>
+              <a:ext uri="{FF2B5EF4-FFF2-40B4-BE49-F238E27FC236}">
+                <a16:creationId xmlns:a16="http://schemas.microsoft.com/office/drawing/2014/main" id="{018076F4-8314-4536-BF84-440B6A5B02CB}"/>
+              </a:ext>
+            </a:extLst>
+          </p:cNvPr>
+          <p:cNvSpPr>
+            <a:spLocks noGrp="1"/>
+          </p:cNvSpPr>
+          <p:nvPr>
+            <p:ph idx="1"/>
+          </p:nvPr>
+        </p:nvSpPr>
+        <p:spPr/>
+        <p:txBody>
+          <a:bodyPr/>
+          <a:lstStyle/>
+          <a:p>
+            <a:r>
+              <a:rPr lang="en-US" dirty="0"/>
+              <a:t>Image </a:t>
+            </a:r>
+            <a:r>
+              <a:rPr lang="en-US" dirty="0" err="1"/>
+              <a:t>là</a:t>
+            </a:r>
+            <a:r>
+              <a:rPr lang="en-US" dirty="0"/>
+              <a:t> </a:t>
+            </a:r>
+            <a:r>
+              <a:rPr lang="en-US" dirty="0" err="1"/>
+              <a:t>tập</a:t>
+            </a:r>
+            <a:r>
+              <a:rPr lang="en-US" dirty="0"/>
+              <a:t> </a:t>
+            </a:r>
+            <a:r>
+              <a:rPr lang="en-US" dirty="0" err="1"/>
+              <a:t>các</a:t>
+            </a:r>
+            <a:r>
+              <a:rPr lang="en-US" dirty="0"/>
+              <a:t> </a:t>
+            </a:r>
+            <a:r>
+              <a:rPr lang="en-US" dirty="0" err="1"/>
+              <a:t>điểm</a:t>
+            </a:r>
+            <a:r>
+              <a:rPr lang="en-US" dirty="0"/>
+              <a:t> </a:t>
+            </a:r>
+            <a:r>
+              <a:rPr lang="en-US" dirty="0" err="1"/>
+              <a:t>ảnh</a:t>
+            </a:r>
+            <a:endParaRPr lang="en-US" dirty="0"/>
+          </a:p>
+          <a:p>
+            <a:r>
+              <a:rPr lang="en-US" dirty="0"/>
+              <a:t>Image 640*480: 640 </a:t>
+            </a:r>
+            <a:r>
+              <a:rPr lang="en-US" dirty="0" err="1"/>
+              <a:t>cột</a:t>
+            </a:r>
+            <a:r>
+              <a:rPr lang="en-US" dirty="0"/>
+              <a:t>  * 480 </a:t>
+            </a:r>
+            <a:r>
+              <a:rPr lang="en-US" dirty="0" err="1"/>
+              <a:t>hàng</a:t>
+            </a:r>
+            <a:r>
+              <a:rPr lang="en-US" dirty="0"/>
+              <a:t> = 307200 </a:t>
+            </a:r>
+            <a:r>
+              <a:rPr lang="en-US" dirty="0" err="1"/>
+              <a:t>điểm</a:t>
+            </a:r>
+            <a:r>
+              <a:rPr lang="en-US" dirty="0"/>
+              <a:t> </a:t>
+            </a:r>
+            <a:r>
+              <a:rPr lang="en-US" dirty="0" err="1"/>
+              <a:t>ảnh</a:t>
+            </a:r>
+            <a:r>
+              <a:rPr lang="en-US" dirty="0"/>
+              <a:t>(pixels)</a:t>
+            </a:r>
+          </a:p>
+          <a:p>
+            <a:r>
+              <a:rPr lang="en-US" dirty="0"/>
+              <a:t>Image gray: </a:t>
+            </a:r>
+            <a:r>
+              <a:rPr lang="en-US" dirty="0" err="1"/>
+              <a:t>mỗi</a:t>
+            </a:r>
+            <a:r>
+              <a:rPr lang="en-US" dirty="0"/>
+              <a:t> </a:t>
+            </a:r>
+            <a:r>
+              <a:rPr lang="en-US" dirty="0" err="1"/>
+              <a:t>điểm</a:t>
+            </a:r>
+            <a:r>
+              <a:rPr lang="en-US" dirty="0"/>
+              <a:t> </a:t>
+            </a:r>
+            <a:r>
+              <a:rPr lang="en-US" dirty="0" err="1"/>
+              <a:t>ảnh</a:t>
+            </a:r>
+            <a:r>
+              <a:rPr lang="en-US" dirty="0"/>
+              <a:t> </a:t>
+            </a:r>
+            <a:r>
+              <a:rPr lang="en-US" dirty="0" err="1"/>
+              <a:t>có</a:t>
+            </a:r>
+            <a:r>
+              <a:rPr lang="en-US" dirty="0"/>
+              <a:t> </a:t>
+            </a:r>
+            <a:r>
+              <a:rPr lang="en-US" dirty="0" err="1"/>
+              <a:t>giá</a:t>
+            </a:r>
+            <a:r>
+              <a:rPr lang="en-US" dirty="0"/>
+              <a:t> </a:t>
+            </a:r>
+            <a:r>
+              <a:rPr lang="en-US" dirty="0" err="1"/>
+              <a:t>trị</a:t>
+            </a:r>
+            <a:r>
+              <a:rPr lang="en-US" dirty="0"/>
+              <a:t> 0-255 </a:t>
+            </a:r>
+            <a:r>
+              <a:rPr lang="en-US" dirty="0" err="1"/>
+              <a:t>ứng</a:t>
+            </a:r>
+            <a:r>
+              <a:rPr lang="en-US" dirty="0"/>
+              <a:t> </a:t>
+            </a:r>
+            <a:r>
+              <a:rPr lang="en-US" dirty="0" err="1"/>
+              <a:t>với</a:t>
+            </a:r>
+            <a:r>
+              <a:rPr lang="en-US" dirty="0"/>
+              <a:t> 256 </a:t>
+            </a:r>
+            <a:r>
+              <a:rPr lang="en-US" dirty="0" err="1"/>
+              <a:t>mức</a:t>
+            </a:r>
+            <a:r>
+              <a:rPr lang="en-US" dirty="0"/>
+              <a:t> gray.</a:t>
+            </a:r>
+          </a:p>
+          <a:p>
+            <a:r>
+              <a:rPr lang="en-US" dirty="0"/>
+              <a:t>Image </a:t>
+            </a:r>
+            <a:r>
+              <a:rPr lang="en-US" dirty="0" err="1"/>
+              <a:t>màu</a:t>
+            </a:r>
+            <a:r>
+              <a:rPr lang="en-US" dirty="0"/>
+              <a:t>: </a:t>
+            </a:r>
+            <a:r>
+              <a:rPr lang="en-US" dirty="0" err="1"/>
+              <a:t>Mỗi</a:t>
+            </a:r>
+            <a:r>
+              <a:rPr lang="en-US" dirty="0"/>
+              <a:t> </a:t>
+            </a:r>
+            <a:r>
+              <a:rPr lang="en-US" dirty="0" err="1"/>
+              <a:t>điểm</a:t>
+            </a:r>
+            <a:r>
+              <a:rPr lang="en-US" dirty="0"/>
+              <a:t> </a:t>
+            </a:r>
+            <a:r>
+              <a:rPr lang="en-US" dirty="0" err="1"/>
+              <a:t>ảnh</a:t>
+            </a:r>
+            <a:r>
+              <a:rPr lang="en-US" dirty="0"/>
+              <a:t> </a:t>
+            </a:r>
+            <a:r>
+              <a:rPr lang="en-US" dirty="0" err="1"/>
+              <a:t>là</a:t>
+            </a:r>
+            <a:r>
+              <a:rPr lang="en-US" dirty="0"/>
+              <a:t> list: [B, G, R]</a:t>
+            </a:r>
+          </a:p>
+        </p:txBody>
+      </p:sp>
+    </p:spTree>
+    <p:extLst>
+      <p:ext uri="{BB962C8B-B14F-4D97-AF65-F5344CB8AC3E}">
+        <p14:creationId xmlns:p14="http://schemas.microsoft.com/office/powerpoint/2010/main" val="3659292497"/>
+      </p:ext>
+    </p:extLst>
+  </p:cSld>
+  <p:clrMapOvr>
+    <a:masterClrMapping/>
+  </p:clrMapOvr>
+</p:sld>
+</file>
+
+<file path=ppt/slides/slide9.xml><?xml version="1.0" encoding="utf-8"?>
+<p:sld xmlns:a="http://schemas.openxmlformats.org/drawingml/2006/main" xmlns:r="http://schemas.openxmlformats.org/officeDocument/2006/relationships" xmlns:p="http://schemas.openxmlformats.org/presentationml/2006/main">
+  <p:cSld>
+    <p:spTree>
+      <p:nvGrpSpPr>
+        <p:cNvPr id="1" name=""/>
+        <p:cNvGrpSpPr/>
+        <p:nvPr/>
+      </p:nvGrpSpPr>
+      <p:grpSpPr>
+        <a:xfrm>
+          <a:off x="0" y="0"/>
+          <a:ext cx="0" cy="0"/>
+          <a:chOff x="0" y="0"/>
+          <a:chExt cx="0" cy="0"/>
+        </a:xfrm>
+      </p:grpSpPr>
+      <p:sp>
+        <p:nvSpPr>
+          <p:cNvPr id="2" name="Title 1">
+            <a:extLst>
+              <a:ext uri="{FF2B5EF4-FFF2-40B4-BE49-F238E27FC236}">
+                <a16:creationId xmlns:a16="http://schemas.microsoft.com/office/drawing/2014/main" id="{9A62167D-0910-4685-97E2-08DEF833C79D}"/>
+              </a:ext>
+            </a:extLst>
+          </p:cNvPr>
+          <p:cNvSpPr>
+            <a:spLocks noGrp="1"/>
+          </p:cNvSpPr>
+          <p:nvPr>
+            <p:ph type="title"/>
+          </p:nvPr>
+        </p:nvSpPr>
+        <p:spPr/>
+        <p:txBody>
+          <a:bodyPr/>
+          <a:lstStyle/>
+          <a:p>
+            <a:r>
+              <a:rPr lang="en-US" dirty="0"/>
+              <a:t>Thao </a:t>
+            </a:r>
+            <a:r>
+              <a:rPr lang="en-US" dirty="0" err="1"/>
+              <a:t>tác</a:t>
+            </a:r>
+            <a:r>
+              <a:rPr lang="en-US" dirty="0"/>
+              <a:t> </a:t>
+            </a:r>
+            <a:r>
+              <a:rPr lang="en-US" dirty="0" err="1"/>
+              <a:t>với</a:t>
+            </a:r>
+            <a:r>
+              <a:rPr lang="en-US" dirty="0"/>
+              <a:t> </a:t>
+            </a:r>
+            <a:r>
+              <a:rPr lang="en-US" dirty="0" err="1"/>
+              <a:t>điểm</a:t>
+            </a:r>
+            <a:r>
+              <a:rPr lang="en-US" dirty="0"/>
+              <a:t> </a:t>
+            </a:r>
+            <a:r>
+              <a:rPr lang="en-US" dirty="0" err="1"/>
+              <a:t>ảnh</a:t>
+            </a:r>
+            <a:endParaRPr lang="en-US" dirty="0"/>
+          </a:p>
+        </p:txBody>
+      </p:sp>
+      <p:pic>
+        <p:nvPicPr>
+          <p:cNvPr id="8" name="Content Placeholder 7">
+            <a:extLst>
+              <a:ext uri="{FF2B5EF4-FFF2-40B4-BE49-F238E27FC236}">
+                <a16:creationId xmlns:a16="http://schemas.microsoft.com/office/drawing/2014/main" id="{ADAA6935-605E-4D8B-BCE9-40965E7EF570}"/>
+              </a:ext>
+            </a:extLst>
+          </p:cNvPr>
+          <p:cNvPicPr>
+            <a:picLocks noGrp="1" noChangeAspect="1"/>
+          </p:cNvPicPr>
+          <p:nvPr>
+            <p:ph idx="1"/>
+          </p:nvPr>
+        </p:nvPicPr>
+        <p:blipFill>
+          <a:blip r:embed="rId2"/>
+          <a:stretch>
+            <a:fillRect/>
+          </a:stretch>
+        </p:blipFill>
+        <p:spPr>
+          <a:xfrm>
+            <a:off x="1018653" y="2836985"/>
+            <a:ext cx="9106422" cy="2088234"/>
+          </a:xfrm>
+          <a:prstGeom prst="rect">
+            <a:avLst/>
+          </a:prstGeom>
+        </p:spPr>
+      </p:pic>
+    </p:spTree>
+    <p:extLst>
+      <p:ext uri="{BB962C8B-B14F-4D97-AF65-F5344CB8AC3E}">
+        <p14:creationId xmlns:p14="http://schemas.microsoft.com/office/powerpoint/2010/main" val="4128258861"/>
       </p:ext>
     </p:extLst>
   </p:cSld>
@@ -5146,6 +7909,21 @@
 </file>
 
 <file path=customXml/item1.xml><?xml version="1.0" encoding="utf-8"?>
+<p:properties xmlns:p="http://schemas.microsoft.com/office/2006/metadata/properties" xmlns:xsi="http://www.w3.org/2001/XMLSchema-instance" xmlns:pc="http://schemas.microsoft.com/office/infopath/2007/PartnerControls">
+  <documentManagement/>
+</p:properties>
+</file>
+
+<file path=customXml/item2.xml><?xml version="1.0" encoding="utf-8"?>
+<?mso-contentType ?>
+<FormTemplates xmlns="http://schemas.microsoft.com/sharepoint/v3/contenttype/forms">
+  <Display>DocumentLibraryForm</Display>
+  <Edit>DocumentLibraryForm</Edit>
+  <New>DocumentLibraryForm</New>
+</FormTemplates>
+</file>
+
+<file path=customXml/item3.xml><?xml version="1.0" encoding="utf-8"?>
 <ct:contentTypeSchema xmlns:ct="http://schemas.microsoft.com/office/2006/metadata/contentType" xmlns:ma="http://schemas.microsoft.com/office/2006/metadata/properties/metaAttributes" ct:_="" ma:_="" ma:contentTypeName="Document" ma:contentTypeID="0x0101005BD551F90032B749B36C3DC190CEF30E" ma:contentTypeVersion="8" ma:contentTypeDescription="Create a new document." ma:contentTypeScope="" ma:versionID="f221cd154926e81e7cd0834e7580ba27">
   <xsd:schema xmlns:xsd="http://www.w3.org/2001/XMLSchema" xmlns:xs="http://www.w3.org/2001/XMLSchema" xmlns:p="http://schemas.microsoft.com/office/2006/metadata/properties" xmlns:ns3="b5dec6d1-ff35-47a2-b92b-72c1e009ebcf" targetNamespace="http://schemas.microsoft.com/office/2006/metadata/properties" ma:root="true" ma:fieldsID="662bb24b3b212a99191018b91831956a" ns3:_="">
     <xsd:import namespace="b5dec6d1-ff35-47a2-b92b-72c1e009ebcf"/>
@@ -5315,22 +8093,24 @@
 </ct:contentTypeSchema>
 </file>
 
-<file path=customXml/item2.xml><?xml version="1.0" encoding="utf-8"?>
-<?mso-contentType ?>
-<FormTemplates xmlns="http://schemas.microsoft.com/sharepoint/v3/contenttype/forms">
-  <Display>DocumentLibraryForm</Display>
-  <Edit>DocumentLibraryForm</Edit>
-  <New>DocumentLibraryForm</New>
-</FormTemplates>
+<file path=customXml/itemProps1.xml><?xml version="1.0" encoding="utf-8"?>
+<ds:datastoreItem xmlns:ds="http://schemas.openxmlformats.org/officeDocument/2006/customXml" ds:itemID="{5D02053A-F17C-4255-9994-667A92805C4B}">
+  <ds:schemaRefs>
+    <ds:schemaRef ds:uri="http://schemas.microsoft.com/office/2006/metadata/properties"/>
+    <ds:schemaRef ds:uri="http://schemas.microsoft.com/office/infopath/2007/PartnerControls"/>
+  </ds:schemaRefs>
+</ds:datastoreItem>
 </file>
 
-<file path=customXml/item3.xml><?xml version="1.0" encoding="utf-8"?>
-<p:properties xmlns:p="http://schemas.microsoft.com/office/2006/metadata/properties" xmlns:xsi="http://www.w3.org/2001/XMLSchema-instance" xmlns:pc="http://schemas.microsoft.com/office/infopath/2007/PartnerControls">
-  <documentManagement/>
-</p:properties>
+<file path=customXml/itemProps2.xml><?xml version="1.0" encoding="utf-8"?>
+<ds:datastoreItem xmlns:ds="http://schemas.openxmlformats.org/officeDocument/2006/customXml" ds:itemID="{367D404D-C7F6-4D08-AA47-E3794D297A9E}">
+  <ds:schemaRefs>
+    <ds:schemaRef ds:uri="http://schemas.microsoft.com/sharepoint/v3/contenttype/forms"/>
+  </ds:schemaRefs>
+</ds:datastoreItem>
 </file>
 
-<file path=customXml/itemProps1.xml><?xml version="1.0" encoding="utf-8"?>
+<file path=customXml/itemProps3.xml><?xml version="1.0" encoding="utf-8"?>
 <ds:datastoreItem xmlns:ds="http://schemas.openxmlformats.org/officeDocument/2006/customXml" ds:itemID="{165E9803-73E2-42B8-8A79-6ED09C462EBF}">
   <ds:schemaRefs>
     <ds:schemaRef ds:uri="http://schemas.microsoft.com/office/2006/metadata/contentType"/>
@@ -5346,21 +8126,4 @@
     <ds:schemaRef ds:uri="http://schemas.microsoft.com/internal/obd"/>
   </ds:schemaRefs>
 </ds:datastoreItem>
-</file>
-
-<file path=customXml/itemProps2.xml><?xml version="1.0" encoding="utf-8"?>
-<ds:datastoreItem xmlns:ds="http://schemas.openxmlformats.org/officeDocument/2006/customXml" ds:itemID="{367D404D-C7F6-4D08-AA47-E3794D297A9E}">
-  <ds:schemaRefs>
-    <ds:schemaRef ds:uri="http://schemas.microsoft.com/sharepoint/v3/contenttype/forms"/>
-  </ds:schemaRefs>
-</ds:datastoreItem>
-</file>
-
-<file path=customXml/itemProps3.xml><?xml version="1.0" encoding="utf-8"?>
-<ds:datastoreItem xmlns:ds="http://schemas.openxmlformats.org/officeDocument/2006/customXml" ds:itemID="{5D02053A-F17C-4255-9994-667A92805C4B}">
-  <ds:schemaRefs>
-    <ds:schemaRef ds:uri="http://schemas.microsoft.com/office/2006/metadata/properties"/>
-    <ds:schemaRef ds:uri="http://schemas.microsoft.com/office/infopath/2007/PartnerControls"/>
-  </ds:schemaRefs>
-</ds:datastoreItem>
 </file>
--- a/Lecture/OpenCVCoban.pptx
+++ b/Lecture/OpenCVCoban.pptx
@@ -5,7 +5,7 @@
     <p:sldMasterId id="2147483648" r:id="rId4"/>
   </p:sldMasterIdLst>
   <p:notesMasterIdLst>
-    <p:notesMasterId r:id="rId20"/>
+    <p:notesMasterId r:id="rId31"/>
   </p:notesMasterIdLst>
   <p:sldIdLst>
     <p:sldId id="256" r:id="rId5"/>
@@ -23,6 +23,17 @@
     <p:sldId id="269" r:id="rId17"/>
     <p:sldId id="270" r:id="rId18"/>
     <p:sldId id="271" r:id="rId19"/>
+    <p:sldId id="272" r:id="rId20"/>
+    <p:sldId id="273" r:id="rId21"/>
+    <p:sldId id="274" r:id="rId22"/>
+    <p:sldId id="275" r:id="rId23"/>
+    <p:sldId id="276" r:id="rId24"/>
+    <p:sldId id="277" r:id="rId25"/>
+    <p:sldId id="279" r:id="rId26"/>
+    <p:sldId id="280" r:id="rId27"/>
+    <p:sldId id="281" r:id="rId28"/>
+    <p:sldId id="282" r:id="rId29"/>
+    <p:sldId id="283" r:id="rId30"/>
   </p:sldIdLst>
   <p:sldSz cx="12192000" cy="6858000"/>
   <p:notesSz cx="6858000" cy="9144000"/>
@@ -211,7 +222,7 @@
           <a:p>
             <a:fld id="{6B0060CE-5BE9-4999-A479-5CC727D9E929}" type="datetimeFigureOut">
               <a:rPr lang="en-US" smtClean="0"/>
-              <a:t>2/27/2020</a:t>
+              <a:t>3/3/2020</a:t>
             </a:fld>
             <a:endParaRPr lang="en-US"/>
           </a:p>
@@ -718,7 +729,7 @@
           <a:p>
             <a:fld id="{398F67C6-969B-4601-8D1D-2A5CCB604380}" type="datetimeFigureOut">
               <a:rPr lang="en-US" smtClean="0"/>
-              <a:t>2/27/2020</a:t>
+              <a:t>3/3/2020</a:t>
             </a:fld>
             <a:endParaRPr lang="en-US"/>
           </a:p>
@@ -916,7 +927,7 @@
           <a:p>
             <a:fld id="{398F67C6-969B-4601-8D1D-2A5CCB604380}" type="datetimeFigureOut">
               <a:rPr lang="en-US" smtClean="0"/>
-              <a:t>2/27/2020</a:t>
+              <a:t>3/3/2020</a:t>
             </a:fld>
             <a:endParaRPr lang="en-US"/>
           </a:p>
@@ -1124,7 +1135,7 @@
           <a:p>
             <a:fld id="{398F67C6-969B-4601-8D1D-2A5CCB604380}" type="datetimeFigureOut">
               <a:rPr lang="en-US" smtClean="0"/>
-              <a:t>2/27/2020</a:t>
+              <a:t>3/3/2020</a:t>
             </a:fld>
             <a:endParaRPr lang="en-US"/>
           </a:p>
@@ -1322,7 +1333,7 @@
           <a:p>
             <a:fld id="{398F67C6-969B-4601-8D1D-2A5CCB604380}" type="datetimeFigureOut">
               <a:rPr lang="en-US" smtClean="0"/>
-              <a:t>2/27/2020</a:t>
+              <a:t>3/3/2020</a:t>
             </a:fld>
             <a:endParaRPr lang="en-US"/>
           </a:p>
@@ -1597,7 +1608,7 @@
           <a:p>
             <a:fld id="{398F67C6-969B-4601-8D1D-2A5CCB604380}" type="datetimeFigureOut">
               <a:rPr lang="en-US" smtClean="0"/>
-              <a:t>2/27/2020</a:t>
+              <a:t>3/3/2020</a:t>
             </a:fld>
             <a:endParaRPr lang="en-US"/>
           </a:p>
@@ -1862,7 +1873,7 @@
           <a:p>
             <a:fld id="{398F67C6-969B-4601-8D1D-2A5CCB604380}" type="datetimeFigureOut">
               <a:rPr lang="en-US" smtClean="0"/>
-              <a:t>2/27/2020</a:t>
+              <a:t>3/3/2020</a:t>
             </a:fld>
             <a:endParaRPr lang="en-US"/>
           </a:p>
@@ -2274,7 +2285,7 @@
           <a:p>
             <a:fld id="{398F67C6-969B-4601-8D1D-2A5CCB604380}" type="datetimeFigureOut">
               <a:rPr lang="en-US" smtClean="0"/>
-              <a:t>2/27/2020</a:t>
+              <a:t>3/3/2020</a:t>
             </a:fld>
             <a:endParaRPr lang="en-US"/>
           </a:p>
@@ -2415,7 +2426,7 @@
           <a:p>
             <a:fld id="{398F67C6-969B-4601-8D1D-2A5CCB604380}" type="datetimeFigureOut">
               <a:rPr lang="en-US" smtClean="0"/>
-              <a:t>2/27/2020</a:t>
+              <a:t>3/3/2020</a:t>
             </a:fld>
             <a:endParaRPr lang="en-US"/>
           </a:p>
@@ -2528,7 +2539,7 @@
           <a:p>
             <a:fld id="{398F67C6-969B-4601-8D1D-2A5CCB604380}" type="datetimeFigureOut">
               <a:rPr lang="en-US" smtClean="0"/>
-              <a:t>2/27/2020</a:t>
+              <a:t>3/3/2020</a:t>
             </a:fld>
             <a:endParaRPr lang="en-US"/>
           </a:p>
@@ -2839,7 +2850,7 @@
           <a:p>
             <a:fld id="{398F67C6-969B-4601-8D1D-2A5CCB604380}" type="datetimeFigureOut">
               <a:rPr lang="en-US" smtClean="0"/>
-              <a:t>2/27/2020</a:t>
+              <a:t>3/3/2020</a:t>
             </a:fld>
             <a:endParaRPr lang="en-US"/>
           </a:p>
@@ -3127,7 +3138,7 @@
           <a:p>
             <a:fld id="{398F67C6-969B-4601-8D1D-2A5CCB604380}" type="datetimeFigureOut">
               <a:rPr lang="en-US" smtClean="0"/>
-              <a:t>2/27/2020</a:t>
+              <a:t>3/3/2020</a:t>
             </a:fld>
             <a:endParaRPr lang="en-US"/>
           </a:p>
@@ -3368,7 +3379,7 @@
           <a:p>
             <a:fld id="{398F67C6-969B-4601-8D1D-2A5CCB604380}" type="datetimeFigureOut">
               <a:rPr lang="en-US" smtClean="0"/>
-              <a:t>2/27/2020</a:t>
+              <a:t>3/3/2020</a:t>
             </a:fld>
             <a:endParaRPr lang="en-US"/>
           </a:p>
@@ -5648,6 +5659,1467 @@
 </p:sld>
 </file>
 
+<file path=ppt/slides/slide16.xml><?xml version="1.0" encoding="utf-8"?>
+<p:sld xmlns:a="http://schemas.openxmlformats.org/drawingml/2006/main" xmlns:r="http://schemas.openxmlformats.org/officeDocument/2006/relationships" xmlns:p="http://schemas.openxmlformats.org/presentationml/2006/main">
+  <p:cSld>
+    <p:bg>
+      <p:bgPr>
+        <a:solidFill>
+          <a:schemeClr val="bg1"/>
+        </a:solidFill>
+        <a:effectLst/>
+      </p:bgPr>
+    </p:bg>
+    <p:spTree>
+      <p:nvGrpSpPr>
+        <p:cNvPr id="1" name=""/>
+        <p:cNvGrpSpPr/>
+        <p:nvPr/>
+      </p:nvGrpSpPr>
+      <p:grpSpPr>
+        <a:xfrm>
+          <a:off x="0" y="0"/>
+          <a:ext cx="0" cy="0"/>
+          <a:chOff x="0" y="0"/>
+          <a:chExt cx="0" cy="0"/>
+        </a:xfrm>
+      </p:grpSpPr>
+      <p:sp useBgFill="1">
+        <p:nvSpPr>
+          <p:cNvPr id="7" name="Rectangle 6">
+            <a:extLst>
+              <a:ext uri="{FF2B5EF4-FFF2-40B4-BE49-F238E27FC236}">
+                <a16:creationId xmlns:a16="http://schemas.microsoft.com/office/drawing/2014/main" id="{B26EE4FD-480F-42A5-9FEB-DA630457CFB7}"/>
+              </a:ext>
+              <a:ext uri="{C183D7F6-B498-43B3-948B-1728B52AA6E4}">
+                <adec:decorative xmlns:adec="http://schemas.microsoft.com/office/drawing/2017/decorative" val="1"/>
+              </a:ext>
+            </a:extLst>
+          </p:cNvPr>
+          <p:cNvSpPr>
+            <a:spLocks noGrp="1" noRot="1" noChangeAspect="1" noMove="1" noResize="1" noEditPoints="1" noAdjustHandles="1" noChangeArrowheads="1" noChangeShapeType="1" noTextEdit="1"/>
+          </p:cNvSpPr>
+          <p:nvPr>
+            <p:extLst>
+              <p:ext uri="{386F3935-93C4-4BCD-93E2-E3B085C9AB24}">
+                <p16:designElem xmlns:p16="http://schemas.microsoft.com/office/powerpoint/2015/main" val="1"/>
+              </p:ext>
+            </p:extLst>
+          </p:nvPr>
+        </p:nvSpPr>
+        <p:spPr>
+          <a:xfrm>
+            <a:off x="0" y="0"/>
+            <a:ext cx="12188952" cy="6858000"/>
+          </a:xfrm>
+          <a:prstGeom prst="rect">
+            <a:avLst/>
+          </a:prstGeom>
+          <a:ln>
+            <a:noFill/>
+          </a:ln>
+        </p:spPr>
+        <p:style>
+          <a:lnRef idx="2">
+            <a:schemeClr val="accent1">
+              <a:shade val="50000"/>
+            </a:schemeClr>
+          </a:lnRef>
+          <a:fillRef idx="1">
+            <a:schemeClr val="accent1"/>
+          </a:fillRef>
+          <a:effectRef idx="0">
+            <a:schemeClr val="accent1"/>
+          </a:effectRef>
+          <a:fontRef idx="minor">
+            <a:schemeClr val="lt1"/>
+          </a:fontRef>
+        </p:style>
+        <p:txBody>
+          <a:bodyPr rtlCol="0" anchor="ctr"/>
+          <a:lstStyle/>
+          <a:p>
+            <a:pPr algn="ctr"/>
+            <a:endParaRPr lang="en-US"/>
+          </a:p>
+        </p:txBody>
+      </p:sp>
+      <p:sp>
+        <p:nvSpPr>
+          <p:cNvPr id="9" name="Freeform 5">
+            <a:extLst>
+              <a:ext uri="{FF2B5EF4-FFF2-40B4-BE49-F238E27FC236}">
+                <a16:creationId xmlns:a16="http://schemas.microsoft.com/office/drawing/2014/main" id="{A187062F-BE14-42FC-B06A-607DB23849C3}"/>
+              </a:ext>
+              <a:ext uri="{C183D7F6-B498-43B3-948B-1728B52AA6E4}">
+                <adec:decorative xmlns:adec="http://schemas.microsoft.com/office/drawing/2017/decorative" val="1"/>
+              </a:ext>
+            </a:extLst>
+          </p:cNvPr>
+          <p:cNvSpPr>
+            <a:spLocks noGrp="1" noRot="1" noChangeAspect="1" noMove="1" noResize="1" noEditPoints="1" noAdjustHandles="1" noChangeArrowheads="1" noChangeShapeType="1" noTextEdit="1"/>
+          </p:cNvSpPr>
+          <p:nvPr>
+            <p:extLst>
+              <p:ext uri="{386F3935-93C4-4BCD-93E2-E3B085C9AB24}">
+                <p16:designElem xmlns:p16="http://schemas.microsoft.com/office/powerpoint/2015/main" val="1"/>
+              </p:ext>
+            </p:extLst>
+          </p:nvPr>
+        </p:nvSpPr>
+        <p:spPr bwMode="auto">
+          <a:xfrm flipH="1">
+            <a:off x="842688" y="1766812"/>
+            <a:ext cx="822493" cy="4232692"/>
+          </a:xfrm>
+          <a:custGeom>
+            <a:avLst/>
+            <a:gdLst>
+              <a:gd name="T0" fmla="*/ 491 w 491"/>
+              <a:gd name="T1" fmla="*/ 2247 h 2732"/>
+              <a:gd name="T2" fmla="*/ 0 w 491"/>
+              <a:gd name="T3" fmla="*/ 2732 h 2732"/>
+              <a:gd name="T4" fmla="*/ 0 w 491"/>
+              <a:gd name="T5" fmla="*/ 486 h 2732"/>
+              <a:gd name="T6" fmla="*/ 491 w 491"/>
+              <a:gd name="T7" fmla="*/ 0 h 2732"/>
+              <a:gd name="T8" fmla="*/ 491 w 491"/>
+              <a:gd name="T9" fmla="*/ 2247 h 2732"/>
+            </a:gdLst>
+            <a:ahLst/>
+            <a:cxnLst>
+              <a:cxn ang="0">
+                <a:pos x="T0" y="T1"/>
+              </a:cxn>
+              <a:cxn ang="0">
+                <a:pos x="T2" y="T3"/>
+              </a:cxn>
+              <a:cxn ang="0">
+                <a:pos x="T4" y="T5"/>
+              </a:cxn>
+              <a:cxn ang="0">
+                <a:pos x="T6" y="T7"/>
+              </a:cxn>
+              <a:cxn ang="0">
+                <a:pos x="T8" y="T9"/>
+              </a:cxn>
+            </a:cxnLst>
+            <a:rect l="0" t="0" r="r" b="b"/>
+            <a:pathLst>
+              <a:path w="491" h="2732">
+                <a:moveTo>
+                  <a:pt x="491" y="2247"/>
+                </a:moveTo>
+                <a:lnTo>
+                  <a:pt x="0" y="2732"/>
+                </a:lnTo>
+                <a:lnTo>
+                  <a:pt x="0" y="486"/>
+                </a:lnTo>
+                <a:lnTo>
+                  <a:pt x="491" y="0"/>
+                </a:lnTo>
+                <a:lnTo>
+                  <a:pt x="491" y="2247"/>
+                </a:lnTo>
+                <a:close/>
+              </a:path>
+            </a:pathLst>
+          </a:custGeom>
+          <a:solidFill>
+            <a:schemeClr val="accent1">
+              <a:lumMod val="50000"/>
+            </a:schemeClr>
+          </a:solidFill>
+          <a:ln>
+            <a:noFill/>
+          </a:ln>
+        </p:spPr>
+        <p:txBody>
+          <a:bodyPr vert="horz" wrap="square" lIns="91440" tIns="45720" rIns="91440" bIns="45720" numCol="1" anchor="t" anchorCtr="0" compatLnSpc="1">
+            <a:prstTxWarp prst="textNoShape">
+              <a:avLst/>
+            </a:prstTxWarp>
+          </a:bodyPr>
+          <a:lstStyle/>
+          <a:p>
+            <a:endParaRPr lang="en-US"/>
+          </a:p>
+        </p:txBody>
+      </p:sp>
+      <p:sp>
+        <p:nvSpPr>
+          <p:cNvPr id="11" name="Freeform 6">
+            <a:extLst>
+              <a:ext uri="{FF2B5EF4-FFF2-40B4-BE49-F238E27FC236}">
+                <a16:creationId xmlns:a16="http://schemas.microsoft.com/office/drawing/2014/main" id="{731FE21B-2A45-4BF5-8B03-E12341988774}"/>
+              </a:ext>
+              <a:ext uri="{C183D7F6-B498-43B3-948B-1728B52AA6E4}">
+                <adec:decorative xmlns:adec="http://schemas.microsoft.com/office/drawing/2017/decorative" val="1"/>
+              </a:ext>
+            </a:extLst>
+          </p:cNvPr>
+          <p:cNvSpPr>
+            <a:spLocks noGrp="1" noRot="1" noChangeAspect="1" noMove="1" noResize="1" noEditPoints="1" noAdjustHandles="1" noChangeArrowheads="1" noChangeShapeType="1" noTextEdit="1"/>
+          </p:cNvSpPr>
+          <p:nvPr>
+            <p:extLst>
+              <p:ext uri="{386F3935-93C4-4BCD-93E2-E3B085C9AB24}">
+                <p16:designElem xmlns:p16="http://schemas.microsoft.com/office/powerpoint/2015/main" val="1"/>
+              </p:ext>
+            </p:extLst>
+          </p:nvPr>
+        </p:nvSpPr>
+        <p:spPr bwMode="auto">
+          <a:xfrm flipH="1">
+            <a:off x="842689" y="1423780"/>
+            <a:ext cx="687754" cy="3820236"/>
+          </a:xfrm>
+          <a:custGeom>
+            <a:avLst/>
+            <a:gdLst>
+              <a:gd name="T0" fmla="*/ 414 w 414"/>
+              <a:gd name="T1" fmla="*/ 2447 h 2447"/>
+              <a:gd name="T2" fmla="*/ 0 w 414"/>
+              <a:gd name="T3" fmla="*/ 2247 h 2447"/>
+              <a:gd name="T4" fmla="*/ 0 w 414"/>
+              <a:gd name="T5" fmla="*/ 0 h 2447"/>
+              <a:gd name="T6" fmla="*/ 414 w 414"/>
+              <a:gd name="T7" fmla="*/ 200 h 2447"/>
+              <a:gd name="T8" fmla="*/ 414 w 414"/>
+              <a:gd name="T9" fmla="*/ 2447 h 2447"/>
+            </a:gdLst>
+            <a:ahLst/>
+            <a:cxnLst>
+              <a:cxn ang="0">
+                <a:pos x="T0" y="T1"/>
+              </a:cxn>
+              <a:cxn ang="0">
+                <a:pos x="T2" y="T3"/>
+              </a:cxn>
+              <a:cxn ang="0">
+                <a:pos x="T4" y="T5"/>
+              </a:cxn>
+              <a:cxn ang="0">
+                <a:pos x="T6" y="T7"/>
+              </a:cxn>
+              <a:cxn ang="0">
+                <a:pos x="T8" y="T9"/>
+              </a:cxn>
+            </a:cxnLst>
+            <a:rect l="0" t="0" r="r" b="b"/>
+            <a:pathLst>
+              <a:path w="414" h="2447">
+                <a:moveTo>
+                  <a:pt x="414" y="2447"/>
+                </a:moveTo>
+                <a:lnTo>
+                  <a:pt x="0" y="2247"/>
+                </a:lnTo>
+                <a:lnTo>
+                  <a:pt x="0" y="0"/>
+                </a:lnTo>
+                <a:lnTo>
+                  <a:pt x="414" y="200"/>
+                </a:lnTo>
+                <a:lnTo>
+                  <a:pt x="414" y="2447"/>
+                </a:lnTo>
+                <a:close/>
+              </a:path>
+            </a:pathLst>
+          </a:custGeom>
+          <a:solidFill>
+            <a:schemeClr val="accent1">
+              <a:lumMod val="75000"/>
+            </a:schemeClr>
+          </a:solidFill>
+          <a:ln>
+            <a:noFill/>
+          </a:ln>
+        </p:spPr>
+        <p:txBody>
+          <a:bodyPr vert="horz" wrap="square" lIns="91440" tIns="45720" rIns="91440" bIns="45720" numCol="1" anchor="t" anchorCtr="0" compatLnSpc="1">
+            <a:prstTxWarp prst="textNoShape">
+              <a:avLst/>
+            </a:prstTxWarp>
+          </a:bodyPr>
+          <a:lstStyle/>
+          <a:p>
+            <a:endParaRPr lang="en-US"/>
+          </a:p>
+        </p:txBody>
+      </p:sp>
+      <p:sp>
+        <p:nvSpPr>
+          <p:cNvPr id="13" name="Freeform 7">
+            <a:extLst>
+              <a:ext uri="{FF2B5EF4-FFF2-40B4-BE49-F238E27FC236}">
+                <a16:creationId xmlns:a16="http://schemas.microsoft.com/office/drawing/2014/main" id="{2DC5A94D-79ED-48F5-9DC5-96CBB507CEC8}"/>
+              </a:ext>
+              <a:ext uri="{C183D7F6-B498-43B3-948B-1728B52AA6E4}">
+                <adec:decorative xmlns:adec="http://schemas.microsoft.com/office/drawing/2017/decorative" val="1"/>
+              </a:ext>
+            </a:extLst>
+          </p:cNvPr>
+          <p:cNvSpPr>
+            <a:spLocks noGrp="1" noRot="1" noChangeAspect="1" noMove="1" noResize="1" noEditPoints="1" noAdjustHandles="1" noChangeArrowheads="1" noChangeShapeType="1" noTextEdit="1"/>
+          </p:cNvSpPr>
+          <p:nvPr>
+            <p:extLst>
+              <p:ext uri="{386F3935-93C4-4BCD-93E2-E3B085C9AB24}">
+                <p16:designElem xmlns:p16="http://schemas.microsoft.com/office/powerpoint/2015/main" val="1"/>
+              </p:ext>
+            </p:extLst>
+          </p:nvPr>
+        </p:nvSpPr>
+        <p:spPr bwMode="auto">
+          <a:xfrm flipH="1">
+            <a:off x="1183243" y="1239381"/>
+            <a:ext cx="347200" cy="3699705"/>
+          </a:xfrm>
+          <a:custGeom>
+            <a:avLst/>
+            <a:gdLst>
+              <a:gd name="T0" fmla="*/ 209 w 209"/>
+              <a:gd name="T1" fmla="*/ 2246 h 2358"/>
+              <a:gd name="T2" fmla="*/ 0 w 209"/>
+              <a:gd name="T3" fmla="*/ 2358 h 2358"/>
+              <a:gd name="T4" fmla="*/ 0 w 209"/>
+              <a:gd name="T5" fmla="*/ 111 h 2358"/>
+              <a:gd name="T6" fmla="*/ 209 w 209"/>
+              <a:gd name="T7" fmla="*/ 0 h 2358"/>
+              <a:gd name="T8" fmla="*/ 209 w 209"/>
+              <a:gd name="T9" fmla="*/ 2246 h 2358"/>
+            </a:gdLst>
+            <a:ahLst/>
+            <a:cxnLst>
+              <a:cxn ang="0">
+                <a:pos x="T0" y="T1"/>
+              </a:cxn>
+              <a:cxn ang="0">
+                <a:pos x="T2" y="T3"/>
+              </a:cxn>
+              <a:cxn ang="0">
+                <a:pos x="T4" y="T5"/>
+              </a:cxn>
+              <a:cxn ang="0">
+                <a:pos x="T6" y="T7"/>
+              </a:cxn>
+              <a:cxn ang="0">
+                <a:pos x="T8" y="T9"/>
+              </a:cxn>
+            </a:cxnLst>
+            <a:rect l="0" t="0" r="r" b="b"/>
+            <a:pathLst>
+              <a:path w="209" h="2358">
+                <a:moveTo>
+                  <a:pt x="209" y="2246"/>
+                </a:moveTo>
+                <a:lnTo>
+                  <a:pt x="0" y="2358"/>
+                </a:lnTo>
+                <a:lnTo>
+                  <a:pt x="0" y="111"/>
+                </a:lnTo>
+                <a:lnTo>
+                  <a:pt x="209" y="0"/>
+                </a:lnTo>
+                <a:lnTo>
+                  <a:pt x="209" y="2246"/>
+                </a:lnTo>
+                <a:close/>
+              </a:path>
+            </a:pathLst>
+          </a:custGeom>
+          <a:solidFill>
+            <a:schemeClr val="accent1">
+              <a:lumMod val="50000"/>
+            </a:schemeClr>
+          </a:solidFill>
+          <a:ln>
+            <a:noFill/>
+          </a:ln>
+        </p:spPr>
+        <p:txBody>
+          <a:bodyPr vert="horz" wrap="square" lIns="91440" tIns="45720" rIns="91440" bIns="45720" numCol="1" anchor="t" anchorCtr="0" compatLnSpc="1">
+            <a:prstTxWarp prst="textNoShape">
+              <a:avLst/>
+            </a:prstTxWarp>
+          </a:bodyPr>
+          <a:lstStyle/>
+          <a:p>
+            <a:endParaRPr lang="en-US"/>
+          </a:p>
+        </p:txBody>
+      </p:sp>
+      <p:sp>
+        <p:nvSpPr>
+          <p:cNvPr id="15" name="Rectangle 8">
+            <a:extLst>
+              <a:ext uri="{FF2B5EF4-FFF2-40B4-BE49-F238E27FC236}">
+                <a16:creationId xmlns:a16="http://schemas.microsoft.com/office/drawing/2014/main" id="{93A3D4BE-AF25-4F9A-9C29-1145CCE24A28}"/>
+              </a:ext>
+              <a:ext uri="{C183D7F6-B498-43B3-948B-1728B52AA6E4}">
+                <adec:decorative xmlns:adec="http://schemas.microsoft.com/office/drawing/2017/decorative" val="1"/>
+              </a:ext>
+            </a:extLst>
+          </p:cNvPr>
+          <p:cNvSpPr>
+            <a:spLocks noGrp="1" noRot="1" noChangeAspect="1" noMove="1" noResize="1" noEditPoints="1" noAdjustHandles="1" noChangeArrowheads="1" noChangeShapeType="1" noTextEdit="1"/>
+          </p:cNvSpPr>
+          <p:nvPr>
+            <p:extLst>
+              <p:ext uri="{386F3935-93C4-4BCD-93E2-E3B085C9AB24}">
+                <p16:designElem xmlns:p16="http://schemas.microsoft.com/office/powerpoint/2015/main" val="1"/>
+              </p:ext>
+            </p:extLst>
+          </p:nvPr>
+        </p:nvSpPr>
+        <p:spPr bwMode="auto">
+          <a:xfrm flipH="1">
+            <a:off x="1183242" y="1230651"/>
+            <a:ext cx="10208658" cy="3531073"/>
+          </a:xfrm>
+          <a:prstGeom prst="rect">
+            <a:avLst/>
+          </a:prstGeom>
+          <a:solidFill>
+            <a:schemeClr val="accent1"/>
+          </a:solidFill>
+          <a:ln>
+            <a:noFill/>
+          </a:ln>
+        </p:spPr>
+        <p:txBody>
+          <a:bodyPr vert="horz" wrap="square" lIns="91440" tIns="45720" rIns="91440" bIns="45720" numCol="1" anchor="t" anchorCtr="0" compatLnSpc="1">
+            <a:prstTxWarp prst="textNoShape">
+              <a:avLst/>
+            </a:prstTxWarp>
+          </a:bodyPr>
+          <a:lstStyle/>
+          <a:p>
+            <a:endParaRPr lang="en-US"/>
+          </a:p>
+        </p:txBody>
+      </p:sp>
+      <p:sp>
+        <p:nvSpPr>
+          <p:cNvPr id="2" name="Title 1">
+            <a:extLst>
+              <a:ext uri="{FF2B5EF4-FFF2-40B4-BE49-F238E27FC236}">
+                <a16:creationId xmlns:a16="http://schemas.microsoft.com/office/drawing/2014/main" id="{10B71728-B7C9-4862-8F57-DFA354394394}"/>
+              </a:ext>
+            </a:extLst>
+          </p:cNvPr>
+          <p:cNvSpPr>
+            <a:spLocks noGrp="1"/>
+          </p:cNvSpPr>
+          <p:nvPr>
+            <p:ph type="title"/>
+          </p:nvPr>
+        </p:nvSpPr>
+        <p:spPr>
+          <a:xfrm>
+            <a:off x="1870997" y="1607809"/>
+            <a:ext cx="9236026" cy="2876680"/>
+          </a:xfrm>
+        </p:spPr>
+        <p:txBody>
+          <a:bodyPr vert="horz" lIns="91440" tIns="45720" rIns="91440" bIns="45720" rtlCol="0" anchor="b">
+            <a:normAutofit/>
+          </a:bodyPr>
+          <a:lstStyle/>
+          <a:p>
+            <a:r>
+              <a:rPr lang="en-US" sz="6600" kern="1200" dirty="0" err="1">
+                <a:solidFill>
+                  <a:srgbClr val="FFFFFF"/>
+                </a:solidFill>
+                <a:latin typeface="+mj-lt"/>
+                <a:ea typeface="+mj-ea"/>
+                <a:cs typeface="+mj-cs"/>
+              </a:rPr>
+              <a:t>Xoay</a:t>
+            </a:r>
+            <a:r>
+              <a:rPr lang="en-US" sz="6600" kern="1200" dirty="0">
+                <a:solidFill>
+                  <a:srgbClr val="FFFFFF"/>
+                </a:solidFill>
+                <a:latin typeface="+mj-lt"/>
+                <a:ea typeface="+mj-ea"/>
+                <a:cs typeface="+mj-cs"/>
+              </a:rPr>
+              <a:t> </a:t>
+            </a:r>
+            <a:r>
+              <a:rPr lang="en-US" sz="6600" kern="1200" dirty="0" err="1">
+                <a:solidFill>
+                  <a:srgbClr val="FFFFFF"/>
+                </a:solidFill>
+                <a:latin typeface="+mj-lt"/>
+                <a:ea typeface="+mj-ea"/>
+                <a:cs typeface="+mj-cs"/>
+              </a:rPr>
+              <a:t>ảnh</a:t>
+            </a:r>
+            <a:endParaRPr lang="en-US" sz="6600" kern="1200" dirty="0">
+              <a:solidFill>
+                <a:srgbClr val="FFFFFF"/>
+              </a:solidFill>
+              <a:latin typeface="+mj-lt"/>
+              <a:ea typeface="+mj-ea"/>
+              <a:cs typeface="+mj-cs"/>
+            </a:endParaRPr>
+          </a:p>
+        </p:txBody>
+      </p:sp>
+    </p:spTree>
+    <p:extLst>
+      <p:ext uri="{BB962C8B-B14F-4D97-AF65-F5344CB8AC3E}">
+        <p14:creationId xmlns:p14="http://schemas.microsoft.com/office/powerpoint/2010/main" val="1029870777"/>
+      </p:ext>
+    </p:extLst>
+  </p:cSld>
+  <p:clrMapOvr>
+    <a:masterClrMapping/>
+  </p:clrMapOvr>
+</p:sld>
+</file>
+
+<file path=ppt/slides/slide17.xml><?xml version="1.0" encoding="utf-8"?>
+<p:sld xmlns:a="http://schemas.openxmlformats.org/drawingml/2006/main" xmlns:r="http://schemas.openxmlformats.org/officeDocument/2006/relationships" xmlns:p="http://schemas.openxmlformats.org/presentationml/2006/main">
+  <p:cSld>
+    <p:spTree>
+      <p:nvGrpSpPr>
+        <p:cNvPr id="1" name=""/>
+        <p:cNvGrpSpPr/>
+        <p:nvPr/>
+      </p:nvGrpSpPr>
+      <p:grpSpPr>
+        <a:xfrm>
+          <a:off x="0" y="0"/>
+          <a:ext cx="0" cy="0"/>
+          <a:chOff x="0" y="0"/>
+          <a:chExt cx="0" cy="0"/>
+        </a:xfrm>
+      </p:grpSpPr>
+      <p:sp>
+        <p:nvSpPr>
+          <p:cNvPr id="3" name="Title 2">
+            <a:extLst>
+              <a:ext uri="{FF2B5EF4-FFF2-40B4-BE49-F238E27FC236}">
+                <a16:creationId xmlns:a16="http://schemas.microsoft.com/office/drawing/2014/main" id="{F6D25524-24C5-4D67-AACC-2AD7B294C3D9}"/>
+              </a:ext>
+            </a:extLst>
+          </p:cNvPr>
+          <p:cNvSpPr>
+            <a:spLocks noGrp="1"/>
+          </p:cNvSpPr>
+          <p:nvPr>
+            <p:ph type="title"/>
+          </p:nvPr>
+        </p:nvSpPr>
+        <p:spPr/>
+        <p:txBody>
+          <a:bodyPr/>
+          <a:lstStyle/>
+          <a:p>
+            <a:r>
+              <a:rPr lang="en-US" dirty="0" err="1"/>
+              <a:t>Xoay</a:t>
+            </a:r>
+            <a:r>
+              <a:rPr lang="en-US" dirty="0"/>
+              <a:t> </a:t>
+            </a:r>
+            <a:r>
+              <a:rPr lang="en-US" dirty="0" err="1"/>
+              <a:t>ảnh</a:t>
+            </a:r>
+            <a:endParaRPr lang="en-US" dirty="0"/>
+          </a:p>
+        </p:txBody>
+      </p:sp>
+      <p:pic>
+        <p:nvPicPr>
+          <p:cNvPr id="5" name="Content Placeholder 4">
+            <a:extLst>
+              <a:ext uri="{FF2B5EF4-FFF2-40B4-BE49-F238E27FC236}">
+                <a16:creationId xmlns:a16="http://schemas.microsoft.com/office/drawing/2014/main" id="{E777569C-E2A3-404B-839E-AD7EBDC1DA81}"/>
+              </a:ext>
+            </a:extLst>
+          </p:cNvPr>
+          <p:cNvPicPr>
+            <a:picLocks noGrp="1" noChangeAspect="1"/>
+          </p:cNvPicPr>
+          <p:nvPr>
+            <p:ph idx="1"/>
+          </p:nvPr>
+        </p:nvPicPr>
+        <p:blipFill>
+          <a:blip r:embed="rId2"/>
+          <a:stretch>
+            <a:fillRect/>
+          </a:stretch>
+        </p:blipFill>
+        <p:spPr>
+          <a:xfrm>
+            <a:off x="1081087" y="3101181"/>
+            <a:ext cx="10029825" cy="1800225"/>
+          </a:xfrm>
+          <a:prstGeom prst="rect">
+            <a:avLst/>
+          </a:prstGeom>
+        </p:spPr>
+      </p:pic>
+    </p:spTree>
+    <p:extLst>
+      <p:ext uri="{BB962C8B-B14F-4D97-AF65-F5344CB8AC3E}">
+        <p14:creationId xmlns:p14="http://schemas.microsoft.com/office/powerpoint/2010/main" val="2946814671"/>
+      </p:ext>
+    </p:extLst>
+  </p:cSld>
+  <p:clrMapOvr>
+    <a:masterClrMapping/>
+  </p:clrMapOvr>
+</p:sld>
+</file>
+
+<file path=ppt/slides/slide18.xml><?xml version="1.0" encoding="utf-8"?>
+<p:sld xmlns:a="http://schemas.openxmlformats.org/drawingml/2006/main" xmlns:r="http://schemas.openxmlformats.org/officeDocument/2006/relationships" xmlns:p="http://schemas.openxmlformats.org/presentationml/2006/main">
+  <p:cSld>
+    <p:bg>
+      <p:bgPr>
+        <a:solidFill>
+          <a:schemeClr val="bg1"/>
+        </a:solidFill>
+        <a:effectLst/>
+      </p:bgPr>
+    </p:bg>
+    <p:spTree>
+      <p:nvGrpSpPr>
+        <p:cNvPr id="1" name=""/>
+        <p:cNvGrpSpPr/>
+        <p:nvPr/>
+      </p:nvGrpSpPr>
+      <p:grpSpPr>
+        <a:xfrm>
+          <a:off x="0" y="0"/>
+          <a:ext cx="0" cy="0"/>
+          <a:chOff x="0" y="0"/>
+          <a:chExt cx="0" cy="0"/>
+        </a:xfrm>
+      </p:grpSpPr>
+      <p:sp useBgFill="1">
+        <p:nvSpPr>
+          <p:cNvPr id="7" name="Rectangle 6">
+            <a:extLst>
+              <a:ext uri="{FF2B5EF4-FFF2-40B4-BE49-F238E27FC236}">
+                <a16:creationId xmlns:a16="http://schemas.microsoft.com/office/drawing/2014/main" id="{B26EE4FD-480F-42A5-9FEB-DA630457CFB7}"/>
+              </a:ext>
+              <a:ext uri="{C183D7F6-B498-43B3-948B-1728B52AA6E4}">
+                <adec:decorative xmlns:adec="http://schemas.microsoft.com/office/drawing/2017/decorative" val="1"/>
+              </a:ext>
+            </a:extLst>
+          </p:cNvPr>
+          <p:cNvSpPr>
+            <a:spLocks noGrp="1" noRot="1" noChangeAspect="1" noMove="1" noResize="1" noEditPoints="1" noAdjustHandles="1" noChangeArrowheads="1" noChangeShapeType="1" noTextEdit="1"/>
+          </p:cNvSpPr>
+          <p:nvPr>
+            <p:extLst>
+              <p:ext uri="{386F3935-93C4-4BCD-93E2-E3B085C9AB24}">
+                <p16:designElem xmlns:p16="http://schemas.microsoft.com/office/powerpoint/2015/main" val="1"/>
+              </p:ext>
+            </p:extLst>
+          </p:nvPr>
+        </p:nvSpPr>
+        <p:spPr>
+          <a:xfrm>
+            <a:off x="0" y="0"/>
+            <a:ext cx="12188952" cy="6858000"/>
+          </a:xfrm>
+          <a:prstGeom prst="rect">
+            <a:avLst/>
+          </a:prstGeom>
+          <a:ln>
+            <a:noFill/>
+          </a:ln>
+        </p:spPr>
+        <p:style>
+          <a:lnRef idx="2">
+            <a:schemeClr val="accent1">
+              <a:shade val="50000"/>
+            </a:schemeClr>
+          </a:lnRef>
+          <a:fillRef idx="1">
+            <a:schemeClr val="accent1"/>
+          </a:fillRef>
+          <a:effectRef idx="0">
+            <a:schemeClr val="accent1"/>
+          </a:effectRef>
+          <a:fontRef idx="minor">
+            <a:schemeClr val="lt1"/>
+          </a:fontRef>
+        </p:style>
+        <p:txBody>
+          <a:bodyPr rtlCol="0" anchor="ctr"/>
+          <a:lstStyle/>
+          <a:p>
+            <a:pPr algn="ctr"/>
+            <a:endParaRPr lang="en-US"/>
+          </a:p>
+        </p:txBody>
+      </p:sp>
+      <p:sp>
+        <p:nvSpPr>
+          <p:cNvPr id="9" name="Freeform 5">
+            <a:extLst>
+              <a:ext uri="{FF2B5EF4-FFF2-40B4-BE49-F238E27FC236}">
+                <a16:creationId xmlns:a16="http://schemas.microsoft.com/office/drawing/2014/main" id="{A187062F-BE14-42FC-B06A-607DB23849C3}"/>
+              </a:ext>
+              <a:ext uri="{C183D7F6-B498-43B3-948B-1728B52AA6E4}">
+                <adec:decorative xmlns:adec="http://schemas.microsoft.com/office/drawing/2017/decorative" val="1"/>
+              </a:ext>
+            </a:extLst>
+          </p:cNvPr>
+          <p:cNvSpPr>
+            <a:spLocks noGrp="1" noRot="1" noChangeAspect="1" noMove="1" noResize="1" noEditPoints="1" noAdjustHandles="1" noChangeArrowheads="1" noChangeShapeType="1" noTextEdit="1"/>
+          </p:cNvSpPr>
+          <p:nvPr>
+            <p:extLst>
+              <p:ext uri="{386F3935-93C4-4BCD-93E2-E3B085C9AB24}">
+                <p16:designElem xmlns:p16="http://schemas.microsoft.com/office/powerpoint/2015/main" val="1"/>
+              </p:ext>
+            </p:extLst>
+          </p:nvPr>
+        </p:nvSpPr>
+        <p:spPr bwMode="auto">
+          <a:xfrm flipH="1">
+            <a:off x="842688" y="1766812"/>
+            <a:ext cx="822493" cy="4232692"/>
+          </a:xfrm>
+          <a:custGeom>
+            <a:avLst/>
+            <a:gdLst>
+              <a:gd name="T0" fmla="*/ 491 w 491"/>
+              <a:gd name="T1" fmla="*/ 2247 h 2732"/>
+              <a:gd name="T2" fmla="*/ 0 w 491"/>
+              <a:gd name="T3" fmla="*/ 2732 h 2732"/>
+              <a:gd name="T4" fmla="*/ 0 w 491"/>
+              <a:gd name="T5" fmla="*/ 486 h 2732"/>
+              <a:gd name="T6" fmla="*/ 491 w 491"/>
+              <a:gd name="T7" fmla="*/ 0 h 2732"/>
+              <a:gd name="T8" fmla="*/ 491 w 491"/>
+              <a:gd name="T9" fmla="*/ 2247 h 2732"/>
+            </a:gdLst>
+            <a:ahLst/>
+            <a:cxnLst>
+              <a:cxn ang="0">
+                <a:pos x="T0" y="T1"/>
+              </a:cxn>
+              <a:cxn ang="0">
+                <a:pos x="T2" y="T3"/>
+              </a:cxn>
+              <a:cxn ang="0">
+                <a:pos x="T4" y="T5"/>
+              </a:cxn>
+              <a:cxn ang="0">
+                <a:pos x="T6" y="T7"/>
+              </a:cxn>
+              <a:cxn ang="0">
+                <a:pos x="T8" y="T9"/>
+              </a:cxn>
+            </a:cxnLst>
+            <a:rect l="0" t="0" r="r" b="b"/>
+            <a:pathLst>
+              <a:path w="491" h="2732">
+                <a:moveTo>
+                  <a:pt x="491" y="2247"/>
+                </a:moveTo>
+                <a:lnTo>
+                  <a:pt x="0" y="2732"/>
+                </a:lnTo>
+                <a:lnTo>
+                  <a:pt x="0" y="486"/>
+                </a:lnTo>
+                <a:lnTo>
+                  <a:pt x="491" y="0"/>
+                </a:lnTo>
+                <a:lnTo>
+                  <a:pt x="491" y="2247"/>
+                </a:lnTo>
+                <a:close/>
+              </a:path>
+            </a:pathLst>
+          </a:custGeom>
+          <a:solidFill>
+            <a:schemeClr val="accent1">
+              <a:lumMod val="50000"/>
+            </a:schemeClr>
+          </a:solidFill>
+          <a:ln>
+            <a:noFill/>
+          </a:ln>
+        </p:spPr>
+        <p:txBody>
+          <a:bodyPr vert="horz" wrap="square" lIns="91440" tIns="45720" rIns="91440" bIns="45720" numCol="1" anchor="t" anchorCtr="0" compatLnSpc="1">
+            <a:prstTxWarp prst="textNoShape">
+              <a:avLst/>
+            </a:prstTxWarp>
+          </a:bodyPr>
+          <a:lstStyle/>
+          <a:p>
+            <a:endParaRPr lang="en-US"/>
+          </a:p>
+        </p:txBody>
+      </p:sp>
+      <p:sp>
+        <p:nvSpPr>
+          <p:cNvPr id="11" name="Freeform 6">
+            <a:extLst>
+              <a:ext uri="{FF2B5EF4-FFF2-40B4-BE49-F238E27FC236}">
+                <a16:creationId xmlns:a16="http://schemas.microsoft.com/office/drawing/2014/main" id="{731FE21B-2A45-4BF5-8B03-E12341988774}"/>
+              </a:ext>
+              <a:ext uri="{C183D7F6-B498-43B3-948B-1728B52AA6E4}">
+                <adec:decorative xmlns:adec="http://schemas.microsoft.com/office/drawing/2017/decorative" val="1"/>
+              </a:ext>
+            </a:extLst>
+          </p:cNvPr>
+          <p:cNvSpPr>
+            <a:spLocks noGrp="1" noRot="1" noChangeAspect="1" noMove="1" noResize="1" noEditPoints="1" noAdjustHandles="1" noChangeArrowheads="1" noChangeShapeType="1" noTextEdit="1"/>
+          </p:cNvSpPr>
+          <p:nvPr>
+            <p:extLst>
+              <p:ext uri="{386F3935-93C4-4BCD-93E2-E3B085C9AB24}">
+                <p16:designElem xmlns:p16="http://schemas.microsoft.com/office/powerpoint/2015/main" val="1"/>
+              </p:ext>
+            </p:extLst>
+          </p:nvPr>
+        </p:nvSpPr>
+        <p:spPr bwMode="auto">
+          <a:xfrm flipH="1">
+            <a:off x="842689" y="1423780"/>
+            <a:ext cx="687754" cy="3820236"/>
+          </a:xfrm>
+          <a:custGeom>
+            <a:avLst/>
+            <a:gdLst>
+              <a:gd name="T0" fmla="*/ 414 w 414"/>
+              <a:gd name="T1" fmla="*/ 2447 h 2447"/>
+              <a:gd name="T2" fmla="*/ 0 w 414"/>
+              <a:gd name="T3" fmla="*/ 2247 h 2447"/>
+              <a:gd name="T4" fmla="*/ 0 w 414"/>
+              <a:gd name="T5" fmla="*/ 0 h 2447"/>
+              <a:gd name="T6" fmla="*/ 414 w 414"/>
+              <a:gd name="T7" fmla="*/ 200 h 2447"/>
+              <a:gd name="T8" fmla="*/ 414 w 414"/>
+              <a:gd name="T9" fmla="*/ 2447 h 2447"/>
+            </a:gdLst>
+            <a:ahLst/>
+            <a:cxnLst>
+              <a:cxn ang="0">
+                <a:pos x="T0" y="T1"/>
+              </a:cxn>
+              <a:cxn ang="0">
+                <a:pos x="T2" y="T3"/>
+              </a:cxn>
+              <a:cxn ang="0">
+                <a:pos x="T4" y="T5"/>
+              </a:cxn>
+              <a:cxn ang="0">
+                <a:pos x="T6" y="T7"/>
+              </a:cxn>
+              <a:cxn ang="0">
+                <a:pos x="T8" y="T9"/>
+              </a:cxn>
+            </a:cxnLst>
+            <a:rect l="0" t="0" r="r" b="b"/>
+            <a:pathLst>
+              <a:path w="414" h="2447">
+                <a:moveTo>
+                  <a:pt x="414" y="2447"/>
+                </a:moveTo>
+                <a:lnTo>
+                  <a:pt x="0" y="2247"/>
+                </a:lnTo>
+                <a:lnTo>
+                  <a:pt x="0" y="0"/>
+                </a:lnTo>
+                <a:lnTo>
+                  <a:pt x="414" y="200"/>
+                </a:lnTo>
+                <a:lnTo>
+                  <a:pt x="414" y="2447"/>
+                </a:lnTo>
+                <a:close/>
+              </a:path>
+            </a:pathLst>
+          </a:custGeom>
+          <a:solidFill>
+            <a:schemeClr val="accent1">
+              <a:lumMod val="75000"/>
+            </a:schemeClr>
+          </a:solidFill>
+          <a:ln>
+            <a:noFill/>
+          </a:ln>
+        </p:spPr>
+        <p:txBody>
+          <a:bodyPr vert="horz" wrap="square" lIns="91440" tIns="45720" rIns="91440" bIns="45720" numCol="1" anchor="t" anchorCtr="0" compatLnSpc="1">
+            <a:prstTxWarp prst="textNoShape">
+              <a:avLst/>
+            </a:prstTxWarp>
+          </a:bodyPr>
+          <a:lstStyle/>
+          <a:p>
+            <a:endParaRPr lang="en-US"/>
+          </a:p>
+        </p:txBody>
+      </p:sp>
+      <p:sp>
+        <p:nvSpPr>
+          <p:cNvPr id="13" name="Freeform 7">
+            <a:extLst>
+              <a:ext uri="{FF2B5EF4-FFF2-40B4-BE49-F238E27FC236}">
+                <a16:creationId xmlns:a16="http://schemas.microsoft.com/office/drawing/2014/main" id="{2DC5A94D-79ED-48F5-9DC5-96CBB507CEC8}"/>
+              </a:ext>
+              <a:ext uri="{C183D7F6-B498-43B3-948B-1728B52AA6E4}">
+                <adec:decorative xmlns:adec="http://schemas.microsoft.com/office/drawing/2017/decorative" val="1"/>
+              </a:ext>
+            </a:extLst>
+          </p:cNvPr>
+          <p:cNvSpPr>
+            <a:spLocks noGrp="1" noRot="1" noChangeAspect="1" noMove="1" noResize="1" noEditPoints="1" noAdjustHandles="1" noChangeArrowheads="1" noChangeShapeType="1" noTextEdit="1"/>
+          </p:cNvSpPr>
+          <p:nvPr>
+            <p:extLst>
+              <p:ext uri="{386F3935-93C4-4BCD-93E2-E3B085C9AB24}">
+                <p16:designElem xmlns:p16="http://schemas.microsoft.com/office/powerpoint/2015/main" val="1"/>
+              </p:ext>
+            </p:extLst>
+          </p:nvPr>
+        </p:nvSpPr>
+        <p:spPr bwMode="auto">
+          <a:xfrm flipH="1">
+            <a:off x="1183243" y="1239381"/>
+            <a:ext cx="347200" cy="3699705"/>
+          </a:xfrm>
+          <a:custGeom>
+            <a:avLst/>
+            <a:gdLst>
+              <a:gd name="T0" fmla="*/ 209 w 209"/>
+              <a:gd name="T1" fmla="*/ 2246 h 2358"/>
+              <a:gd name="T2" fmla="*/ 0 w 209"/>
+              <a:gd name="T3" fmla="*/ 2358 h 2358"/>
+              <a:gd name="T4" fmla="*/ 0 w 209"/>
+              <a:gd name="T5" fmla="*/ 111 h 2358"/>
+              <a:gd name="T6" fmla="*/ 209 w 209"/>
+              <a:gd name="T7" fmla="*/ 0 h 2358"/>
+              <a:gd name="T8" fmla="*/ 209 w 209"/>
+              <a:gd name="T9" fmla="*/ 2246 h 2358"/>
+            </a:gdLst>
+            <a:ahLst/>
+            <a:cxnLst>
+              <a:cxn ang="0">
+                <a:pos x="T0" y="T1"/>
+              </a:cxn>
+              <a:cxn ang="0">
+                <a:pos x="T2" y="T3"/>
+              </a:cxn>
+              <a:cxn ang="0">
+                <a:pos x="T4" y="T5"/>
+              </a:cxn>
+              <a:cxn ang="0">
+                <a:pos x="T6" y="T7"/>
+              </a:cxn>
+              <a:cxn ang="0">
+                <a:pos x="T8" y="T9"/>
+              </a:cxn>
+            </a:cxnLst>
+            <a:rect l="0" t="0" r="r" b="b"/>
+            <a:pathLst>
+              <a:path w="209" h="2358">
+                <a:moveTo>
+                  <a:pt x="209" y="2246"/>
+                </a:moveTo>
+                <a:lnTo>
+                  <a:pt x="0" y="2358"/>
+                </a:lnTo>
+                <a:lnTo>
+                  <a:pt x="0" y="111"/>
+                </a:lnTo>
+                <a:lnTo>
+                  <a:pt x="209" y="0"/>
+                </a:lnTo>
+                <a:lnTo>
+                  <a:pt x="209" y="2246"/>
+                </a:lnTo>
+                <a:close/>
+              </a:path>
+            </a:pathLst>
+          </a:custGeom>
+          <a:solidFill>
+            <a:schemeClr val="accent1">
+              <a:lumMod val="50000"/>
+            </a:schemeClr>
+          </a:solidFill>
+          <a:ln>
+            <a:noFill/>
+          </a:ln>
+        </p:spPr>
+        <p:txBody>
+          <a:bodyPr vert="horz" wrap="square" lIns="91440" tIns="45720" rIns="91440" bIns="45720" numCol="1" anchor="t" anchorCtr="0" compatLnSpc="1">
+            <a:prstTxWarp prst="textNoShape">
+              <a:avLst/>
+            </a:prstTxWarp>
+          </a:bodyPr>
+          <a:lstStyle/>
+          <a:p>
+            <a:endParaRPr lang="en-US"/>
+          </a:p>
+        </p:txBody>
+      </p:sp>
+      <p:sp>
+        <p:nvSpPr>
+          <p:cNvPr id="15" name="Rectangle 8">
+            <a:extLst>
+              <a:ext uri="{FF2B5EF4-FFF2-40B4-BE49-F238E27FC236}">
+                <a16:creationId xmlns:a16="http://schemas.microsoft.com/office/drawing/2014/main" id="{93A3D4BE-AF25-4F9A-9C29-1145CCE24A28}"/>
+              </a:ext>
+              <a:ext uri="{C183D7F6-B498-43B3-948B-1728B52AA6E4}">
+                <adec:decorative xmlns:adec="http://schemas.microsoft.com/office/drawing/2017/decorative" val="1"/>
+              </a:ext>
+            </a:extLst>
+          </p:cNvPr>
+          <p:cNvSpPr>
+            <a:spLocks noGrp="1" noRot="1" noChangeAspect="1" noMove="1" noResize="1" noEditPoints="1" noAdjustHandles="1" noChangeArrowheads="1" noChangeShapeType="1" noTextEdit="1"/>
+          </p:cNvSpPr>
+          <p:nvPr>
+            <p:extLst>
+              <p:ext uri="{386F3935-93C4-4BCD-93E2-E3B085C9AB24}">
+                <p16:designElem xmlns:p16="http://schemas.microsoft.com/office/powerpoint/2015/main" val="1"/>
+              </p:ext>
+            </p:extLst>
+          </p:nvPr>
+        </p:nvSpPr>
+        <p:spPr bwMode="auto">
+          <a:xfrm flipH="1">
+            <a:off x="1183242" y="1230651"/>
+            <a:ext cx="10208658" cy="3531073"/>
+          </a:xfrm>
+          <a:prstGeom prst="rect">
+            <a:avLst/>
+          </a:prstGeom>
+          <a:solidFill>
+            <a:schemeClr val="accent1"/>
+          </a:solidFill>
+          <a:ln>
+            <a:noFill/>
+          </a:ln>
+        </p:spPr>
+        <p:txBody>
+          <a:bodyPr vert="horz" wrap="square" lIns="91440" tIns="45720" rIns="91440" bIns="45720" numCol="1" anchor="t" anchorCtr="0" compatLnSpc="1">
+            <a:prstTxWarp prst="textNoShape">
+              <a:avLst/>
+            </a:prstTxWarp>
+          </a:bodyPr>
+          <a:lstStyle/>
+          <a:p>
+            <a:endParaRPr lang="en-US"/>
+          </a:p>
+        </p:txBody>
+      </p:sp>
+      <p:sp>
+        <p:nvSpPr>
+          <p:cNvPr id="2" name="Title 1">
+            <a:extLst>
+              <a:ext uri="{FF2B5EF4-FFF2-40B4-BE49-F238E27FC236}">
+                <a16:creationId xmlns:a16="http://schemas.microsoft.com/office/drawing/2014/main" id="{10B71728-B7C9-4862-8F57-DFA354394394}"/>
+              </a:ext>
+            </a:extLst>
+          </p:cNvPr>
+          <p:cNvSpPr>
+            <a:spLocks noGrp="1"/>
+          </p:cNvSpPr>
+          <p:nvPr>
+            <p:ph type="title"/>
+          </p:nvPr>
+        </p:nvSpPr>
+        <p:spPr>
+          <a:xfrm>
+            <a:off x="1870997" y="1607809"/>
+            <a:ext cx="9236026" cy="2876680"/>
+          </a:xfrm>
+        </p:spPr>
+        <p:txBody>
+          <a:bodyPr vert="horz" lIns="91440" tIns="45720" rIns="91440" bIns="45720" rtlCol="0" anchor="b">
+            <a:normAutofit/>
+          </a:bodyPr>
+          <a:lstStyle/>
+          <a:p>
+            <a:r>
+              <a:rPr lang="en-US" sz="6600" kern="1200" dirty="0" err="1">
+                <a:solidFill>
+                  <a:srgbClr val="FFFFFF"/>
+                </a:solidFill>
+                <a:latin typeface="+mj-lt"/>
+                <a:ea typeface="+mj-ea"/>
+                <a:cs typeface="+mj-cs"/>
+              </a:rPr>
+              <a:t>Làm</a:t>
+            </a:r>
+            <a:r>
+              <a:rPr lang="en-US" sz="6600" kern="1200" dirty="0">
+                <a:solidFill>
+                  <a:srgbClr val="FFFFFF"/>
+                </a:solidFill>
+                <a:latin typeface="+mj-lt"/>
+                <a:ea typeface="+mj-ea"/>
+                <a:cs typeface="+mj-cs"/>
+              </a:rPr>
+              <a:t> </a:t>
+            </a:r>
+            <a:r>
+              <a:rPr lang="en-US" sz="6600" kern="1200" dirty="0" err="1">
+                <a:solidFill>
+                  <a:srgbClr val="FFFFFF"/>
+                </a:solidFill>
+                <a:latin typeface="+mj-lt"/>
+                <a:ea typeface="+mj-ea"/>
+                <a:cs typeface="+mj-cs"/>
+              </a:rPr>
+              <a:t>m</a:t>
+            </a:r>
+            <a:r>
+              <a:rPr lang="en-US" sz="6600" dirty="0" err="1">
+                <a:solidFill>
+                  <a:srgbClr val="FFFFFF"/>
+                </a:solidFill>
+              </a:rPr>
+              <a:t>ờ</a:t>
+            </a:r>
+            <a:r>
+              <a:rPr lang="en-US" sz="6600" kern="1200" dirty="0">
+                <a:solidFill>
+                  <a:srgbClr val="FFFFFF"/>
+                </a:solidFill>
+                <a:latin typeface="+mj-lt"/>
+                <a:ea typeface="+mj-ea"/>
+                <a:cs typeface="+mj-cs"/>
+              </a:rPr>
+              <a:t> </a:t>
+            </a:r>
+            <a:r>
+              <a:rPr lang="en-US" sz="6600" kern="1200" dirty="0" err="1">
+                <a:solidFill>
+                  <a:srgbClr val="FFFFFF"/>
+                </a:solidFill>
+                <a:latin typeface="+mj-lt"/>
+                <a:ea typeface="+mj-ea"/>
+                <a:cs typeface="+mj-cs"/>
+              </a:rPr>
+              <a:t>ảnh</a:t>
+            </a:r>
+            <a:endParaRPr lang="en-US" sz="6600" kern="1200" dirty="0">
+              <a:solidFill>
+                <a:srgbClr val="FFFFFF"/>
+              </a:solidFill>
+              <a:latin typeface="+mj-lt"/>
+              <a:ea typeface="+mj-ea"/>
+              <a:cs typeface="+mj-cs"/>
+            </a:endParaRPr>
+          </a:p>
+        </p:txBody>
+      </p:sp>
+    </p:spTree>
+    <p:extLst>
+      <p:ext uri="{BB962C8B-B14F-4D97-AF65-F5344CB8AC3E}">
+        <p14:creationId xmlns:p14="http://schemas.microsoft.com/office/powerpoint/2010/main" val="1834088763"/>
+      </p:ext>
+    </p:extLst>
+  </p:cSld>
+  <p:clrMapOvr>
+    <a:masterClrMapping/>
+  </p:clrMapOvr>
+</p:sld>
+</file>
+
+<file path=ppt/slides/slide19.xml><?xml version="1.0" encoding="utf-8"?>
+<p:sld xmlns:a="http://schemas.openxmlformats.org/drawingml/2006/main" xmlns:r="http://schemas.openxmlformats.org/officeDocument/2006/relationships" xmlns:p="http://schemas.openxmlformats.org/presentationml/2006/main">
+  <p:cSld>
+    <p:spTree>
+      <p:nvGrpSpPr>
+        <p:cNvPr id="1" name=""/>
+        <p:cNvGrpSpPr/>
+        <p:nvPr/>
+      </p:nvGrpSpPr>
+      <p:grpSpPr>
+        <a:xfrm>
+          <a:off x="0" y="0"/>
+          <a:ext cx="0" cy="0"/>
+          <a:chOff x="0" y="0"/>
+          <a:chExt cx="0" cy="0"/>
+        </a:xfrm>
+      </p:grpSpPr>
+      <p:sp>
+        <p:nvSpPr>
+          <p:cNvPr id="3" name="Title 2">
+            <a:extLst>
+              <a:ext uri="{FF2B5EF4-FFF2-40B4-BE49-F238E27FC236}">
+                <a16:creationId xmlns:a16="http://schemas.microsoft.com/office/drawing/2014/main" id="{ACC36B91-538C-419E-9F37-5EC6ECEF5169}"/>
+              </a:ext>
+            </a:extLst>
+          </p:cNvPr>
+          <p:cNvSpPr>
+            <a:spLocks noGrp="1"/>
+          </p:cNvSpPr>
+          <p:nvPr>
+            <p:ph type="title"/>
+          </p:nvPr>
+        </p:nvSpPr>
+        <p:spPr/>
+        <p:txBody>
+          <a:bodyPr/>
+          <a:lstStyle/>
+          <a:p>
+            <a:r>
+              <a:rPr lang="en-US" dirty="0" err="1"/>
+              <a:t>Làm</a:t>
+            </a:r>
+            <a:r>
+              <a:rPr lang="en-US" dirty="0"/>
+              <a:t> </a:t>
+            </a:r>
+            <a:r>
+              <a:rPr lang="en-US" dirty="0" err="1"/>
+              <a:t>mờ</a:t>
+            </a:r>
+            <a:r>
+              <a:rPr lang="en-US" dirty="0"/>
+              <a:t> </a:t>
+            </a:r>
+            <a:r>
+              <a:rPr lang="en-US" dirty="0" err="1"/>
+              <a:t>ảnh</a:t>
+            </a:r>
+            <a:endParaRPr lang="en-US" dirty="0"/>
+          </a:p>
+        </p:txBody>
+      </p:sp>
+      <p:sp>
+        <p:nvSpPr>
+          <p:cNvPr id="4" name="Content Placeholder 3">
+            <a:extLst>
+              <a:ext uri="{FF2B5EF4-FFF2-40B4-BE49-F238E27FC236}">
+                <a16:creationId xmlns:a16="http://schemas.microsoft.com/office/drawing/2014/main" id="{01BE2CBC-FD73-4435-8E77-2A940FECEAB8}"/>
+              </a:ext>
+            </a:extLst>
+          </p:cNvPr>
+          <p:cNvSpPr>
+            <a:spLocks noGrp="1"/>
+          </p:cNvSpPr>
+          <p:nvPr>
+            <p:ph idx="1"/>
+          </p:nvPr>
+        </p:nvSpPr>
+        <p:spPr/>
+        <p:txBody>
+          <a:bodyPr/>
+          <a:lstStyle/>
+          <a:p>
+            <a:r>
+              <a:rPr lang="en-US" dirty="0" err="1"/>
+              <a:t>Giảm</a:t>
+            </a:r>
+            <a:r>
+              <a:rPr lang="en-US" dirty="0"/>
+              <a:t> </a:t>
+            </a:r>
+            <a:r>
+              <a:rPr lang="en-US" dirty="0" err="1"/>
+              <a:t>nhiễu</a:t>
+            </a:r>
+            <a:r>
+              <a:rPr lang="en-US" dirty="0">
+                <a:sym typeface="Wingdings" panose="05000000000000000000" pitchFamily="2" charset="2"/>
+              </a:rPr>
+              <a:t> </a:t>
+            </a:r>
+            <a:r>
+              <a:rPr lang="en-US" dirty="0" err="1">
+                <a:sym typeface="Wingdings" panose="05000000000000000000" pitchFamily="2" charset="2"/>
+              </a:rPr>
+              <a:t>tần</a:t>
+            </a:r>
+            <a:r>
+              <a:rPr lang="en-US" dirty="0">
+                <a:sym typeface="Wingdings" panose="05000000000000000000" pitchFamily="2" charset="2"/>
+              </a:rPr>
+              <a:t> </a:t>
+            </a:r>
+            <a:r>
+              <a:rPr lang="en-US" dirty="0" err="1">
+                <a:sym typeface="Wingdings" panose="05000000000000000000" pitchFamily="2" charset="2"/>
+              </a:rPr>
+              <a:t>số</a:t>
+            </a:r>
+            <a:r>
+              <a:rPr lang="en-US" dirty="0">
+                <a:sym typeface="Wingdings" panose="05000000000000000000" pitchFamily="2" charset="2"/>
+              </a:rPr>
+              <a:t> </a:t>
+            </a:r>
+            <a:r>
+              <a:rPr lang="en-US" dirty="0" err="1">
+                <a:sym typeface="Wingdings" panose="05000000000000000000" pitchFamily="2" charset="2"/>
+              </a:rPr>
+              <a:t>cao</a:t>
+            </a:r>
+            <a:r>
+              <a:rPr lang="en-US" dirty="0">
+                <a:sym typeface="Wingdings" panose="05000000000000000000" pitchFamily="2" charset="2"/>
+              </a:rPr>
+              <a:t> </a:t>
+            </a:r>
+            <a:r>
+              <a:rPr lang="en-US" dirty="0" err="1">
+                <a:sym typeface="Wingdings" panose="05000000000000000000" pitchFamily="2" charset="2"/>
+              </a:rPr>
+              <a:t>Chạy</a:t>
+            </a:r>
+            <a:r>
+              <a:rPr lang="en-US" dirty="0">
+                <a:sym typeface="Wingdings" panose="05000000000000000000" pitchFamily="2" charset="2"/>
+              </a:rPr>
+              <a:t> </a:t>
+            </a:r>
+            <a:r>
+              <a:rPr lang="en-US" dirty="0" err="1">
+                <a:sym typeface="Wingdings" panose="05000000000000000000" pitchFamily="2" charset="2"/>
+              </a:rPr>
+              <a:t>các</a:t>
+            </a:r>
+            <a:r>
+              <a:rPr lang="en-US" dirty="0">
+                <a:sym typeface="Wingdings" panose="05000000000000000000" pitchFamily="2" charset="2"/>
+              </a:rPr>
+              <a:t> </a:t>
+            </a:r>
+            <a:r>
+              <a:rPr lang="en-US" dirty="0" err="1">
+                <a:sym typeface="Wingdings" panose="05000000000000000000" pitchFamily="2" charset="2"/>
+              </a:rPr>
+              <a:t>thuật</a:t>
+            </a:r>
+            <a:r>
+              <a:rPr lang="en-US" dirty="0">
+                <a:sym typeface="Wingdings" panose="05000000000000000000" pitchFamily="2" charset="2"/>
+              </a:rPr>
+              <a:t> </a:t>
+            </a:r>
+            <a:r>
+              <a:rPr lang="en-US" dirty="0" err="1">
+                <a:sym typeface="Wingdings" panose="05000000000000000000" pitchFamily="2" charset="2"/>
+              </a:rPr>
+              <a:t>toán</a:t>
+            </a:r>
+            <a:r>
+              <a:rPr lang="en-US" dirty="0">
+                <a:sym typeface="Wingdings" panose="05000000000000000000" pitchFamily="2" charset="2"/>
+              </a:rPr>
+              <a:t> </a:t>
+            </a:r>
+            <a:r>
+              <a:rPr lang="en-US" dirty="0" err="1">
+                <a:sym typeface="Wingdings" panose="05000000000000000000" pitchFamily="2" charset="2"/>
+              </a:rPr>
+              <a:t>xử</a:t>
+            </a:r>
+            <a:r>
+              <a:rPr lang="en-US" dirty="0">
+                <a:sym typeface="Wingdings" panose="05000000000000000000" pitchFamily="2" charset="2"/>
+              </a:rPr>
+              <a:t> </a:t>
+            </a:r>
+            <a:r>
+              <a:rPr lang="en-US" dirty="0" err="1">
+                <a:sym typeface="Wingdings" panose="05000000000000000000" pitchFamily="2" charset="2"/>
+              </a:rPr>
+              <a:t>lí</a:t>
+            </a:r>
+            <a:r>
+              <a:rPr lang="en-US" dirty="0">
+                <a:sym typeface="Wingdings" panose="05000000000000000000" pitchFamily="2" charset="2"/>
+              </a:rPr>
+              <a:t> </a:t>
+            </a:r>
+            <a:r>
+              <a:rPr lang="en-US" dirty="0" err="1">
+                <a:sym typeface="Wingdings" panose="05000000000000000000" pitchFamily="2" charset="2"/>
+              </a:rPr>
+              <a:t>ảnh</a:t>
+            </a:r>
+            <a:r>
+              <a:rPr lang="en-US" dirty="0">
+                <a:sym typeface="Wingdings" panose="05000000000000000000" pitchFamily="2" charset="2"/>
+              </a:rPr>
+              <a:t> </a:t>
+            </a:r>
+            <a:r>
+              <a:rPr lang="en-US" dirty="0" err="1">
+                <a:sym typeface="Wingdings" panose="05000000000000000000" pitchFamily="2" charset="2"/>
+              </a:rPr>
+              <a:t>dễ</a:t>
+            </a:r>
+            <a:r>
+              <a:rPr lang="en-US" dirty="0">
+                <a:sym typeface="Wingdings" panose="05000000000000000000" pitchFamily="2" charset="2"/>
+              </a:rPr>
+              <a:t> </a:t>
+            </a:r>
+            <a:r>
+              <a:rPr lang="en-US" dirty="0" err="1">
+                <a:sym typeface="Wingdings" panose="05000000000000000000" pitchFamily="2" charset="2"/>
+              </a:rPr>
+              <a:t>dàng</a:t>
+            </a:r>
+            <a:r>
+              <a:rPr lang="en-US" dirty="0">
+                <a:sym typeface="Wingdings" panose="05000000000000000000" pitchFamily="2" charset="2"/>
+              </a:rPr>
+              <a:t> h</a:t>
+            </a:r>
+            <a:r>
+              <a:rPr lang="vi-VN" dirty="0">
+                <a:sym typeface="Wingdings" panose="05000000000000000000" pitchFamily="2" charset="2"/>
+              </a:rPr>
+              <a:t>ơ</a:t>
+            </a:r>
+            <a:r>
+              <a:rPr lang="en-US" dirty="0">
+                <a:sym typeface="Wingdings" panose="05000000000000000000" pitchFamily="2" charset="2"/>
+              </a:rPr>
+              <a:t>n</a:t>
+            </a:r>
+            <a:endParaRPr lang="en-US" dirty="0"/>
+          </a:p>
+        </p:txBody>
+      </p:sp>
+    </p:spTree>
+    <p:extLst>
+      <p:ext uri="{BB962C8B-B14F-4D97-AF65-F5344CB8AC3E}">
+        <p14:creationId xmlns:p14="http://schemas.microsoft.com/office/powerpoint/2010/main" val="1351830345"/>
+      </p:ext>
+    </p:extLst>
+  </p:cSld>
+  <p:clrMapOvr>
+    <a:masterClrMapping/>
+  </p:clrMapOvr>
+</p:sld>
+</file>
+
 <file path=ppt/slides/slide2.xml><?xml version="1.0" encoding="utf-8"?>
 <p:sld xmlns:a="http://schemas.openxmlformats.org/drawingml/2006/main" xmlns:r="http://schemas.openxmlformats.org/officeDocument/2006/relationships" xmlns:p="http://schemas.openxmlformats.org/presentationml/2006/main">
   <p:cSld>
@@ -5712,7 +7184,9 @@
         </p:nvSpPr>
         <p:spPr/>
         <p:txBody>
-          <a:bodyPr/>
+          <a:bodyPr>
+            <a:normAutofit lnSpcReduction="10000"/>
+          </a:bodyPr>
           <a:lstStyle/>
           <a:p>
             <a:r>
@@ -5786,6 +7260,43 @@
               <a:rPr lang="vi-VN" dirty="0"/>
               <a:t>Làm mờ ảnh</a:t>
             </a:r>
+            <a:endParaRPr lang="en-US" dirty="0"/>
+          </a:p>
+          <a:p>
+            <a:pPr lvl="1"/>
+            <a:r>
+              <a:rPr lang="en-US" dirty="0"/>
+              <a:t>Thao </a:t>
+            </a:r>
+            <a:r>
+              <a:rPr lang="en-US" dirty="0" err="1"/>
+              <a:t>tác</a:t>
+            </a:r>
+            <a:r>
+              <a:rPr lang="en-US" dirty="0"/>
+              <a:t> </a:t>
+            </a:r>
+            <a:r>
+              <a:rPr lang="en-US" dirty="0" err="1"/>
+              <a:t>vẽ</a:t>
+            </a:r>
+            <a:r>
+              <a:rPr lang="en-US" dirty="0"/>
+              <a:t> </a:t>
+            </a:r>
+            <a:r>
+              <a:rPr lang="en-US" dirty="0" err="1"/>
+              <a:t>trên</a:t>
+            </a:r>
+            <a:r>
+              <a:rPr lang="en-US" dirty="0"/>
+              <a:t> </a:t>
+            </a:r>
+            <a:r>
+              <a:rPr lang="en-US" dirty="0" err="1"/>
+              <a:t>ảnh</a:t>
+            </a:r>
+            <a:endParaRPr lang="vi-VN" dirty="0"/>
           </a:p>
           <a:p>
             <a:pPr lvl="1"/>
@@ -5815,6 +7326,1423 @@
     <p:extLst>
       <p:ext uri="{BB962C8B-B14F-4D97-AF65-F5344CB8AC3E}">
         <p14:creationId xmlns:p14="http://schemas.microsoft.com/office/powerpoint/2010/main" val="3747861630"/>
+      </p:ext>
+    </p:extLst>
+  </p:cSld>
+  <p:clrMapOvr>
+    <a:masterClrMapping/>
+  </p:clrMapOvr>
+</p:sld>
+</file>
+
+<file path=ppt/slides/slide20.xml><?xml version="1.0" encoding="utf-8"?>
+<p:sld xmlns:a="http://schemas.openxmlformats.org/drawingml/2006/main" xmlns:r="http://schemas.openxmlformats.org/officeDocument/2006/relationships" xmlns:p="http://schemas.openxmlformats.org/presentationml/2006/main">
+  <p:cSld>
+    <p:spTree>
+      <p:nvGrpSpPr>
+        <p:cNvPr id="1" name=""/>
+        <p:cNvGrpSpPr/>
+        <p:nvPr/>
+      </p:nvGrpSpPr>
+      <p:grpSpPr>
+        <a:xfrm>
+          <a:off x="0" y="0"/>
+          <a:ext cx="0" cy="0"/>
+          <a:chOff x="0" y="0"/>
+          <a:chExt cx="0" cy="0"/>
+        </a:xfrm>
+      </p:grpSpPr>
+      <p:sp>
+        <p:nvSpPr>
+          <p:cNvPr id="2" name="Title 1">
+            <a:extLst>
+              <a:ext uri="{FF2B5EF4-FFF2-40B4-BE49-F238E27FC236}">
+                <a16:creationId xmlns:a16="http://schemas.microsoft.com/office/drawing/2014/main" id="{11091124-4771-4B03-B2AB-94D80191589E}"/>
+              </a:ext>
+            </a:extLst>
+          </p:cNvPr>
+          <p:cNvSpPr>
+            <a:spLocks noGrp="1"/>
+          </p:cNvSpPr>
+          <p:nvPr>
+            <p:ph type="title"/>
+          </p:nvPr>
+        </p:nvSpPr>
+        <p:spPr/>
+        <p:txBody>
+          <a:bodyPr/>
+          <a:lstStyle/>
+          <a:p>
+            <a:r>
+              <a:rPr lang="en-US" dirty="0" err="1"/>
+              <a:t>Làm</a:t>
+            </a:r>
+            <a:r>
+              <a:rPr lang="en-US" dirty="0"/>
+              <a:t> </a:t>
+            </a:r>
+            <a:r>
+              <a:rPr lang="en-US" dirty="0" err="1"/>
+              <a:t>mờ</a:t>
+            </a:r>
+            <a:r>
+              <a:rPr lang="en-US" dirty="0"/>
+              <a:t> </a:t>
+            </a:r>
+            <a:r>
+              <a:rPr lang="en-US" dirty="0" err="1"/>
+              <a:t>ảnh</a:t>
+            </a:r>
+            <a:endParaRPr lang="en-US" dirty="0"/>
+          </a:p>
+        </p:txBody>
+      </p:sp>
+      <p:sp>
+        <p:nvSpPr>
+          <p:cNvPr id="3" name="Content Placeholder 2">
+            <a:extLst>
+              <a:ext uri="{FF2B5EF4-FFF2-40B4-BE49-F238E27FC236}">
+                <a16:creationId xmlns:a16="http://schemas.microsoft.com/office/drawing/2014/main" id="{09A2127D-E0D8-49B9-9F01-DC5FC71DC7A4}"/>
+              </a:ext>
+            </a:extLst>
+          </p:cNvPr>
+          <p:cNvSpPr>
+            <a:spLocks noGrp="1"/>
+          </p:cNvSpPr>
+          <p:nvPr>
+            <p:ph idx="1"/>
+          </p:nvPr>
+        </p:nvSpPr>
+        <p:spPr/>
+        <p:txBody>
+          <a:bodyPr/>
+          <a:lstStyle/>
+          <a:p>
+            <a:r>
+              <a:rPr lang="en-US" dirty="0" err="1"/>
+              <a:t>Đại</a:t>
+            </a:r>
+            <a:r>
+              <a:rPr lang="en-US" dirty="0"/>
+              <a:t> </a:t>
+            </a:r>
+            <a:r>
+              <a:rPr lang="en-US" dirty="0" err="1"/>
+              <a:t>khái</a:t>
+            </a:r>
+            <a:r>
+              <a:rPr lang="en-US" dirty="0"/>
+              <a:t> </a:t>
+            </a:r>
+            <a:r>
+              <a:rPr lang="en-US" dirty="0" err="1"/>
+              <a:t>là</a:t>
+            </a:r>
+            <a:r>
+              <a:rPr lang="en-US" dirty="0"/>
+              <a:t> </a:t>
+            </a:r>
+            <a:r>
+              <a:rPr lang="en-US" dirty="0" err="1"/>
+              <a:t>lấy</a:t>
+            </a:r>
+            <a:r>
+              <a:rPr lang="en-US" dirty="0"/>
+              <a:t> </a:t>
+            </a:r>
+            <a:r>
+              <a:rPr lang="en-US" dirty="0" err="1"/>
+              <a:t>tích</a:t>
+            </a:r>
+            <a:r>
+              <a:rPr lang="en-US" dirty="0"/>
+              <a:t> </a:t>
+            </a:r>
+            <a:r>
+              <a:rPr lang="en-US" dirty="0" err="1"/>
+              <a:t>chập</a:t>
+            </a:r>
+            <a:r>
+              <a:rPr lang="en-US" dirty="0"/>
+              <a:t> </a:t>
+            </a:r>
+            <a:r>
+              <a:rPr lang="en-US" dirty="0" err="1"/>
+              <a:t>mảng</a:t>
+            </a:r>
+            <a:r>
+              <a:rPr lang="en-US" dirty="0"/>
+              <a:t> pixel </a:t>
+            </a:r>
+            <a:r>
+              <a:rPr lang="en-US" dirty="0" err="1"/>
+              <a:t>của</a:t>
+            </a:r>
+            <a:r>
+              <a:rPr lang="en-US" dirty="0"/>
+              <a:t> </a:t>
+            </a:r>
+            <a:r>
+              <a:rPr lang="en-US" dirty="0" err="1"/>
+              <a:t>ảnh</a:t>
+            </a:r>
+            <a:r>
+              <a:rPr lang="en-US" dirty="0"/>
+              <a:t> </a:t>
+            </a:r>
+            <a:r>
+              <a:rPr lang="en-US" dirty="0" err="1"/>
+              <a:t>với</a:t>
+            </a:r>
+            <a:r>
+              <a:rPr lang="en-US" dirty="0"/>
+              <a:t> 1 kernel(ma </a:t>
+            </a:r>
+            <a:r>
+              <a:rPr lang="en-US" dirty="0" err="1"/>
+              <a:t>trận</a:t>
+            </a:r>
+            <a:r>
+              <a:rPr lang="en-US" dirty="0"/>
+              <a:t> </a:t>
+            </a:r>
+            <a:r>
+              <a:rPr lang="en-US" dirty="0" err="1"/>
+              <a:t>lọc</a:t>
+            </a:r>
+            <a:r>
+              <a:rPr lang="en-US" dirty="0"/>
+              <a:t> </a:t>
+            </a:r>
+            <a:r>
+              <a:rPr lang="en-US" dirty="0" err="1"/>
+              <a:t>kích</a:t>
+            </a:r>
+            <a:r>
+              <a:rPr lang="en-US" dirty="0"/>
+              <a:t> </a:t>
+            </a:r>
+            <a:r>
+              <a:rPr lang="en-US" dirty="0" err="1"/>
+              <a:t>thước</a:t>
+            </a:r>
+            <a:r>
+              <a:rPr lang="en-US" dirty="0"/>
+              <a:t> </a:t>
+            </a:r>
+            <a:r>
+              <a:rPr lang="en-US" dirty="0" err="1"/>
+              <a:t>lẻ</a:t>
+            </a:r>
+            <a:r>
+              <a:rPr lang="en-US" dirty="0"/>
+              <a:t>), </a:t>
+            </a:r>
+            <a:r>
+              <a:rPr lang="en-US" dirty="0" err="1"/>
+              <a:t>lấy</a:t>
+            </a:r>
+            <a:r>
+              <a:rPr lang="en-US" dirty="0"/>
+              <a:t> </a:t>
+            </a:r>
+            <a:r>
+              <a:rPr lang="en-US" dirty="0" err="1"/>
+              <a:t>giá</a:t>
+            </a:r>
+            <a:r>
+              <a:rPr lang="en-US" dirty="0"/>
+              <a:t> </a:t>
+            </a:r>
+            <a:r>
+              <a:rPr lang="en-US" dirty="0" err="1"/>
+              <a:t>trị</a:t>
+            </a:r>
+            <a:r>
+              <a:rPr lang="en-US" dirty="0"/>
+              <a:t> </a:t>
+            </a:r>
+            <a:r>
+              <a:rPr lang="en-US" dirty="0" err="1"/>
+              <a:t>trung</a:t>
+            </a:r>
+            <a:r>
+              <a:rPr lang="en-US" dirty="0"/>
+              <a:t> </a:t>
+            </a:r>
+            <a:r>
+              <a:rPr lang="en-US" dirty="0" err="1"/>
+              <a:t>tâm</a:t>
+            </a:r>
+            <a:endParaRPr lang="en-US" dirty="0"/>
+          </a:p>
+          <a:p>
+            <a:r>
+              <a:rPr lang="en-US" dirty="0"/>
+              <a:t>Chi </a:t>
+            </a:r>
+            <a:r>
+              <a:rPr lang="en-US" dirty="0" err="1"/>
+              <a:t>tiết</a:t>
+            </a:r>
+            <a:r>
+              <a:rPr lang="en-US" dirty="0"/>
+              <a:t>: </a:t>
+            </a:r>
+            <a:r>
+              <a:rPr lang="en-US" dirty="0">
+                <a:hlinkClick r:id="rId2"/>
+              </a:rPr>
+              <a:t>https://opencv-python-tutroals.readthedocs.io/en/latest/py_tutorials/py_imgproc/py_filtering/py_filtering.html?highlight=gaussianblur</a:t>
+            </a:r>
+            <a:endParaRPr lang="en-US" dirty="0"/>
+          </a:p>
+        </p:txBody>
+      </p:sp>
+    </p:spTree>
+    <p:extLst>
+      <p:ext uri="{BB962C8B-B14F-4D97-AF65-F5344CB8AC3E}">
+        <p14:creationId xmlns:p14="http://schemas.microsoft.com/office/powerpoint/2010/main" val="4211881341"/>
+      </p:ext>
+    </p:extLst>
+  </p:cSld>
+  <p:clrMapOvr>
+    <a:masterClrMapping/>
+  </p:clrMapOvr>
+</p:sld>
+</file>
+
+<file path=ppt/slides/slide21.xml><?xml version="1.0" encoding="utf-8"?>
+<p:sld xmlns:a="http://schemas.openxmlformats.org/drawingml/2006/main" xmlns:r="http://schemas.openxmlformats.org/officeDocument/2006/relationships" xmlns:p="http://schemas.openxmlformats.org/presentationml/2006/main">
+  <p:cSld>
+    <p:spTree>
+      <p:nvGrpSpPr>
+        <p:cNvPr id="1" name=""/>
+        <p:cNvGrpSpPr/>
+        <p:nvPr/>
+      </p:nvGrpSpPr>
+      <p:grpSpPr>
+        <a:xfrm>
+          <a:off x="0" y="0"/>
+          <a:ext cx="0" cy="0"/>
+          <a:chOff x="0" y="0"/>
+          <a:chExt cx="0" cy="0"/>
+        </a:xfrm>
+      </p:grpSpPr>
+      <p:sp>
+        <p:nvSpPr>
+          <p:cNvPr id="2" name="Title 1">
+            <a:extLst>
+              <a:ext uri="{FF2B5EF4-FFF2-40B4-BE49-F238E27FC236}">
+                <a16:creationId xmlns:a16="http://schemas.microsoft.com/office/drawing/2014/main" id="{D017BF3C-FD82-4EE9-AEBF-04AA76F63DC2}"/>
+              </a:ext>
+            </a:extLst>
+          </p:cNvPr>
+          <p:cNvSpPr>
+            <a:spLocks noGrp="1"/>
+          </p:cNvSpPr>
+          <p:nvPr>
+            <p:ph type="title"/>
+          </p:nvPr>
+        </p:nvSpPr>
+        <p:spPr/>
+        <p:txBody>
+          <a:bodyPr/>
+          <a:lstStyle/>
+          <a:p>
+            <a:r>
+              <a:rPr lang="en-US" dirty="0" err="1"/>
+              <a:t>Làm</a:t>
+            </a:r>
+            <a:r>
+              <a:rPr lang="en-US" dirty="0"/>
+              <a:t> </a:t>
+            </a:r>
+            <a:r>
+              <a:rPr lang="en-US" dirty="0" err="1"/>
+              <a:t>mờ</a:t>
+            </a:r>
+            <a:r>
+              <a:rPr lang="en-US" dirty="0"/>
+              <a:t> </a:t>
+            </a:r>
+            <a:r>
+              <a:rPr lang="en-US" dirty="0" err="1"/>
+              <a:t>ảnh</a:t>
+            </a:r>
+            <a:endParaRPr lang="en-US" dirty="0"/>
+          </a:p>
+        </p:txBody>
+      </p:sp>
+      <p:pic>
+        <p:nvPicPr>
+          <p:cNvPr id="4" name="Content Placeholder 3">
+            <a:extLst>
+              <a:ext uri="{FF2B5EF4-FFF2-40B4-BE49-F238E27FC236}">
+                <a16:creationId xmlns:a16="http://schemas.microsoft.com/office/drawing/2014/main" id="{6EDA4CB8-1B78-470F-A943-F616D76813BA}"/>
+              </a:ext>
+            </a:extLst>
+          </p:cNvPr>
+          <p:cNvPicPr>
+            <a:picLocks noGrp="1" noChangeAspect="1"/>
+          </p:cNvPicPr>
+          <p:nvPr>
+            <p:ph idx="1"/>
+          </p:nvPr>
+        </p:nvPicPr>
+        <p:blipFill>
+          <a:blip r:embed="rId2"/>
+          <a:stretch>
+            <a:fillRect/>
+          </a:stretch>
+        </p:blipFill>
+        <p:spPr>
+          <a:xfrm>
+            <a:off x="838200" y="3026248"/>
+            <a:ext cx="10515600" cy="1950091"/>
+          </a:xfrm>
+          <a:prstGeom prst="rect">
+            <a:avLst/>
+          </a:prstGeom>
+        </p:spPr>
+      </p:pic>
+    </p:spTree>
+    <p:extLst>
+      <p:ext uri="{BB962C8B-B14F-4D97-AF65-F5344CB8AC3E}">
+        <p14:creationId xmlns:p14="http://schemas.microsoft.com/office/powerpoint/2010/main" val="3159110339"/>
+      </p:ext>
+    </p:extLst>
+  </p:cSld>
+  <p:clrMapOvr>
+    <a:masterClrMapping/>
+  </p:clrMapOvr>
+</p:sld>
+</file>
+
+<file path=ppt/slides/slide22.xml><?xml version="1.0" encoding="utf-8"?>
+<p:sld xmlns:a="http://schemas.openxmlformats.org/drawingml/2006/main" xmlns:r="http://schemas.openxmlformats.org/officeDocument/2006/relationships" xmlns:p="http://schemas.openxmlformats.org/presentationml/2006/main">
+  <p:cSld>
+    <p:bg>
+      <p:bgPr>
+        <a:solidFill>
+          <a:schemeClr val="bg1"/>
+        </a:solidFill>
+        <a:effectLst/>
+      </p:bgPr>
+    </p:bg>
+    <p:spTree>
+      <p:nvGrpSpPr>
+        <p:cNvPr id="1" name=""/>
+        <p:cNvGrpSpPr/>
+        <p:nvPr/>
+      </p:nvGrpSpPr>
+      <p:grpSpPr>
+        <a:xfrm>
+          <a:off x="0" y="0"/>
+          <a:ext cx="0" cy="0"/>
+          <a:chOff x="0" y="0"/>
+          <a:chExt cx="0" cy="0"/>
+        </a:xfrm>
+      </p:grpSpPr>
+      <p:sp useBgFill="1">
+        <p:nvSpPr>
+          <p:cNvPr id="7" name="Rectangle 6">
+            <a:extLst>
+              <a:ext uri="{FF2B5EF4-FFF2-40B4-BE49-F238E27FC236}">
+                <a16:creationId xmlns:a16="http://schemas.microsoft.com/office/drawing/2014/main" id="{B26EE4FD-480F-42A5-9FEB-DA630457CFB7}"/>
+              </a:ext>
+              <a:ext uri="{C183D7F6-B498-43B3-948B-1728B52AA6E4}">
+                <adec:decorative xmlns:adec="http://schemas.microsoft.com/office/drawing/2017/decorative" val="1"/>
+              </a:ext>
+            </a:extLst>
+          </p:cNvPr>
+          <p:cNvSpPr>
+            <a:spLocks noGrp="1" noRot="1" noChangeAspect="1" noMove="1" noResize="1" noEditPoints="1" noAdjustHandles="1" noChangeArrowheads="1" noChangeShapeType="1" noTextEdit="1"/>
+          </p:cNvSpPr>
+          <p:nvPr>
+            <p:extLst>
+              <p:ext uri="{386F3935-93C4-4BCD-93E2-E3B085C9AB24}">
+                <p16:designElem xmlns:p16="http://schemas.microsoft.com/office/powerpoint/2015/main" val="1"/>
+              </p:ext>
+            </p:extLst>
+          </p:nvPr>
+        </p:nvSpPr>
+        <p:spPr>
+          <a:xfrm>
+            <a:off x="0" y="0"/>
+            <a:ext cx="12188952" cy="6858000"/>
+          </a:xfrm>
+          <a:prstGeom prst="rect">
+            <a:avLst/>
+          </a:prstGeom>
+          <a:ln>
+            <a:noFill/>
+          </a:ln>
+        </p:spPr>
+        <p:style>
+          <a:lnRef idx="2">
+            <a:schemeClr val="accent1">
+              <a:shade val="50000"/>
+            </a:schemeClr>
+          </a:lnRef>
+          <a:fillRef idx="1">
+            <a:schemeClr val="accent1"/>
+          </a:fillRef>
+          <a:effectRef idx="0">
+            <a:schemeClr val="accent1"/>
+          </a:effectRef>
+          <a:fontRef idx="minor">
+            <a:schemeClr val="lt1"/>
+          </a:fontRef>
+        </p:style>
+        <p:txBody>
+          <a:bodyPr rtlCol="0" anchor="ctr"/>
+          <a:lstStyle/>
+          <a:p>
+            <a:pPr algn="ctr"/>
+            <a:endParaRPr lang="en-US"/>
+          </a:p>
+        </p:txBody>
+      </p:sp>
+      <p:sp>
+        <p:nvSpPr>
+          <p:cNvPr id="9" name="Freeform 5">
+            <a:extLst>
+              <a:ext uri="{FF2B5EF4-FFF2-40B4-BE49-F238E27FC236}">
+                <a16:creationId xmlns:a16="http://schemas.microsoft.com/office/drawing/2014/main" id="{A187062F-BE14-42FC-B06A-607DB23849C3}"/>
+              </a:ext>
+              <a:ext uri="{C183D7F6-B498-43B3-948B-1728B52AA6E4}">
+                <adec:decorative xmlns:adec="http://schemas.microsoft.com/office/drawing/2017/decorative" val="1"/>
+              </a:ext>
+            </a:extLst>
+          </p:cNvPr>
+          <p:cNvSpPr>
+            <a:spLocks noGrp="1" noRot="1" noChangeAspect="1" noMove="1" noResize="1" noEditPoints="1" noAdjustHandles="1" noChangeArrowheads="1" noChangeShapeType="1" noTextEdit="1"/>
+          </p:cNvSpPr>
+          <p:nvPr>
+            <p:extLst>
+              <p:ext uri="{386F3935-93C4-4BCD-93E2-E3B085C9AB24}">
+                <p16:designElem xmlns:p16="http://schemas.microsoft.com/office/powerpoint/2015/main" val="1"/>
+              </p:ext>
+            </p:extLst>
+          </p:nvPr>
+        </p:nvSpPr>
+        <p:spPr bwMode="auto">
+          <a:xfrm flipH="1">
+            <a:off x="842688" y="1766812"/>
+            <a:ext cx="822493" cy="4232692"/>
+          </a:xfrm>
+          <a:custGeom>
+            <a:avLst/>
+            <a:gdLst>
+              <a:gd name="T0" fmla="*/ 491 w 491"/>
+              <a:gd name="T1" fmla="*/ 2247 h 2732"/>
+              <a:gd name="T2" fmla="*/ 0 w 491"/>
+              <a:gd name="T3" fmla="*/ 2732 h 2732"/>
+              <a:gd name="T4" fmla="*/ 0 w 491"/>
+              <a:gd name="T5" fmla="*/ 486 h 2732"/>
+              <a:gd name="T6" fmla="*/ 491 w 491"/>
+              <a:gd name="T7" fmla="*/ 0 h 2732"/>
+              <a:gd name="T8" fmla="*/ 491 w 491"/>
+              <a:gd name="T9" fmla="*/ 2247 h 2732"/>
+            </a:gdLst>
+            <a:ahLst/>
+            <a:cxnLst>
+              <a:cxn ang="0">
+                <a:pos x="T0" y="T1"/>
+              </a:cxn>
+              <a:cxn ang="0">
+                <a:pos x="T2" y="T3"/>
+              </a:cxn>
+              <a:cxn ang="0">
+                <a:pos x="T4" y="T5"/>
+              </a:cxn>
+              <a:cxn ang="0">
+                <a:pos x="T6" y="T7"/>
+              </a:cxn>
+              <a:cxn ang="0">
+                <a:pos x="T8" y="T9"/>
+              </a:cxn>
+            </a:cxnLst>
+            <a:rect l="0" t="0" r="r" b="b"/>
+            <a:pathLst>
+              <a:path w="491" h="2732">
+                <a:moveTo>
+                  <a:pt x="491" y="2247"/>
+                </a:moveTo>
+                <a:lnTo>
+                  <a:pt x="0" y="2732"/>
+                </a:lnTo>
+                <a:lnTo>
+                  <a:pt x="0" y="486"/>
+                </a:lnTo>
+                <a:lnTo>
+                  <a:pt x="491" y="0"/>
+                </a:lnTo>
+                <a:lnTo>
+                  <a:pt x="491" y="2247"/>
+                </a:lnTo>
+                <a:close/>
+              </a:path>
+            </a:pathLst>
+          </a:custGeom>
+          <a:solidFill>
+            <a:schemeClr val="accent1">
+              <a:lumMod val="50000"/>
+            </a:schemeClr>
+          </a:solidFill>
+          <a:ln>
+            <a:noFill/>
+          </a:ln>
+        </p:spPr>
+        <p:txBody>
+          <a:bodyPr vert="horz" wrap="square" lIns="91440" tIns="45720" rIns="91440" bIns="45720" numCol="1" anchor="t" anchorCtr="0" compatLnSpc="1">
+            <a:prstTxWarp prst="textNoShape">
+              <a:avLst/>
+            </a:prstTxWarp>
+          </a:bodyPr>
+          <a:lstStyle/>
+          <a:p>
+            <a:endParaRPr lang="en-US"/>
+          </a:p>
+        </p:txBody>
+      </p:sp>
+      <p:sp>
+        <p:nvSpPr>
+          <p:cNvPr id="11" name="Freeform 6">
+            <a:extLst>
+              <a:ext uri="{FF2B5EF4-FFF2-40B4-BE49-F238E27FC236}">
+                <a16:creationId xmlns:a16="http://schemas.microsoft.com/office/drawing/2014/main" id="{731FE21B-2A45-4BF5-8B03-E12341988774}"/>
+              </a:ext>
+              <a:ext uri="{C183D7F6-B498-43B3-948B-1728B52AA6E4}">
+                <adec:decorative xmlns:adec="http://schemas.microsoft.com/office/drawing/2017/decorative" val="1"/>
+              </a:ext>
+            </a:extLst>
+          </p:cNvPr>
+          <p:cNvSpPr>
+            <a:spLocks noGrp="1" noRot="1" noChangeAspect="1" noMove="1" noResize="1" noEditPoints="1" noAdjustHandles="1" noChangeArrowheads="1" noChangeShapeType="1" noTextEdit="1"/>
+          </p:cNvSpPr>
+          <p:nvPr>
+            <p:extLst>
+              <p:ext uri="{386F3935-93C4-4BCD-93E2-E3B085C9AB24}">
+                <p16:designElem xmlns:p16="http://schemas.microsoft.com/office/powerpoint/2015/main" val="1"/>
+              </p:ext>
+            </p:extLst>
+          </p:nvPr>
+        </p:nvSpPr>
+        <p:spPr bwMode="auto">
+          <a:xfrm flipH="1">
+            <a:off x="842689" y="1423780"/>
+            <a:ext cx="687754" cy="3820236"/>
+          </a:xfrm>
+          <a:custGeom>
+            <a:avLst/>
+            <a:gdLst>
+              <a:gd name="T0" fmla="*/ 414 w 414"/>
+              <a:gd name="T1" fmla="*/ 2447 h 2447"/>
+              <a:gd name="T2" fmla="*/ 0 w 414"/>
+              <a:gd name="T3" fmla="*/ 2247 h 2447"/>
+              <a:gd name="T4" fmla="*/ 0 w 414"/>
+              <a:gd name="T5" fmla="*/ 0 h 2447"/>
+              <a:gd name="T6" fmla="*/ 414 w 414"/>
+              <a:gd name="T7" fmla="*/ 200 h 2447"/>
+              <a:gd name="T8" fmla="*/ 414 w 414"/>
+              <a:gd name="T9" fmla="*/ 2447 h 2447"/>
+            </a:gdLst>
+            <a:ahLst/>
+            <a:cxnLst>
+              <a:cxn ang="0">
+                <a:pos x="T0" y="T1"/>
+              </a:cxn>
+              <a:cxn ang="0">
+                <a:pos x="T2" y="T3"/>
+              </a:cxn>
+              <a:cxn ang="0">
+                <a:pos x="T4" y="T5"/>
+              </a:cxn>
+              <a:cxn ang="0">
+                <a:pos x="T6" y="T7"/>
+              </a:cxn>
+              <a:cxn ang="0">
+                <a:pos x="T8" y="T9"/>
+              </a:cxn>
+            </a:cxnLst>
+            <a:rect l="0" t="0" r="r" b="b"/>
+            <a:pathLst>
+              <a:path w="414" h="2447">
+                <a:moveTo>
+                  <a:pt x="414" y="2447"/>
+                </a:moveTo>
+                <a:lnTo>
+                  <a:pt x="0" y="2247"/>
+                </a:lnTo>
+                <a:lnTo>
+                  <a:pt x="0" y="0"/>
+                </a:lnTo>
+                <a:lnTo>
+                  <a:pt x="414" y="200"/>
+                </a:lnTo>
+                <a:lnTo>
+                  <a:pt x="414" y="2447"/>
+                </a:lnTo>
+                <a:close/>
+              </a:path>
+            </a:pathLst>
+          </a:custGeom>
+          <a:solidFill>
+            <a:schemeClr val="accent1">
+              <a:lumMod val="75000"/>
+            </a:schemeClr>
+          </a:solidFill>
+          <a:ln>
+            <a:noFill/>
+          </a:ln>
+        </p:spPr>
+        <p:txBody>
+          <a:bodyPr vert="horz" wrap="square" lIns="91440" tIns="45720" rIns="91440" bIns="45720" numCol="1" anchor="t" anchorCtr="0" compatLnSpc="1">
+            <a:prstTxWarp prst="textNoShape">
+              <a:avLst/>
+            </a:prstTxWarp>
+          </a:bodyPr>
+          <a:lstStyle/>
+          <a:p>
+            <a:endParaRPr lang="en-US"/>
+          </a:p>
+        </p:txBody>
+      </p:sp>
+      <p:sp>
+        <p:nvSpPr>
+          <p:cNvPr id="13" name="Freeform 7">
+            <a:extLst>
+              <a:ext uri="{FF2B5EF4-FFF2-40B4-BE49-F238E27FC236}">
+                <a16:creationId xmlns:a16="http://schemas.microsoft.com/office/drawing/2014/main" id="{2DC5A94D-79ED-48F5-9DC5-96CBB507CEC8}"/>
+              </a:ext>
+              <a:ext uri="{C183D7F6-B498-43B3-948B-1728B52AA6E4}">
+                <adec:decorative xmlns:adec="http://schemas.microsoft.com/office/drawing/2017/decorative" val="1"/>
+              </a:ext>
+            </a:extLst>
+          </p:cNvPr>
+          <p:cNvSpPr>
+            <a:spLocks noGrp="1" noRot="1" noChangeAspect="1" noMove="1" noResize="1" noEditPoints="1" noAdjustHandles="1" noChangeArrowheads="1" noChangeShapeType="1" noTextEdit="1"/>
+          </p:cNvSpPr>
+          <p:nvPr>
+            <p:extLst>
+              <p:ext uri="{386F3935-93C4-4BCD-93E2-E3B085C9AB24}">
+                <p16:designElem xmlns:p16="http://schemas.microsoft.com/office/powerpoint/2015/main" val="1"/>
+              </p:ext>
+            </p:extLst>
+          </p:nvPr>
+        </p:nvSpPr>
+        <p:spPr bwMode="auto">
+          <a:xfrm flipH="1">
+            <a:off x="1183243" y="1239381"/>
+            <a:ext cx="347200" cy="3699705"/>
+          </a:xfrm>
+          <a:custGeom>
+            <a:avLst/>
+            <a:gdLst>
+              <a:gd name="T0" fmla="*/ 209 w 209"/>
+              <a:gd name="T1" fmla="*/ 2246 h 2358"/>
+              <a:gd name="T2" fmla="*/ 0 w 209"/>
+              <a:gd name="T3" fmla="*/ 2358 h 2358"/>
+              <a:gd name="T4" fmla="*/ 0 w 209"/>
+              <a:gd name="T5" fmla="*/ 111 h 2358"/>
+              <a:gd name="T6" fmla="*/ 209 w 209"/>
+              <a:gd name="T7" fmla="*/ 0 h 2358"/>
+              <a:gd name="T8" fmla="*/ 209 w 209"/>
+              <a:gd name="T9" fmla="*/ 2246 h 2358"/>
+            </a:gdLst>
+            <a:ahLst/>
+            <a:cxnLst>
+              <a:cxn ang="0">
+                <a:pos x="T0" y="T1"/>
+              </a:cxn>
+              <a:cxn ang="0">
+                <a:pos x="T2" y="T3"/>
+              </a:cxn>
+              <a:cxn ang="0">
+                <a:pos x="T4" y="T5"/>
+              </a:cxn>
+              <a:cxn ang="0">
+                <a:pos x="T6" y="T7"/>
+              </a:cxn>
+              <a:cxn ang="0">
+                <a:pos x="T8" y="T9"/>
+              </a:cxn>
+            </a:cxnLst>
+            <a:rect l="0" t="0" r="r" b="b"/>
+            <a:pathLst>
+              <a:path w="209" h="2358">
+                <a:moveTo>
+                  <a:pt x="209" y="2246"/>
+                </a:moveTo>
+                <a:lnTo>
+                  <a:pt x="0" y="2358"/>
+                </a:lnTo>
+                <a:lnTo>
+                  <a:pt x="0" y="111"/>
+                </a:lnTo>
+                <a:lnTo>
+                  <a:pt x="209" y="0"/>
+                </a:lnTo>
+                <a:lnTo>
+                  <a:pt x="209" y="2246"/>
+                </a:lnTo>
+                <a:close/>
+              </a:path>
+            </a:pathLst>
+          </a:custGeom>
+          <a:solidFill>
+            <a:schemeClr val="accent1">
+              <a:lumMod val="50000"/>
+            </a:schemeClr>
+          </a:solidFill>
+          <a:ln>
+            <a:noFill/>
+          </a:ln>
+        </p:spPr>
+        <p:txBody>
+          <a:bodyPr vert="horz" wrap="square" lIns="91440" tIns="45720" rIns="91440" bIns="45720" numCol="1" anchor="t" anchorCtr="0" compatLnSpc="1">
+            <a:prstTxWarp prst="textNoShape">
+              <a:avLst/>
+            </a:prstTxWarp>
+          </a:bodyPr>
+          <a:lstStyle/>
+          <a:p>
+            <a:endParaRPr lang="en-US"/>
+          </a:p>
+        </p:txBody>
+      </p:sp>
+      <p:sp>
+        <p:nvSpPr>
+          <p:cNvPr id="15" name="Rectangle 8">
+            <a:extLst>
+              <a:ext uri="{FF2B5EF4-FFF2-40B4-BE49-F238E27FC236}">
+                <a16:creationId xmlns:a16="http://schemas.microsoft.com/office/drawing/2014/main" id="{93A3D4BE-AF25-4F9A-9C29-1145CCE24A28}"/>
+              </a:ext>
+              <a:ext uri="{C183D7F6-B498-43B3-948B-1728B52AA6E4}">
+                <adec:decorative xmlns:adec="http://schemas.microsoft.com/office/drawing/2017/decorative" val="1"/>
+              </a:ext>
+            </a:extLst>
+          </p:cNvPr>
+          <p:cNvSpPr>
+            <a:spLocks noGrp="1" noRot="1" noChangeAspect="1" noMove="1" noResize="1" noEditPoints="1" noAdjustHandles="1" noChangeArrowheads="1" noChangeShapeType="1" noTextEdit="1"/>
+          </p:cNvSpPr>
+          <p:nvPr>
+            <p:extLst>
+              <p:ext uri="{386F3935-93C4-4BCD-93E2-E3B085C9AB24}">
+                <p16:designElem xmlns:p16="http://schemas.microsoft.com/office/powerpoint/2015/main" val="1"/>
+              </p:ext>
+            </p:extLst>
+          </p:nvPr>
+        </p:nvSpPr>
+        <p:spPr bwMode="auto">
+          <a:xfrm flipH="1">
+            <a:off x="1183242" y="1230651"/>
+            <a:ext cx="10208658" cy="3531073"/>
+          </a:xfrm>
+          <a:prstGeom prst="rect">
+            <a:avLst/>
+          </a:prstGeom>
+          <a:solidFill>
+            <a:schemeClr val="accent1"/>
+          </a:solidFill>
+          <a:ln>
+            <a:noFill/>
+          </a:ln>
+        </p:spPr>
+        <p:txBody>
+          <a:bodyPr vert="horz" wrap="square" lIns="91440" tIns="45720" rIns="91440" bIns="45720" numCol="1" anchor="t" anchorCtr="0" compatLnSpc="1">
+            <a:prstTxWarp prst="textNoShape">
+              <a:avLst/>
+            </a:prstTxWarp>
+          </a:bodyPr>
+          <a:lstStyle/>
+          <a:p>
+            <a:endParaRPr lang="en-US"/>
+          </a:p>
+        </p:txBody>
+      </p:sp>
+      <p:sp>
+        <p:nvSpPr>
+          <p:cNvPr id="2" name="Title 1">
+            <a:extLst>
+              <a:ext uri="{FF2B5EF4-FFF2-40B4-BE49-F238E27FC236}">
+                <a16:creationId xmlns:a16="http://schemas.microsoft.com/office/drawing/2014/main" id="{10B71728-B7C9-4862-8F57-DFA354394394}"/>
+              </a:ext>
+            </a:extLst>
+          </p:cNvPr>
+          <p:cNvSpPr>
+            <a:spLocks noGrp="1"/>
+          </p:cNvSpPr>
+          <p:nvPr>
+            <p:ph type="title"/>
+          </p:nvPr>
+        </p:nvSpPr>
+        <p:spPr>
+          <a:xfrm>
+            <a:off x="1870997" y="1607809"/>
+            <a:ext cx="9236026" cy="2876680"/>
+          </a:xfrm>
+        </p:spPr>
+        <p:txBody>
+          <a:bodyPr vert="horz" lIns="91440" tIns="45720" rIns="91440" bIns="45720" rtlCol="0" anchor="b">
+            <a:normAutofit/>
+          </a:bodyPr>
+          <a:lstStyle/>
+          <a:p>
+            <a:r>
+              <a:rPr lang="en-US" sz="6600" kern="1200" dirty="0">
+                <a:solidFill>
+                  <a:srgbClr val="FFFFFF"/>
+                </a:solidFill>
+                <a:latin typeface="+mj-lt"/>
+                <a:ea typeface="+mj-ea"/>
+                <a:cs typeface="+mj-cs"/>
+              </a:rPr>
+              <a:t>Thao </a:t>
+            </a:r>
+            <a:r>
+              <a:rPr lang="en-US" sz="6600" kern="1200" dirty="0" err="1">
+                <a:solidFill>
+                  <a:srgbClr val="FFFFFF"/>
+                </a:solidFill>
+                <a:latin typeface="+mj-lt"/>
+                <a:ea typeface="+mj-ea"/>
+                <a:cs typeface="+mj-cs"/>
+              </a:rPr>
+              <a:t>tác</a:t>
+            </a:r>
+            <a:r>
+              <a:rPr lang="en-US" sz="6600" kern="1200" dirty="0">
+                <a:solidFill>
+                  <a:srgbClr val="FFFFFF"/>
+                </a:solidFill>
+                <a:latin typeface="+mj-lt"/>
+                <a:ea typeface="+mj-ea"/>
+                <a:cs typeface="+mj-cs"/>
+              </a:rPr>
+              <a:t> </a:t>
+            </a:r>
+            <a:r>
+              <a:rPr lang="en-US" sz="6600" kern="1200" dirty="0" err="1">
+                <a:solidFill>
+                  <a:srgbClr val="FFFFFF"/>
+                </a:solidFill>
+                <a:latin typeface="+mj-lt"/>
+                <a:ea typeface="+mj-ea"/>
+                <a:cs typeface="+mj-cs"/>
+              </a:rPr>
+              <a:t>vẽ</a:t>
+            </a:r>
+            <a:endParaRPr lang="en-US" sz="6600" kern="1200" dirty="0">
+              <a:solidFill>
+                <a:srgbClr val="FFFFFF"/>
+              </a:solidFill>
+              <a:latin typeface="+mj-lt"/>
+              <a:ea typeface="+mj-ea"/>
+              <a:cs typeface="+mj-cs"/>
+            </a:endParaRPr>
+          </a:p>
+        </p:txBody>
+      </p:sp>
+    </p:spTree>
+    <p:extLst>
+      <p:ext uri="{BB962C8B-B14F-4D97-AF65-F5344CB8AC3E}">
+        <p14:creationId xmlns:p14="http://schemas.microsoft.com/office/powerpoint/2010/main" val="1246840202"/>
+      </p:ext>
+    </p:extLst>
+  </p:cSld>
+  <p:clrMapOvr>
+    <a:masterClrMapping/>
+  </p:clrMapOvr>
+</p:sld>
+</file>
+
+<file path=ppt/slides/slide23.xml><?xml version="1.0" encoding="utf-8"?>
+<p:sld xmlns:a="http://schemas.openxmlformats.org/drawingml/2006/main" xmlns:r="http://schemas.openxmlformats.org/officeDocument/2006/relationships" xmlns:p="http://schemas.openxmlformats.org/presentationml/2006/main">
+  <p:cSld>
+    <p:spTree>
+      <p:nvGrpSpPr>
+        <p:cNvPr id="1" name=""/>
+        <p:cNvGrpSpPr/>
+        <p:nvPr/>
+      </p:nvGrpSpPr>
+      <p:grpSpPr>
+        <a:xfrm>
+          <a:off x="0" y="0"/>
+          <a:ext cx="0" cy="0"/>
+          <a:chOff x="0" y="0"/>
+          <a:chExt cx="0" cy="0"/>
+        </a:xfrm>
+      </p:grpSpPr>
+      <p:sp>
+        <p:nvSpPr>
+          <p:cNvPr id="3" name="Title 2">
+            <a:extLst>
+              <a:ext uri="{FF2B5EF4-FFF2-40B4-BE49-F238E27FC236}">
+                <a16:creationId xmlns:a16="http://schemas.microsoft.com/office/drawing/2014/main" id="{AD32D648-62ED-4557-A256-97D220A7754C}"/>
+              </a:ext>
+            </a:extLst>
+          </p:cNvPr>
+          <p:cNvSpPr>
+            <a:spLocks noGrp="1"/>
+          </p:cNvSpPr>
+          <p:nvPr>
+            <p:ph type="title"/>
+          </p:nvPr>
+        </p:nvSpPr>
+        <p:spPr/>
+        <p:txBody>
+          <a:bodyPr/>
+          <a:lstStyle/>
+          <a:p>
+            <a:r>
+              <a:rPr lang="en-US" dirty="0"/>
+              <a:t>Thao </a:t>
+            </a:r>
+            <a:r>
+              <a:rPr lang="en-US" dirty="0" err="1"/>
+              <a:t>tác</a:t>
+            </a:r>
+            <a:r>
+              <a:rPr lang="en-US" dirty="0"/>
+              <a:t> </a:t>
+            </a:r>
+            <a:r>
+              <a:rPr lang="en-US" dirty="0" err="1"/>
+              <a:t>vẽ</a:t>
+            </a:r>
+            <a:r>
+              <a:rPr lang="en-US" dirty="0"/>
+              <a:t> </a:t>
+            </a:r>
+            <a:r>
+              <a:rPr lang="en-US" dirty="0" err="1"/>
+              <a:t>trên</a:t>
+            </a:r>
+            <a:r>
+              <a:rPr lang="en-US" dirty="0"/>
+              <a:t> </a:t>
+            </a:r>
+            <a:r>
+              <a:rPr lang="en-US" dirty="0" err="1"/>
+              <a:t>ảnh</a:t>
+            </a:r>
+            <a:endParaRPr lang="en-US" dirty="0"/>
+          </a:p>
+        </p:txBody>
+      </p:sp>
+      <p:sp>
+        <p:nvSpPr>
+          <p:cNvPr id="4" name="Content Placeholder 3">
+            <a:extLst>
+              <a:ext uri="{FF2B5EF4-FFF2-40B4-BE49-F238E27FC236}">
+                <a16:creationId xmlns:a16="http://schemas.microsoft.com/office/drawing/2014/main" id="{5E5CB618-2298-4FBC-9298-34E02B394FCC}"/>
+              </a:ext>
+            </a:extLst>
+          </p:cNvPr>
+          <p:cNvSpPr>
+            <a:spLocks noGrp="1"/>
+          </p:cNvSpPr>
+          <p:nvPr>
+            <p:ph idx="1"/>
+          </p:nvPr>
+        </p:nvSpPr>
+        <p:spPr/>
+        <p:txBody>
+          <a:bodyPr/>
+          <a:lstStyle/>
+          <a:p>
+            <a:r>
+              <a:rPr lang="en-US" dirty="0" err="1"/>
+              <a:t>Vẽ</a:t>
+            </a:r>
+            <a:r>
+              <a:rPr lang="en-US" dirty="0"/>
+              <a:t> </a:t>
+            </a:r>
+            <a:r>
+              <a:rPr lang="en-US" dirty="0" err="1"/>
+              <a:t>hình</a:t>
+            </a:r>
+            <a:r>
+              <a:rPr lang="en-US" dirty="0"/>
+              <a:t> </a:t>
+            </a:r>
+            <a:r>
+              <a:rPr lang="en-US" dirty="0" err="1"/>
+              <a:t>chữ</a:t>
+            </a:r>
+            <a:r>
+              <a:rPr lang="en-US" dirty="0"/>
+              <a:t> </a:t>
+            </a:r>
+            <a:r>
+              <a:rPr lang="en-US" dirty="0" err="1"/>
+              <a:t>nhật</a:t>
+            </a:r>
+            <a:endParaRPr lang="en-US" dirty="0"/>
+          </a:p>
+          <a:p>
+            <a:endParaRPr lang="en-US" dirty="0"/>
+          </a:p>
+          <a:p>
+            <a:endParaRPr lang="en-US" dirty="0"/>
+          </a:p>
+        </p:txBody>
+      </p:sp>
+      <p:pic>
+        <p:nvPicPr>
+          <p:cNvPr id="6" name="Picture 5">
+            <a:extLst>
+              <a:ext uri="{FF2B5EF4-FFF2-40B4-BE49-F238E27FC236}">
+                <a16:creationId xmlns:a16="http://schemas.microsoft.com/office/drawing/2014/main" id="{8768705D-6CF3-43EA-BBBF-C099CF4BF9E8}"/>
+              </a:ext>
+            </a:extLst>
+          </p:cNvPr>
+          <p:cNvPicPr>
+            <a:picLocks noChangeAspect="1"/>
+          </p:cNvPicPr>
+          <p:nvPr/>
+        </p:nvPicPr>
+        <p:blipFill>
+          <a:blip r:embed="rId2"/>
+          <a:stretch>
+            <a:fillRect/>
+          </a:stretch>
+        </p:blipFill>
+        <p:spPr>
+          <a:xfrm>
+            <a:off x="1138237" y="2871787"/>
+            <a:ext cx="9915525" cy="1114425"/>
+          </a:xfrm>
+          <a:prstGeom prst="rect">
+            <a:avLst/>
+          </a:prstGeom>
+        </p:spPr>
+      </p:pic>
+    </p:spTree>
+    <p:extLst>
+      <p:ext uri="{BB962C8B-B14F-4D97-AF65-F5344CB8AC3E}">
+        <p14:creationId xmlns:p14="http://schemas.microsoft.com/office/powerpoint/2010/main" val="82373907"/>
+      </p:ext>
+    </p:extLst>
+  </p:cSld>
+  <p:clrMapOvr>
+    <a:masterClrMapping/>
+  </p:clrMapOvr>
+</p:sld>
+</file>
+
+<file path=ppt/slides/slide24.xml><?xml version="1.0" encoding="utf-8"?>
+<p:sld xmlns:a="http://schemas.openxmlformats.org/drawingml/2006/main" xmlns:r="http://schemas.openxmlformats.org/officeDocument/2006/relationships" xmlns:p="http://schemas.openxmlformats.org/presentationml/2006/main">
+  <p:cSld>
+    <p:spTree>
+      <p:nvGrpSpPr>
+        <p:cNvPr id="1" name=""/>
+        <p:cNvGrpSpPr/>
+        <p:nvPr/>
+      </p:nvGrpSpPr>
+      <p:grpSpPr>
+        <a:xfrm>
+          <a:off x="0" y="0"/>
+          <a:ext cx="0" cy="0"/>
+          <a:chOff x="0" y="0"/>
+          <a:chExt cx="0" cy="0"/>
+        </a:xfrm>
+      </p:grpSpPr>
+      <p:sp>
+        <p:nvSpPr>
+          <p:cNvPr id="2" name="Title 1">
+            <a:extLst>
+              <a:ext uri="{FF2B5EF4-FFF2-40B4-BE49-F238E27FC236}">
+                <a16:creationId xmlns:a16="http://schemas.microsoft.com/office/drawing/2014/main" id="{D0040BAB-B387-4EAF-BAC4-59E57B4DAD94}"/>
+              </a:ext>
+            </a:extLst>
+          </p:cNvPr>
+          <p:cNvSpPr>
+            <a:spLocks noGrp="1"/>
+          </p:cNvSpPr>
+          <p:nvPr>
+            <p:ph type="title"/>
+          </p:nvPr>
+        </p:nvSpPr>
+        <p:spPr/>
+        <p:txBody>
+          <a:bodyPr/>
+          <a:lstStyle/>
+          <a:p>
+            <a:r>
+              <a:rPr lang="en-US" dirty="0" err="1"/>
+              <a:t>Vẽ</a:t>
+            </a:r>
+            <a:r>
+              <a:rPr lang="en-US" dirty="0"/>
+              <a:t> </a:t>
+            </a:r>
+            <a:r>
+              <a:rPr lang="en-US" dirty="0" err="1"/>
+              <a:t>hình</a:t>
+            </a:r>
+            <a:r>
+              <a:rPr lang="en-US" dirty="0"/>
+              <a:t> </a:t>
+            </a:r>
+            <a:r>
+              <a:rPr lang="en-US" dirty="0" err="1"/>
+              <a:t>tròn</a:t>
+            </a:r>
+            <a:endParaRPr lang="en-US" dirty="0"/>
+          </a:p>
+        </p:txBody>
+      </p:sp>
+      <p:pic>
+        <p:nvPicPr>
+          <p:cNvPr id="7" name="Content Placeholder 6">
+            <a:extLst>
+              <a:ext uri="{FF2B5EF4-FFF2-40B4-BE49-F238E27FC236}">
+                <a16:creationId xmlns:a16="http://schemas.microsoft.com/office/drawing/2014/main" id="{11B63F31-D424-469D-AD98-3821660D76C5}"/>
+              </a:ext>
+            </a:extLst>
+          </p:cNvPr>
+          <p:cNvPicPr>
+            <a:picLocks noGrp="1" noChangeAspect="1"/>
+          </p:cNvPicPr>
+          <p:nvPr>
+            <p:ph idx="1"/>
+          </p:nvPr>
+        </p:nvPicPr>
+        <p:blipFill>
+          <a:blip r:embed="rId2"/>
+          <a:stretch>
+            <a:fillRect/>
+          </a:stretch>
+        </p:blipFill>
+        <p:spPr>
+          <a:xfrm>
+            <a:off x="1376362" y="3272631"/>
+            <a:ext cx="9439275" cy="1457325"/>
+          </a:xfrm>
+          <a:prstGeom prst="rect">
+            <a:avLst/>
+          </a:prstGeom>
+        </p:spPr>
+      </p:pic>
+    </p:spTree>
+    <p:extLst>
+      <p:ext uri="{BB962C8B-B14F-4D97-AF65-F5344CB8AC3E}">
+        <p14:creationId xmlns:p14="http://schemas.microsoft.com/office/powerpoint/2010/main" val="2019652150"/>
+      </p:ext>
+    </p:extLst>
+  </p:cSld>
+  <p:clrMapOvr>
+    <a:masterClrMapping/>
+  </p:clrMapOvr>
+</p:sld>
+</file>
+
+<file path=ppt/slides/slide25.xml><?xml version="1.0" encoding="utf-8"?>
+<p:sld xmlns:a="http://schemas.openxmlformats.org/drawingml/2006/main" xmlns:r="http://schemas.openxmlformats.org/officeDocument/2006/relationships" xmlns:p="http://schemas.openxmlformats.org/presentationml/2006/main">
+  <p:cSld>
+    <p:spTree>
+      <p:nvGrpSpPr>
+        <p:cNvPr id="1" name=""/>
+        <p:cNvGrpSpPr/>
+        <p:nvPr/>
+      </p:nvGrpSpPr>
+      <p:grpSpPr>
+        <a:xfrm>
+          <a:off x="0" y="0"/>
+          <a:ext cx="0" cy="0"/>
+          <a:chOff x="0" y="0"/>
+          <a:chExt cx="0" cy="0"/>
+        </a:xfrm>
+      </p:grpSpPr>
+      <p:sp>
+        <p:nvSpPr>
+          <p:cNvPr id="2" name="Title 1">
+            <a:extLst>
+              <a:ext uri="{FF2B5EF4-FFF2-40B4-BE49-F238E27FC236}">
+                <a16:creationId xmlns:a16="http://schemas.microsoft.com/office/drawing/2014/main" id="{6412046C-67D5-4EFA-927D-D55E629491E5}"/>
+              </a:ext>
+            </a:extLst>
+          </p:cNvPr>
+          <p:cNvSpPr>
+            <a:spLocks noGrp="1"/>
+          </p:cNvSpPr>
+          <p:nvPr>
+            <p:ph type="title"/>
+          </p:nvPr>
+        </p:nvSpPr>
+        <p:spPr/>
+        <p:txBody>
+          <a:bodyPr/>
+          <a:lstStyle/>
+          <a:p>
+            <a:r>
+              <a:rPr lang="en-US" dirty="0" err="1"/>
+              <a:t>Vẽ</a:t>
+            </a:r>
+            <a:r>
+              <a:rPr lang="en-US" dirty="0"/>
+              <a:t> đ</a:t>
+            </a:r>
+            <a:r>
+              <a:rPr lang="vi-VN" dirty="0"/>
+              <a:t>ư</a:t>
+            </a:r>
+            <a:r>
+              <a:rPr lang="en-US" dirty="0" err="1"/>
+              <a:t>ờng</a:t>
+            </a:r>
+            <a:r>
+              <a:rPr lang="en-US" dirty="0"/>
+              <a:t> </a:t>
+            </a:r>
+            <a:r>
+              <a:rPr lang="en-US" dirty="0" err="1"/>
+              <a:t>thẳng</a:t>
+            </a:r>
+            <a:endParaRPr lang="en-US" dirty="0"/>
+          </a:p>
+        </p:txBody>
+      </p:sp>
+      <p:pic>
+        <p:nvPicPr>
+          <p:cNvPr id="4" name="Content Placeholder 3">
+            <a:extLst>
+              <a:ext uri="{FF2B5EF4-FFF2-40B4-BE49-F238E27FC236}">
+                <a16:creationId xmlns:a16="http://schemas.microsoft.com/office/drawing/2014/main" id="{1B58FE55-AE1C-4EE8-A3A5-D1ECE2B1909E}"/>
+              </a:ext>
+            </a:extLst>
+          </p:cNvPr>
+          <p:cNvPicPr>
+            <a:picLocks noGrp="1" noChangeAspect="1"/>
+          </p:cNvPicPr>
+          <p:nvPr>
+            <p:ph idx="1"/>
+          </p:nvPr>
+        </p:nvPicPr>
+        <p:blipFill>
+          <a:blip r:embed="rId2"/>
+          <a:stretch>
+            <a:fillRect/>
+          </a:stretch>
+        </p:blipFill>
+        <p:spPr>
+          <a:xfrm>
+            <a:off x="1619250" y="3558381"/>
+            <a:ext cx="8953500" cy="885825"/>
+          </a:xfrm>
+          <a:prstGeom prst="rect">
+            <a:avLst/>
+          </a:prstGeom>
+        </p:spPr>
+      </p:pic>
+    </p:spTree>
+    <p:extLst>
+      <p:ext uri="{BB962C8B-B14F-4D97-AF65-F5344CB8AC3E}">
+        <p14:creationId xmlns:p14="http://schemas.microsoft.com/office/powerpoint/2010/main" val="3599384605"/>
+      </p:ext>
+    </p:extLst>
+  </p:cSld>
+  <p:clrMapOvr>
+    <a:masterClrMapping/>
+  </p:clrMapOvr>
+</p:sld>
+</file>
+
+<file path=ppt/slides/slide26.xml><?xml version="1.0" encoding="utf-8"?>
+<p:sld xmlns:a="http://schemas.openxmlformats.org/drawingml/2006/main" xmlns:r="http://schemas.openxmlformats.org/officeDocument/2006/relationships" xmlns:p="http://schemas.openxmlformats.org/presentationml/2006/main">
+  <p:cSld>
+    <p:spTree>
+      <p:nvGrpSpPr>
+        <p:cNvPr id="1" name=""/>
+        <p:cNvGrpSpPr/>
+        <p:nvPr/>
+      </p:nvGrpSpPr>
+      <p:grpSpPr>
+        <a:xfrm>
+          <a:off x="0" y="0"/>
+          <a:ext cx="0" cy="0"/>
+          <a:chOff x="0" y="0"/>
+          <a:chExt cx="0" cy="0"/>
+        </a:xfrm>
+      </p:grpSpPr>
+      <p:sp>
+        <p:nvSpPr>
+          <p:cNvPr id="2" name="Title 1">
+            <a:extLst>
+              <a:ext uri="{FF2B5EF4-FFF2-40B4-BE49-F238E27FC236}">
+                <a16:creationId xmlns:a16="http://schemas.microsoft.com/office/drawing/2014/main" id="{CE985E14-D108-41EB-A14D-2FB652DA6A4B}"/>
+              </a:ext>
+            </a:extLst>
+          </p:cNvPr>
+          <p:cNvSpPr>
+            <a:spLocks noGrp="1"/>
+          </p:cNvSpPr>
+          <p:nvPr>
+            <p:ph type="title"/>
+          </p:nvPr>
+        </p:nvSpPr>
+        <p:spPr/>
+        <p:txBody>
+          <a:bodyPr/>
+          <a:lstStyle/>
+          <a:p>
+            <a:r>
+              <a:rPr lang="en-US" dirty="0" err="1"/>
+              <a:t>Ghi</a:t>
+            </a:r>
+            <a:r>
+              <a:rPr lang="en-US" dirty="0"/>
+              <a:t> </a:t>
+            </a:r>
+            <a:r>
+              <a:rPr lang="en-US" dirty="0" err="1"/>
+              <a:t>chữ</a:t>
+            </a:r>
+            <a:endParaRPr lang="en-US" dirty="0"/>
+          </a:p>
+        </p:txBody>
+      </p:sp>
+      <p:pic>
+        <p:nvPicPr>
+          <p:cNvPr id="4" name="Content Placeholder 3">
+            <a:extLst>
+              <a:ext uri="{FF2B5EF4-FFF2-40B4-BE49-F238E27FC236}">
+                <a16:creationId xmlns:a16="http://schemas.microsoft.com/office/drawing/2014/main" id="{E60CF098-076B-47B3-B17D-1FFD6055D1CA}"/>
+              </a:ext>
+            </a:extLst>
+          </p:cNvPr>
+          <p:cNvPicPr>
+            <a:picLocks noGrp="1" noChangeAspect="1"/>
+          </p:cNvPicPr>
+          <p:nvPr>
+            <p:ph idx="1"/>
+          </p:nvPr>
+        </p:nvPicPr>
+        <p:blipFill>
+          <a:blip r:embed="rId2"/>
+          <a:stretch>
+            <a:fillRect/>
+          </a:stretch>
+        </p:blipFill>
+        <p:spPr>
+          <a:xfrm>
+            <a:off x="838200" y="3584168"/>
+            <a:ext cx="10515600" cy="834251"/>
+          </a:xfrm>
+          <a:prstGeom prst="rect">
+            <a:avLst/>
+          </a:prstGeom>
+        </p:spPr>
+      </p:pic>
+    </p:spTree>
+    <p:extLst>
+      <p:ext uri="{BB962C8B-B14F-4D97-AF65-F5344CB8AC3E}">
+        <p14:creationId xmlns:p14="http://schemas.microsoft.com/office/powerpoint/2010/main" val="2398826576"/>
       </p:ext>
     </p:extLst>
   </p:cSld>
@@ -7915,15 +10843,6 @@
 </file>
 
 <file path=customXml/item2.xml><?xml version="1.0" encoding="utf-8"?>
-<?mso-contentType ?>
-<FormTemplates xmlns="http://schemas.microsoft.com/sharepoint/v3/contenttype/forms">
-  <Display>DocumentLibraryForm</Display>
-  <Edit>DocumentLibraryForm</Edit>
-  <New>DocumentLibraryForm</New>
-</FormTemplates>
-</file>
-
-<file path=customXml/item3.xml><?xml version="1.0" encoding="utf-8"?>
 <ct:contentTypeSchema xmlns:ct="http://schemas.microsoft.com/office/2006/metadata/contentType" xmlns:ma="http://schemas.microsoft.com/office/2006/metadata/properties/metaAttributes" ct:_="" ma:_="" ma:contentTypeName="Document" ma:contentTypeID="0x0101005BD551F90032B749B36C3DC190CEF30E" ma:contentTypeVersion="8" ma:contentTypeDescription="Create a new document." ma:contentTypeScope="" ma:versionID="f221cd154926e81e7cd0834e7580ba27">
   <xsd:schema xmlns:xsd="http://www.w3.org/2001/XMLSchema" xmlns:xs="http://www.w3.org/2001/XMLSchema" xmlns:p="http://schemas.microsoft.com/office/2006/metadata/properties" xmlns:ns3="b5dec6d1-ff35-47a2-b92b-72c1e009ebcf" targetNamespace="http://schemas.microsoft.com/office/2006/metadata/properties" ma:root="true" ma:fieldsID="662bb24b3b212a99191018b91831956a" ns3:_="">
     <xsd:import namespace="b5dec6d1-ff35-47a2-b92b-72c1e009ebcf"/>
@@ -8093,6 +11012,15 @@
 </ct:contentTypeSchema>
 </file>
 
+<file path=customXml/item3.xml><?xml version="1.0" encoding="utf-8"?>
+<?mso-contentType ?>
+<FormTemplates xmlns="http://schemas.microsoft.com/sharepoint/v3/contenttype/forms">
+  <Display>DocumentLibraryForm</Display>
+  <Edit>DocumentLibraryForm</Edit>
+  <New>DocumentLibraryForm</New>
+</FormTemplates>
+</file>
+
 <file path=customXml/itemProps1.xml><?xml version="1.0" encoding="utf-8"?>
 <ds:datastoreItem xmlns:ds="http://schemas.openxmlformats.org/officeDocument/2006/customXml" ds:itemID="{5D02053A-F17C-4255-9994-667A92805C4B}">
   <ds:schemaRefs>
@@ -8103,14 +11031,6 @@
 </file>
 
 <file path=customXml/itemProps2.xml><?xml version="1.0" encoding="utf-8"?>
-<ds:datastoreItem xmlns:ds="http://schemas.openxmlformats.org/officeDocument/2006/customXml" ds:itemID="{367D404D-C7F6-4D08-AA47-E3794D297A9E}">
-  <ds:schemaRefs>
-    <ds:schemaRef ds:uri="http://schemas.microsoft.com/sharepoint/v3/contenttype/forms"/>
-  </ds:schemaRefs>
-</ds:datastoreItem>
-</file>
-
-<file path=customXml/itemProps3.xml><?xml version="1.0" encoding="utf-8"?>
 <ds:datastoreItem xmlns:ds="http://schemas.openxmlformats.org/officeDocument/2006/customXml" ds:itemID="{165E9803-73E2-42B8-8A79-6ED09C462EBF}">
   <ds:schemaRefs>
     <ds:schemaRef ds:uri="http://schemas.microsoft.com/office/2006/metadata/contentType"/>
@@ -8126,4 +11046,12 @@
     <ds:schemaRef ds:uri="http://schemas.microsoft.com/internal/obd"/>
   </ds:schemaRefs>
 </ds:datastoreItem>
+</file>
+
+<file path=customXml/itemProps3.xml><?xml version="1.0" encoding="utf-8"?>
+<ds:datastoreItem xmlns:ds="http://schemas.openxmlformats.org/officeDocument/2006/customXml" ds:itemID="{367D404D-C7F6-4D08-AA47-E3794D297A9E}">
+  <ds:schemaRefs>
+    <ds:schemaRef ds:uri="http://schemas.microsoft.com/sharepoint/v3/contenttype/forms"/>
+  </ds:schemaRefs>
+</ds:datastoreItem>
 </file>
--- a/Lecture/OpenCVCoban.pptx
+++ b/Lecture/OpenCVCoban.pptx
@@ -5,7 +5,7 @@
     <p:sldMasterId id="2147483648" r:id="rId4"/>
   </p:sldMasterIdLst>
   <p:notesMasterIdLst>
-    <p:notesMasterId r:id="rId31"/>
+    <p:notesMasterId r:id="rId37"/>
   </p:notesMasterIdLst>
   <p:sldIdLst>
     <p:sldId id="256" r:id="rId5"/>
@@ -34,6 +34,12 @@
     <p:sldId id="281" r:id="rId28"/>
     <p:sldId id="282" r:id="rId29"/>
     <p:sldId id="283" r:id="rId30"/>
+    <p:sldId id="284" r:id="rId31"/>
+    <p:sldId id="285" r:id="rId32"/>
+    <p:sldId id="286" r:id="rId33"/>
+    <p:sldId id="287" r:id="rId34"/>
+    <p:sldId id="288" r:id="rId35"/>
+    <p:sldId id="289" r:id="rId36"/>
   </p:sldIdLst>
   <p:sldSz cx="12192000" cy="6858000"/>
   <p:notesSz cx="6858000" cy="9144000"/>
@@ -222,7 +228,7 @@
           <a:p>
             <a:fld id="{6B0060CE-5BE9-4999-A479-5CC727D9E929}" type="datetimeFigureOut">
               <a:rPr lang="en-US" smtClean="0"/>
-              <a:t>3/3/2020</a:t>
+              <a:t>3/16/2020</a:t>
             </a:fld>
             <a:endParaRPr lang="en-US"/>
           </a:p>
@@ -729,7 +735,7 @@
           <a:p>
             <a:fld id="{398F67C6-969B-4601-8D1D-2A5CCB604380}" type="datetimeFigureOut">
               <a:rPr lang="en-US" smtClean="0"/>
-              <a:t>3/3/2020</a:t>
+              <a:t>3/16/2020</a:t>
             </a:fld>
             <a:endParaRPr lang="en-US"/>
           </a:p>
@@ -927,7 +933,7 @@
           <a:p>
             <a:fld id="{398F67C6-969B-4601-8D1D-2A5CCB604380}" type="datetimeFigureOut">
               <a:rPr lang="en-US" smtClean="0"/>
-              <a:t>3/3/2020</a:t>
+              <a:t>3/16/2020</a:t>
             </a:fld>
             <a:endParaRPr lang="en-US"/>
           </a:p>
@@ -1135,7 +1141,7 @@
           <a:p>
             <a:fld id="{398F67C6-969B-4601-8D1D-2A5CCB604380}" type="datetimeFigureOut">
               <a:rPr lang="en-US" smtClean="0"/>
-              <a:t>3/3/2020</a:t>
+              <a:t>3/16/2020</a:t>
             </a:fld>
             <a:endParaRPr lang="en-US"/>
           </a:p>
@@ -1333,7 +1339,7 @@
           <a:p>
             <a:fld id="{398F67C6-969B-4601-8D1D-2A5CCB604380}" type="datetimeFigureOut">
               <a:rPr lang="en-US" smtClean="0"/>
-              <a:t>3/3/2020</a:t>
+              <a:t>3/16/2020</a:t>
             </a:fld>
             <a:endParaRPr lang="en-US"/>
           </a:p>
@@ -1608,7 +1614,7 @@
           <a:p>
             <a:fld id="{398F67C6-969B-4601-8D1D-2A5CCB604380}" type="datetimeFigureOut">
               <a:rPr lang="en-US" smtClean="0"/>
-              <a:t>3/3/2020</a:t>
+              <a:t>3/16/2020</a:t>
             </a:fld>
             <a:endParaRPr lang="en-US"/>
           </a:p>
@@ -1873,7 +1879,7 @@
           <a:p>
             <a:fld id="{398F67C6-969B-4601-8D1D-2A5CCB604380}" type="datetimeFigureOut">
               <a:rPr lang="en-US" smtClean="0"/>
-              <a:t>3/3/2020</a:t>
+              <a:t>3/16/2020</a:t>
             </a:fld>
             <a:endParaRPr lang="en-US"/>
           </a:p>
@@ -2285,7 +2291,7 @@
           <a:p>
             <a:fld id="{398F67C6-969B-4601-8D1D-2A5CCB604380}" type="datetimeFigureOut">
               <a:rPr lang="en-US" smtClean="0"/>
-              <a:t>3/3/2020</a:t>
+              <a:t>3/16/2020</a:t>
             </a:fld>
             <a:endParaRPr lang="en-US"/>
           </a:p>
@@ -2426,7 +2432,7 @@
           <a:p>
             <a:fld id="{398F67C6-969B-4601-8D1D-2A5CCB604380}" type="datetimeFigureOut">
               <a:rPr lang="en-US" smtClean="0"/>
-              <a:t>3/3/2020</a:t>
+              <a:t>3/16/2020</a:t>
             </a:fld>
             <a:endParaRPr lang="en-US"/>
           </a:p>
@@ -2539,7 +2545,7 @@
           <a:p>
             <a:fld id="{398F67C6-969B-4601-8D1D-2A5CCB604380}" type="datetimeFigureOut">
               <a:rPr lang="en-US" smtClean="0"/>
-              <a:t>3/3/2020</a:t>
+              <a:t>3/16/2020</a:t>
             </a:fld>
             <a:endParaRPr lang="en-US"/>
           </a:p>
@@ -2850,7 +2856,7 @@
           <a:p>
             <a:fld id="{398F67C6-969B-4601-8D1D-2A5CCB604380}" type="datetimeFigureOut">
               <a:rPr lang="en-US" smtClean="0"/>
-              <a:t>3/3/2020</a:t>
+              <a:t>3/16/2020</a:t>
             </a:fld>
             <a:endParaRPr lang="en-US"/>
           </a:p>
@@ -3138,7 +3144,7 @@
           <a:p>
             <a:fld id="{398F67C6-969B-4601-8D1D-2A5CCB604380}" type="datetimeFigureOut">
               <a:rPr lang="en-US" smtClean="0"/>
-              <a:t>3/3/2020</a:t>
+              <a:t>3/16/2020</a:t>
             </a:fld>
             <a:endParaRPr lang="en-US"/>
           </a:p>
@@ -3379,7 +3385,7 @@
           <a:p>
             <a:fld id="{398F67C6-969B-4601-8D1D-2A5CCB604380}" type="datetimeFigureOut">
               <a:rPr lang="en-US" smtClean="0"/>
-              <a:t>3/3/2020</a:t>
+              <a:t>3/16/2020</a:t>
             </a:fld>
             <a:endParaRPr lang="en-US"/>
           </a:p>
@@ -8752,6 +8758,761 @@
 </p:sld>
 </file>
 
+<file path=ppt/slides/slide27.xml><?xml version="1.0" encoding="utf-8"?>
+<p:sld xmlns:a="http://schemas.openxmlformats.org/drawingml/2006/main" xmlns:r="http://schemas.openxmlformats.org/officeDocument/2006/relationships" xmlns:p="http://schemas.openxmlformats.org/presentationml/2006/main">
+  <p:cSld>
+    <p:bg>
+      <p:bgPr>
+        <a:solidFill>
+          <a:schemeClr val="bg1"/>
+        </a:solidFill>
+        <a:effectLst/>
+      </p:bgPr>
+    </p:bg>
+    <p:spTree>
+      <p:nvGrpSpPr>
+        <p:cNvPr id="1" name=""/>
+        <p:cNvGrpSpPr/>
+        <p:nvPr/>
+      </p:nvGrpSpPr>
+      <p:grpSpPr>
+        <a:xfrm>
+          <a:off x="0" y="0"/>
+          <a:ext cx="0" cy="0"/>
+          <a:chOff x="0" y="0"/>
+          <a:chExt cx="0" cy="0"/>
+        </a:xfrm>
+      </p:grpSpPr>
+      <p:sp useBgFill="1">
+        <p:nvSpPr>
+          <p:cNvPr id="7" name="Rectangle 6">
+            <a:extLst>
+              <a:ext uri="{FF2B5EF4-FFF2-40B4-BE49-F238E27FC236}">
+                <a16:creationId xmlns:a16="http://schemas.microsoft.com/office/drawing/2014/main" id="{B26EE4FD-480F-42A5-9FEB-DA630457CFB7}"/>
+              </a:ext>
+              <a:ext uri="{C183D7F6-B498-43B3-948B-1728B52AA6E4}">
+                <adec:decorative xmlns:adec="http://schemas.microsoft.com/office/drawing/2017/decorative" val="1"/>
+              </a:ext>
+            </a:extLst>
+          </p:cNvPr>
+          <p:cNvSpPr>
+            <a:spLocks noGrp="1" noRot="1" noChangeAspect="1" noMove="1" noResize="1" noEditPoints="1" noAdjustHandles="1" noChangeArrowheads="1" noChangeShapeType="1" noTextEdit="1"/>
+          </p:cNvSpPr>
+          <p:nvPr>
+            <p:extLst>
+              <p:ext uri="{386F3935-93C4-4BCD-93E2-E3B085C9AB24}">
+                <p16:designElem xmlns:p16="http://schemas.microsoft.com/office/powerpoint/2015/main" val="1"/>
+              </p:ext>
+            </p:extLst>
+          </p:nvPr>
+        </p:nvSpPr>
+        <p:spPr>
+          <a:xfrm>
+            <a:off x="0" y="0"/>
+            <a:ext cx="12188952" cy="6858000"/>
+          </a:xfrm>
+          <a:prstGeom prst="rect">
+            <a:avLst/>
+          </a:prstGeom>
+          <a:ln>
+            <a:noFill/>
+          </a:ln>
+        </p:spPr>
+        <p:style>
+          <a:lnRef idx="2">
+            <a:schemeClr val="accent1">
+              <a:shade val="50000"/>
+            </a:schemeClr>
+          </a:lnRef>
+          <a:fillRef idx="1">
+            <a:schemeClr val="accent1"/>
+          </a:fillRef>
+          <a:effectRef idx="0">
+            <a:schemeClr val="accent1"/>
+          </a:effectRef>
+          <a:fontRef idx="minor">
+            <a:schemeClr val="lt1"/>
+          </a:fontRef>
+        </p:style>
+        <p:txBody>
+          <a:bodyPr rtlCol="0" anchor="ctr"/>
+          <a:lstStyle/>
+          <a:p>
+            <a:pPr algn="ctr"/>
+            <a:endParaRPr lang="en-US"/>
+          </a:p>
+        </p:txBody>
+      </p:sp>
+      <p:sp>
+        <p:nvSpPr>
+          <p:cNvPr id="9" name="Freeform 5">
+            <a:extLst>
+              <a:ext uri="{FF2B5EF4-FFF2-40B4-BE49-F238E27FC236}">
+                <a16:creationId xmlns:a16="http://schemas.microsoft.com/office/drawing/2014/main" id="{A187062F-BE14-42FC-B06A-607DB23849C3}"/>
+              </a:ext>
+              <a:ext uri="{C183D7F6-B498-43B3-948B-1728B52AA6E4}">
+                <adec:decorative xmlns:adec="http://schemas.microsoft.com/office/drawing/2017/decorative" val="1"/>
+              </a:ext>
+            </a:extLst>
+          </p:cNvPr>
+          <p:cNvSpPr>
+            <a:spLocks noGrp="1" noRot="1" noChangeAspect="1" noMove="1" noResize="1" noEditPoints="1" noAdjustHandles="1" noChangeArrowheads="1" noChangeShapeType="1" noTextEdit="1"/>
+          </p:cNvSpPr>
+          <p:nvPr>
+            <p:extLst>
+              <p:ext uri="{386F3935-93C4-4BCD-93E2-E3B085C9AB24}">
+                <p16:designElem xmlns:p16="http://schemas.microsoft.com/office/powerpoint/2015/main" val="1"/>
+              </p:ext>
+            </p:extLst>
+          </p:nvPr>
+        </p:nvSpPr>
+        <p:spPr bwMode="auto">
+          <a:xfrm flipH="1">
+            <a:off x="842688" y="1766812"/>
+            <a:ext cx="822493" cy="4232692"/>
+          </a:xfrm>
+          <a:custGeom>
+            <a:avLst/>
+            <a:gdLst>
+              <a:gd name="T0" fmla="*/ 491 w 491"/>
+              <a:gd name="T1" fmla="*/ 2247 h 2732"/>
+              <a:gd name="T2" fmla="*/ 0 w 491"/>
+              <a:gd name="T3" fmla="*/ 2732 h 2732"/>
+              <a:gd name="T4" fmla="*/ 0 w 491"/>
+              <a:gd name="T5" fmla="*/ 486 h 2732"/>
+              <a:gd name="T6" fmla="*/ 491 w 491"/>
+              <a:gd name="T7" fmla="*/ 0 h 2732"/>
+              <a:gd name="T8" fmla="*/ 491 w 491"/>
+              <a:gd name="T9" fmla="*/ 2247 h 2732"/>
+            </a:gdLst>
+            <a:ahLst/>
+            <a:cxnLst>
+              <a:cxn ang="0">
+                <a:pos x="T0" y="T1"/>
+              </a:cxn>
+              <a:cxn ang="0">
+                <a:pos x="T2" y="T3"/>
+              </a:cxn>
+              <a:cxn ang="0">
+                <a:pos x="T4" y="T5"/>
+              </a:cxn>
+              <a:cxn ang="0">
+                <a:pos x="T6" y="T7"/>
+              </a:cxn>
+              <a:cxn ang="0">
+                <a:pos x="T8" y="T9"/>
+              </a:cxn>
+            </a:cxnLst>
+            <a:rect l="0" t="0" r="r" b="b"/>
+            <a:pathLst>
+              <a:path w="491" h="2732">
+                <a:moveTo>
+                  <a:pt x="491" y="2247"/>
+                </a:moveTo>
+                <a:lnTo>
+                  <a:pt x="0" y="2732"/>
+                </a:lnTo>
+                <a:lnTo>
+                  <a:pt x="0" y="486"/>
+                </a:lnTo>
+                <a:lnTo>
+                  <a:pt x="491" y="0"/>
+                </a:lnTo>
+                <a:lnTo>
+                  <a:pt x="491" y="2247"/>
+                </a:lnTo>
+                <a:close/>
+              </a:path>
+            </a:pathLst>
+          </a:custGeom>
+          <a:solidFill>
+            <a:schemeClr val="accent1">
+              <a:lumMod val="50000"/>
+            </a:schemeClr>
+          </a:solidFill>
+          <a:ln>
+            <a:noFill/>
+          </a:ln>
+        </p:spPr>
+        <p:txBody>
+          <a:bodyPr vert="horz" wrap="square" lIns="91440" tIns="45720" rIns="91440" bIns="45720" numCol="1" anchor="t" anchorCtr="0" compatLnSpc="1">
+            <a:prstTxWarp prst="textNoShape">
+              <a:avLst/>
+            </a:prstTxWarp>
+          </a:bodyPr>
+          <a:lstStyle/>
+          <a:p>
+            <a:endParaRPr lang="en-US"/>
+          </a:p>
+        </p:txBody>
+      </p:sp>
+      <p:sp>
+        <p:nvSpPr>
+          <p:cNvPr id="11" name="Freeform 6">
+            <a:extLst>
+              <a:ext uri="{FF2B5EF4-FFF2-40B4-BE49-F238E27FC236}">
+                <a16:creationId xmlns:a16="http://schemas.microsoft.com/office/drawing/2014/main" id="{731FE21B-2A45-4BF5-8B03-E12341988774}"/>
+              </a:ext>
+              <a:ext uri="{C183D7F6-B498-43B3-948B-1728B52AA6E4}">
+                <adec:decorative xmlns:adec="http://schemas.microsoft.com/office/drawing/2017/decorative" val="1"/>
+              </a:ext>
+            </a:extLst>
+          </p:cNvPr>
+          <p:cNvSpPr>
+            <a:spLocks noGrp="1" noRot="1" noChangeAspect="1" noMove="1" noResize="1" noEditPoints="1" noAdjustHandles="1" noChangeArrowheads="1" noChangeShapeType="1" noTextEdit="1"/>
+          </p:cNvSpPr>
+          <p:nvPr>
+            <p:extLst>
+              <p:ext uri="{386F3935-93C4-4BCD-93E2-E3B085C9AB24}">
+                <p16:designElem xmlns:p16="http://schemas.microsoft.com/office/powerpoint/2015/main" val="1"/>
+              </p:ext>
+            </p:extLst>
+          </p:nvPr>
+        </p:nvSpPr>
+        <p:spPr bwMode="auto">
+          <a:xfrm flipH="1">
+            <a:off x="842689" y="1423780"/>
+            <a:ext cx="687754" cy="3820236"/>
+          </a:xfrm>
+          <a:custGeom>
+            <a:avLst/>
+            <a:gdLst>
+              <a:gd name="T0" fmla="*/ 414 w 414"/>
+              <a:gd name="T1" fmla="*/ 2447 h 2447"/>
+              <a:gd name="T2" fmla="*/ 0 w 414"/>
+              <a:gd name="T3" fmla="*/ 2247 h 2447"/>
+              <a:gd name="T4" fmla="*/ 0 w 414"/>
+              <a:gd name="T5" fmla="*/ 0 h 2447"/>
+              <a:gd name="T6" fmla="*/ 414 w 414"/>
+              <a:gd name="T7" fmla="*/ 200 h 2447"/>
+              <a:gd name="T8" fmla="*/ 414 w 414"/>
+              <a:gd name="T9" fmla="*/ 2447 h 2447"/>
+            </a:gdLst>
+            <a:ahLst/>
+            <a:cxnLst>
+              <a:cxn ang="0">
+                <a:pos x="T0" y="T1"/>
+              </a:cxn>
+              <a:cxn ang="0">
+                <a:pos x="T2" y="T3"/>
+              </a:cxn>
+              <a:cxn ang="0">
+                <a:pos x="T4" y="T5"/>
+              </a:cxn>
+              <a:cxn ang="0">
+                <a:pos x="T6" y="T7"/>
+              </a:cxn>
+              <a:cxn ang="0">
+                <a:pos x="T8" y="T9"/>
+              </a:cxn>
+            </a:cxnLst>
+            <a:rect l="0" t="0" r="r" b="b"/>
+            <a:pathLst>
+              <a:path w="414" h="2447">
+                <a:moveTo>
+                  <a:pt x="414" y="2447"/>
+                </a:moveTo>
+                <a:lnTo>
+                  <a:pt x="0" y="2247"/>
+                </a:lnTo>
+                <a:lnTo>
+                  <a:pt x="0" y="0"/>
+                </a:lnTo>
+                <a:lnTo>
+                  <a:pt x="414" y="200"/>
+                </a:lnTo>
+                <a:lnTo>
+                  <a:pt x="414" y="2447"/>
+                </a:lnTo>
+                <a:close/>
+              </a:path>
+            </a:pathLst>
+          </a:custGeom>
+          <a:solidFill>
+            <a:schemeClr val="accent1">
+              <a:lumMod val="75000"/>
+            </a:schemeClr>
+          </a:solidFill>
+          <a:ln>
+            <a:noFill/>
+          </a:ln>
+        </p:spPr>
+        <p:txBody>
+          <a:bodyPr vert="horz" wrap="square" lIns="91440" tIns="45720" rIns="91440" bIns="45720" numCol="1" anchor="t" anchorCtr="0" compatLnSpc="1">
+            <a:prstTxWarp prst="textNoShape">
+              <a:avLst/>
+            </a:prstTxWarp>
+          </a:bodyPr>
+          <a:lstStyle/>
+          <a:p>
+            <a:endParaRPr lang="en-US"/>
+          </a:p>
+        </p:txBody>
+      </p:sp>
+      <p:sp>
+        <p:nvSpPr>
+          <p:cNvPr id="13" name="Freeform 7">
+            <a:extLst>
+              <a:ext uri="{FF2B5EF4-FFF2-40B4-BE49-F238E27FC236}">
+                <a16:creationId xmlns:a16="http://schemas.microsoft.com/office/drawing/2014/main" id="{2DC5A94D-79ED-48F5-9DC5-96CBB507CEC8}"/>
+              </a:ext>
+              <a:ext uri="{C183D7F6-B498-43B3-948B-1728B52AA6E4}">
+                <adec:decorative xmlns:adec="http://schemas.microsoft.com/office/drawing/2017/decorative" val="1"/>
+              </a:ext>
+            </a:extLst>
+          </p:cNvPr>
+          <p:cNvSpPr>
+            <a:spLocks noGrp="1" noRot="1" noChangeAspect="1" noMove="1" noResize="1" noEditPoints="1" noAdjustHandles="1" noChangeArrowheads="1" noChangeShapeType="1" noTextEdit="1"/>
+          </p:cNvSpPr>
+          <p:nvPr>
+            <p:extLst>
+              <p:ext uri="{386F3935-93C4-4BCD-93E2-E3B085C9AB24}">
+                <p16:designElem xmlns:p16="http://schemas.microsoft.com/office/powerpoint/2015/main" val="1"/>
+              </p:ext>
+            </p:extLst>
+          </p:nvPr>
+        </p:nvSpPr>
+        <p:spPr bwMode="auto">
+          <a:xfrm flipH="1">
+            <a:off x="1183243" y="1239381"/>
+            <a:ext cx="347200" cy="3699705"/>
+          </a:xfrm>
+          <a:custGeom>
+            <a:avLst/>
+            <a:gdLst>
+              <a:gd name="T0" fmla="*/ 209 w 209"/>
+              <a:gd name="T1" fmla="*/ 2246 h 2358"/>
+              <a:gd name="T2" fmla="*/ 0 w 209"/>
+              <a:gd name="T3" fmla="*/ 2358 h 2358"/>
+              <a:gd name="T4" fmla="*/ 0 w 209"/>
+              <a:gd name="T5" fmla="*/ 111 h 2358"/>
+              <a:gd name="T6" fmla="*/ 209 w 209"/>
+              <a:gd name="T7" fmla="*/ 0 h 2358"/>
+              <a:gd name="T8" fmla="*/ 209 w 209"/>
+              <a:gd name="T9" fmla="*/ 2246 h 2358"/>
+            </a:gdLst>
+            <a:ahLst/>
+            <a:cxnLst>
+              <a:cxn ang="0">
+                <a:pos x="T0" y="T1"/>
+              </a:cxn>
+              <a:cxn ang="0">
+                <a:pos x="T2" y="T3"/>
+              </a:cxn>
+              <a:cxn ang="0">
+                <a:pos x="T4" y="T5"/>
+              </a:cxn>
+              <a:cxn ang="0">
+                <a:pos x="T6" y="T7"/>
+              </a:cxn>
+              <a:cxn ang="0">
+                <a:pos x="T8" y="T9"/>
+              </a:cxn>
+            </a:cxnLst>
+            <a:rect l="0" t="0" r="r" b="b"/>
+            <a:pathLst>
+              <a:path w="209" h="2358">
+                <a:moveTo>
+                  <a:pt x="209" y="2246"/>
+                </a:moveTo>
+                <a:lnTo>
+                  <a:pt x="0" y="2358"/>
+                </a:lnTo>
+                <a:lnTo>
+                  <a:pt x="0" y="111"/>
+                </a:lnTo>
+                <a:lnTo>
+                  <a:pt x="209" y="0"/>
+                </a:lnTo>
+                <a:lnTo>
+                  <a:pt x="209" y="2246"/>
+                </a:lnTo>
+                <a:close/>
+              </a:path>
+            </a:pathLst>
+          </a:custGeom>
+          <a:solidFill>
+            <a:schemeClr val="accent1">
+              <a:lumMod val="50000"/>
+            </a:schemeClr>
+          </a:solidFill>
+          <a:ln>
+            <a:noFill/>
+          </a:ln>
+        </p:spPr>
+        <p:txBody>
+          <a:bodyPr vert="horz" wrap="square" lIns="91440" tIns="45720" rIns="91440" bIns="45720" numCol="1" anchor="t" anchorCtr="0" compatLnSpc="1">
+            <a:prstTxWarp prst="textNoShape">
+              <a:avLst/>
+            </a:prstTxWarp>
+          </a:bodyPr>
+          <a:lstStyle/>
+          <a:p>
+            <a:endParaRPr lang="en-US"/>
+          </a:p>
+        </p:txBody>
+      </p:sp>
+      <p:sp>
+        <p:nvSpPr>
+          <p:cNvPr id="15" name="Rectangle 8">
+            <a:extLst>
+              <a:ext uri="{FF2B5EF4-FFF2-40B4-BE49-F238E27FC236}">
+                <a16:creationId xmlns:a16="http://schemas.microsoft.com/office/drawing/2014/main" id="{93A3D4BE-AF25-4F9A-9C29-1145CCE24A28}"/>
+              </a:ext>
+              <a:ext uri="{C183D7F6-B498-43B3-948B-1728B52AA6E4}">
+                <adec:decorative xmlns:adec="http://schemas.microsoft.com/office/drawing/2017/decorative" val="1"/>
+              </a:ext>
+            </a:extLst>
+          </p:cNvPr>
+          <p:cNvSpPr>
+            <a:spLocks noGrp="1" noRot="1" noChangeAspect="1" noMove="1" noResize="1" noEditPoints="1" noAdjustHandles="1" noChangeArrowheads="1" noChangeShapeType="1" noTextEdit="1"/>
+          </p:cNvSpPr>
+          <p:nvPr>
+            <p:extLst>
+              <p:ext uri="{386F3935-93C4-4BCD-93E2-E3B085C9AB24}">
+                <p16:designElem xmlns:p16="http://schemas.microsoft.com/office/powerpoint/2015/main" val="1"/>
+              </p:ext>
+            </p:extLst>
+          </p:nvPr>
+        </p:nvSpPr>
+        <p:spPr bwMode="auto">
+          <a:xfrm flipH="1">
+            <a:off x="1183242" y="1230651"/>
+            <a:ext cx="10208658" cy="3531073"/>
+          </a:xfrm>
+          <a:prstGeom prst="rect">
+            <a:avLst/>
+          </a:prstGeom>
+          <a:solidFill>
+            <a:schemeClr val="accent1"/>
+          </a:solidFill>
+          <a:ln>
+            <a:noFill/>
+          </a:ln>
+        </p:spPr>
+        <p:txBody>
+          <a:bodyPr vert="horz" wrap="square" lIns="91440" tIns="45720" rIns="91440" bIns="45720" numCol="1" anchor="t" anchorCtr="0" compatLnSpc="1">
+            <a:prstTxWarp prst="textNoShape">
+              <a:avLst/>
+            </a:prstTxWarp>
+          </a:bodyPr>
+          <a:lstStyle/>
+          <a:p>
+            <a:endParaRPr lang="en-US"/>
+          </a:p>
+        </p:txBody>
+      </p:sp>
+      <p:sp>
+        <p:nvSpPr>
+          <p:cNvPr id="2" name="Title 1">
+            <a:extLst>
+              <a:ext uri="{FF2B5EF4-FFF2-40B4-BE49-F238E27FC236}">
+                <a16:creationId xmlns:a16="http://schemas.microsoft.com/office/drawing/2014/main" id="{10B71728-B7C9-4862-8F57-DFA354394394}"/>
+              </a:ext>
+            </a:extLst>
+          </p:cNvPr>
+          <p:cNvSpPr>
+            <a:spLocks noGrp="1"/>
+          </p:cNvSpPr>
+          <p:nvPr>
+            <p:ph type="title"/>
+          </p:nvPr>
+        </p:nvSpPr>
+        <p:spPr>
+          <a:xfrm>
+            <a:off x="1870997" y="1607809"/>
+            <a:ext cx="9236026" cy="2876680"/>
+          </a:xfrm>
+        </p:spPr>
+        <p:txBody>
+          <a:bodyPr vert="horz" lIns="91440" tIns="45720" rIns="91440" bIns="45720" rtlCol="0" anchor="b">
+            <a:normAutofit/>
+          </a:bodyPr>
+          <a:lstStyle/>
+          <a:p>
+            <a:r>
+              <a:rPr lang="en-US" sz="6600" kern="1200" dirty="0" err="1">
+                <a:solidFill>
+                  <a:srgbClr val="FFFFFF"/>
+                </a:solidFill>
+                <a:latin typeface="+mj-lt"/>
+                <a:ea typeface="+mj-ea"/>
+                <a:cs typeface="+mj-cs"/>
+              </a:rPr>
+              <a:t>Đếm</a:t>
+            </a:r>
+            <a:r>
+              <a:rPr lang="en-US" sz="6600" kern="1200" dirty="0">
+                <a:solidFill>
+                  <a:srgbClr val="FFFFFF"/>
+                </a:solidFill>
+                <a:latin typeface="+mj-lt"/>
+                <a:ea typeface="+mj-ea"/>
+                <a:cs typeface="+mj-cs"/>
+              </a:rPr>
+              <a:t> </a:t>
+            </a:r>
+            <a:r>
+              <a:rPr lang="en-US" sz="6600" kern="1200" dirty="0" err="1">
+                <a:solidFill>
+                  <a:srgbClr val="FFFFFF"/>
+                </a:solidFill>
+                <a:latin typeface="+mj-lt"/>
+                <a:ea typeface="+mj-ea"/>
+                <a:cs typeface="+mj-cs"/>
+              </a:rPr>
+              <a:t>vật</a:t>
+            </a:r>
+            <a:r>
+              <a:rPr lang="en-US" sz="6600" kern="1200" dirty="0">
+                <a:solidFill>
+                  <a:srgbClr val="FFFFFF"/>
+                </a:solidFill>
+                <a:latin typeface="+mj-lt"/>
+                <a:ea typeface="+mj-ea"/>
+                <a:cs typeface="+mj-cs"/>
+              </a:rPr>
+              <a:t> </a:t>
+            </a:r>
+            <a:r>
+              <a:rPr lang="en-US" sz="6600" kern="1200" dirty="0" err="1">
+                <a:solidFill>
+                  <a:srgbClr val="FFFFFF"/>
+                </a:solidFill>
+                <a:latin typeface="+mj-lt"/>
+                <a:ea typeface="+mj-ea"/>
+                <a:cs typeface="+mj-cs"/>
+              </a:rPr>
+              <a:t>thể</a:t>
+            </a:r>
+            <a:endParaRPr lang="en-US" sz="6600" kern="1200" dirty="0">
+              <a:solidFill>
+                <a:srgbClr val="FFFFFF"/>
+              </a:solidFill>
+              <a:latin typeface="+mj-lt"/>
+              <a:ea typeface="+mj-ea"/>
+              <a:cs typeface="+mj-cs"/>
+            </a:endParaRPr>
+          </a:p>
+        </p:txBody>
+      </p:sp>
+    </p:spTree>
+    <p:extLst>
+      <p:ext uri="{BB962C8B-B14F-4D97-AF65-F5344CB8AC3E}">
+        <p14:creationId xmlns:p14="http://schemas.microsoft.com/office/powerpoint/2010/main" val="2575495515"/>
+      </p:ext>
+    </p:extLst>
+  </p:cSld>
+  <p:clrMapOvr>
+    <a:masterClrMapping/>
+  </p:clrMapOvr>
+</p:sld>
+</file>
+
+<file path=ppt/slides/slide28.xml><?xml version="1.0" encoding="utf-8"?>
+<p:sld xmlns:a="http://schemas.openxmlformats.org/drawingml/2006/main" xmlns:r="http://schemas.openxmlformats.org/officeDocument/2006/relationships" xmlns:p="http://schemas.openxmlformats.org/presentationml/2006/main">
+  <p:cSld>
+    <p:spTree>
+      <p:nvGrpSpPr>
+        <p:cNvPr id="1" name=""/>
+        <p:cNvGrpSpPr/>
+        <p:nvPr/>
+      </p:nvGrpSpPr>
+      <p:grpSpPr>
+        <a:xfrm>
+          <a:off x="0" y="0"/>
+          <a:ext cx="0" cy="0"/>
+          <a:chOff x="0" y="0"/>
+          <a:chExt cx="0" cy="0"/>
+        </a:xfrm>
+      </p:grpSpPr>
+      <p:sp>
+        <p:nvSpPr>
+          <p:cNvPr id="5" name="Title 4">
+            <a:extLst>
+              <a:ext uri="{FF2B5EF4-FFF2-40B4-BE49-F238E27FC236}">
+                <a16:creationId xmlns:a16="http://schemas.microsoft.com/office/drawing/2014/main" id="{7DFA41F8-70D3-435E-A090-08A2E5EE408E}"/>
+              </a:ext>
+            </a:extLst>
+          </p:cNvPr>
+          <p:cNvSpPr>
+            <a:spLocks noGrp="1"/>
+          </p:cNvSpPr>
+          <p:nvPr>
+            <p:ph type="title"/>
+          </p:nvPr>
+        </p:nvSpPr>
+        <p:spPr/>
+        <p:txBody>
+          <a:bodyPr/>
+          <a:lstStyle/>
+          <a:p>
+            <a:r>
+              <a:rPr lang="en-US" dirty="0" err="1"/>
+              <a:t>Giải</a:t>
+            </a:r>
+            <a:r>
+              <a:rPr lang="en-US" dirty="0"/>
+              <a:t> </a:t>
+            </a:r>
+            <a:r>
+              <a:rPr lang="en-US" dirty="0" err="1"/>
+              <a:t>thuật</a:t>
+            </a:r>
+            <a:r>
+              <a:rPr lang="en-US" dirty="0"/>
+              <a:t> Canny</a:t>
+            </a:r>
+          </a:p>
+        </p:txBody>
+      </p:sp>
+      <p:pic>
+        <p:nvPicPr>
+          <p:cNvPr id="7" name="Content Placeholder 6">
+            <a:extLst>
+              <a:ext uri="{FF2B5EF4-FFF2-40B4-BE49-F238E27FC236}">
+                <a16:creationId xmlns:a16="http://schemas.microsoft.com/office/drawing/2014/main" id="{ACE73425-0B32-45D7-A7BA-C26AA7932890}"/>
+              </a:ext>
+            </a:extLst>
+          </p:cNvPr>
+          <p:cNvPicPr>
+            <a:picLocks noGrp="1" noChangeAspect="1"/>
+          </p:cNvPicPr>
+          <p:nvPr>
+            <p:ph idx="1"/>
+          </p:nvPr>
+        </p:nvPicPr>
+        <p:blipFill>
+          <a:blip r:embed="rId2"/>
+          <a:stretch>
+            <a:fillRect/>
+          </a:stretch>
+        </p:blipFill>
+        <p:spPr>
+          <a:xfrm>
+            <a:off x="838200" y="3132966"/>
+            <a:ext cx="10515600" cy="1736656"/>
+          </a:xfrm>
+          <a:prstGeom prst="rect">
+            <a:avLst/>
+          </a:prstGeom>
+        </p:spPr>
+      </p:pic>
+    </p:spTree>
+    <p:extLst>
+      <p:ext uri="{BB962C8B-B14F-4D97-AF65-F5344CB8AC3E}">
+        <p14:creationId xmlns:p14="http://schemas.microsoft.com/office/powerpoint/2010/main" val="1913982963"/>
+      </p:ext>
+    </p:extLst>
+  </p:cSld>
+  <p:clrMapOvr>
+    <a:masterClrMapping/>
+  </p:clrMapOvr>
+</p:sld>
+</file>
+
+<file path=ppt/slides/slide29.xml><?xml version="1.0" encoding="utf-8"?>
+<p:sld xmlns:a="http://schemas.openxmlformats.org/drawingml/2006/main" xmlns:r="http://schemas.openxmlformats.org/officeDocument/2006/relationships" xmlns:p="http://schemas.openxmlformats.org/presentationml/2006/main">
+  <p:cSld>
+    <p:spTree>
+      <p:nvGrpSpPr>
+        <p:cNvPr id="1" name=""/>
+        <p:cNvGrpSpPr/>
+        <p:nvPr/>
+      </p:nvGrpSpPr>
+      <p:grpSpPr>
+        <a:xfrm>
+          <a:off x="0" y="0"/>
+          <a:ext cx="0" cy="0"/>
+          <a:chOff x="0" y="0"/>
+          <a:chExt cx="0" cy="0"/>
+        </a:xfrm>
+      </p:grpSpPr>
+      <p:sp>
+        <p:nvSpPr>
+          <p:cNvPr id="2" name="Title 1">
+            <a:extLst>
+              <a:ext uri="{FF2B5EF4-FFF2-40B4-BE49-F238E27FC236}">
+                <a16:creationId xmlns:a16="http://schemas.microsoft.com/office/drawing/2014/main" id="{524AA1BE-2AE0-4BA7-9079-0722A662F29E}"/>
+              </a:ext>
+            </a:extLst>
+          </p:cNvPr>
+          <p:cNvSpPr>
+            <a:spLocks noGrp="1"/>
+          </p:cNvSpPr>
+          <p:nvPr>
+            <p:ph type="title"/>
+          </p:nvPr>
+        </p:nvSpPr>
+        <p:spPr/>
+        <p:txBody>
+          <a:bodyPr/>
+          <a:lstStyle/>
+          <a:p>
+            <a:r>
+              <a:rPr lang="en-US" dirty="0" err="1"/>
+              <a:t>Giải</a:t>
+            </a:r>
+            <a:r>
+              <a:rPr lang="en-US" dirty="0"/>
+              <a:t> </a:t>
+            </a:r>
+            <a:r>
+              <a:rPr lang="en-US" dirty="0" err="1"/>
+              <a:t>thuật</a:t>
+            </a:r>
+            <a:r>
+              <a:rPr lang="en-US" dirty="0"/>
+              <a:t> contours</a:t>
+            </a:r>
+          </a:p>
+        </p:txBody>
+      </p:sp>
+      <p:pic>
+        <p:nvPicPr>
+          <p:cNvPr id="4" name="Content Placeholder 3">
+            <a:extLst>
+              <a:ext uri="{FF2B5EF4-FFF2-40B4-BE49-F238E27FC236}">
+                <a16:creationId xmlns:a16="http://schemas.microsoft.com/office/drawing/2014/main" id="{69A85DAD-439A-4BAF-8DFD-00CC7FBE7F5B}"/>
+              </a:ext>
+            </a:extLst>
+          </p:cNvPr>
+          <p:cNvPicPr>
+            <a:picLocks noGrp="1" noChangeAspect="1"/>
+          </p:cNvPicPr>
+          <p:nvPr>
+            <p:ph idx="1"/>
+          </p:nvPr>
+        </p:nvPicPr>
+        <p:blipFill>
+          <a:blip r:embed="rId2"/>
+          <a:stretch>
+            <a:fillRect/>
+          </a:stretch>
+        </p:blipFill>
+        <p:spPr>
+          <a:xfrm>
+            <a:off x="838200" y="2709905"/>
+            <a:ext cx="10515600" cy="2582778"/>
+          </a:xfrm>
+          <a:prstGeom prst="rect">
+            <a:avLst/>
+          </a:prstGeom>
+        </p:spPr>
+      </p:pic>
+    </p:spTree>
+    <p:extLst>
+      <p:ext uri="{BB962C8B-B14F-4D97-AF65-F5344CB8AC3E}">
+        <p14:creationId xmlns:p14="http://schemas.microsoft.com/office/powerpoint/2010/main" val="4099822248"/>
+      </p:ext>
+    </p:extLst>
+  </p:cSld>
+  <p:clrMapOvr>
+    <a:masterClrMapping/>
+  </p:clrMapOvr>
+</p:sld>
+</file>
+
 <file path=ppt/slides/slide3.xml><?xml version="1.0" encoding="utf-8"?>
 <p:sld xmlns:a="http://schemas.openxmlformats.org/drawingml/2006/main" xmlns:r="http://schemas.openxmlformats.org/officeDocument/2006/relationships" xmlns:p="http://schemas.openxmlformats.org/presentationml/2006/main">
   <p:cSld>
@@ -8911,6 +9672,799 @@
     <p:extLst>
       <p:ext uri="{BB962C8B-B14F-4D97-AF65-F5344CB8AC3E}">
         <p14:creationId xmlns:p14="http://schemas.microsoft.com/office/powerpoint/2010/main" val="1375363653"/>
+      </p:ext>
+    </p:extLst>
+  </p:cSld>
+  <p:clrMapOvr>
+    <a:masterClrMapping/>
+  </p:clrMapOvr>
+</p:sld>
+</file>
+
+<file path=ppt/slides/slide30.xml><?xml version="1.0" encoding="utf-8"?>
+<p:sld xmlns:a="http://schemas.openxmlformats.org/drawingml/2006/main" xmlns:r="http://schemas.openxmlformats.org/officeDocument/2006/relationships" xmlns:p="http://schemas.openxmlformats.org/presentationml/2006/main">
+  <p:cSld>
+    <p:spTree>
+      <p:nvGrpSpPr>
+        <p:cNvPr id="1" name=""/>
+        <p:cNvGrpSpPr/>
+        <p:nvPr/>
+      </p:nvGrpSpPr>
+      <p:grpSpPr>
+        <a:xfrm>
+          <a:off x="0" y="0"/>
+          <a:ext cx="0" cy="0"/>
+          <a:chOff x="0" y="0"/>
+          <a:chExt cx="0" cy="0"/>
+        </a:xfrm>
+      </p:grpSpPr>
+      <p:sp>
+        <p:nvSpPr>
+          <p:cNvPr id="2" name="Title 1">
+            <a:extLst>
+              <a:ext uri="{FF2B5EF4-FFF2-40B4-BE49-F238E27FC236}">
+                <a16:creationId xmlns:a16="http://schemas.microsoft.com/office/drawing/2014/main" id="{B6913278-7901-46C5-B629-46ADDD6F6872}"/>
+              </a:ext>
+            </a:extLst>
+          </p:cNvPr>
+          <p:cNvSpPr>
+            <a:spLocks noGrp="1"/>
+          </p:cNvSpPr>
+          <p:nvPr>
+            <p:ph type="title"/>
+          </p:nvPr>
+        </p:nvSpPr>
+        <p:spPr/>
+        <p:txBody>
+          <a:bodyPr/>
+          <a:lstStyle/>
+          <a:p>
+            <a:r>
+              <a:rPr lang="en-US" dirty="0" err="1"/>
+              <a:t>Giải</a:t>
+            </a:r>
+            <a:r>
+              <a:rPr lang="en-US" dirty="0"/>
+              <a:t> </a:t>
+            </a:r>
+            <a:r>
+              <a:rPr lang="en-US" dirty="0" err="1"/>
+              <a:t>thuật</a:t>
+            </a:r>
+            <a:r>
+              <a:rPr lang="en-US" dirty="0"/>
+              <a:t> contours</a:t>
+            </a:r>
+          </a:p>
+        </p:txBody>
+      </p:sp>
+      <p:pic>
+        <p:nvPicPr>
+          <p:cNvPr id="4" name="Content Placeholder 3">
+            <a:extLst>
+              <a:ext uri="{FF2B5EF4-FFF2-40B4-BE49-F238E27FC236}">
+                <a16:creationId xmlns:a16="http://schemas.microsoft.com/office/drawing/2014/main" id="{A8CCAB40-3224-4920-80CF-B7BBAE3FC876}"/>
+              </a:ext>
+            </a:extLst>
+          </p:cNvPr>
+          <p:cNvPicPr>
+            <a:picLocks noGrp="1" noChangeAspect="1"/>
+          </p:cNvPicPr>
+          <p:nvPr>
+            <p:ph idx="1"/>
+          </p:nvPr>
+        </p:nvPicPr>
+        <p:blipFill>
+          <a:blip r:embed="rId2"/>
+          <a:stretch>
+            <a:fillRect/>
+          </a:stretch>
+        </p:blipFill>
+        <p:spPr>
+          <a:xfrm>
+            <a:off x="838200" y="2120191"/>
+            <a:ext cx="10515600" cy="3762206"/>
+          </a:xfrm>
+          <a:prstGeom prst="rect">
+            <a:avLst/>
+          </a:prstGeom>
+        </p:spPr>
+      </p:pic>
+    </p:spTree>
+    <p:extLst>
+      <p:ext uri="{BB962C8B-B14F-4D97-AF65-F5344CB8AC3E}">
+        <p14:creationId xmlns:p14="http://schemas.microsoft.com/office/powerpoint/2010/main" val="3726159717"/>
+      </p:ext>
+    </p:extLst>
+  </p:cSld>
+  <p:clrMapOvr>
+    <a:masterClrMapping/>
+  </p:clrMapOvr>
+</p:sld>
+</file>
+
+<file path=ppt/slides/slide31.xml><?xml version="1.0" encoding="utf-8"?>
+<p:sld xmlns:a="http://schemas.openxmlformats.org/drawingml/2006/main" xmlns:r="http://schemas.openxmlformats.org/officeDocument/2006/relationships" xmlns:p="http://schemas.openxmlformats.org/presentationml/2006/main">
+  <p:cSld>
+    <p:bg>
+      <p:bgPr>
+        <a:solidFill>
+          <a:schemeClr val="bg1"/>
+        </a:solidFill>
+        <a:effectLst/>
+      </p:bgPr>
+    </p:bg>
+    <p:spTree>
+      <p:nvGrpSpPr>
+        <p:cNvPr id="1" name=""/>
+        <p:cNvGrpSpPr/>
+        <p:nvPr/>
+      </p:nvGrpSpPr>
+      <p:grpSpPr>
+        <a:xfrm>
+          <a:off x="0" y="0"/>
+          <a:ext cx="0" cy="0"/>
+          <a:chOff x="0" y="0"/>
+          <a:chExt cx="0" cy="0"/>
+        </a:xfrm>
+      </p:grpSpPr>
+      <p:sp useBgFill="1">
+        <p:nvSpPr>
+          <p:cNvPr id="7" name="Rectangle 6">
+            <a:extLst>
+              <a:ext uri="{FF2B5EF4-FFF2-40B4-BE49-F238E27FC236}">
+                <a16:creationId xmlns:a16="http://schemas.microsoft.com/office/drawing/2014/main" id="{B26EE4FD-480F-42A5-9FEB-DA630457CFB7}"/>
+              </a:ext>
+              <a:ext uri="{C183D7F6-B498-43B3-948B-1728B52AA6E4}">
+                <adec:decorative xmlns:adec="http://schemas.microsoft.com/office/drawing/2017/decorative" val="1"/>
+              </a:ext>
+            </a:extLst>
+          </p:cNvPr>
+          <p:cNvSpPr>
+            <a:spLocks noGrp="1" noRot="1" noChangeAspect="1" noMove="1" noResize="1" noEditPoints="1" noAdjustHandles="1" noChangeArrowheads="1" noChangeShapeType="1" noTextEdit="1"/>
+          </p:cNvSpPr>
+          <p:nvPr>
+            <p:extLst>
+              <p:ext uri="{386F3935-93C4-4BCD-93E2-E3B085C9AB24}">
+                <p16:designElem xmlns:p16="http://schemas.microsoft.com/office/powerpoint/2015/main" val="1"/>
+              </p:ext>
+            </p:extLst>
+          </p:nvPr>
+        </p:nvSpPr>
+        <p:spPr>
+          <a:xfrm>
+            <a:off x="0" y="0"/>
+            <a:ext cx="12188952" cy="6858000"/>
+          </a:xfrm>
+          <a:prstGeom prst="rect">
+            <a:avLst/>
+          </a:prstGeom>
+          <a:ln>
+            <a:noFill/>
+          </a:ln>
+        </p:spPr>
+        <p:style>
+          <a:lnRef idx="2">
+            <a:schemeClr val="accent1">
+              <a:shade val="50000"/>
+            </a:schemeClr>
+          </a:lnRef>
+          <a:fillRef idx="1">
+            <a:schemeClr val="accent1"/>
+          </a:fillRef>
+          <a:effectRef idx="0">
+            <a:schemeClr val="accent1"/>
+          </a:effectRef>
+          <a:fontRef idx="minor">
+            <a:schemeClr val="lt1"/>
+          </a:fontRef>
+        </p:style>
+        <p:txBody>
+          <a:bodyPr rtlCol="0" anchor="ctr"/>
+          <a:lstStyle/>
+          <a:p>
+            <a:pPr algn="ctr"/>
+            <a:endParaRPr lang="en-US"/>
+          </a:p>
+        </p:txBody>
+      </p:sp>
+      <p:sp>
+        <p:nvSpPr>
+          <p:cNvPr id="9" name="Freeform 5">
+            <a:extLst>
+              <a:ext uri="{FF2B5EF4-FFF2-40B4-BE49-F238E27FC236}">
+                <a16:creationId xmlns:a16="http://schemas.microsoft.com/office/drawing/2014/main" id="{A187062F-BE14-42FC-B06A-607DB23849C3}"/>
+              </a:ext>
+              <a:ext uri="{C183D7F6-B498-43B3-948B-1728B52AA6E4}">
+                <adec:decorative xmlns:adec="http://schemas.microsoft.com/office/drawing/2017/decorative" val="1"/>
+              </a:ext>
+            </a:extLst>
+          </p:cNvPr>
+          <p:cNvSpPr>
+            <a:spLocks noGrp="1" noRot="1" noChangeAspect="1" noMove="1" noResize="1" noEditPoints="1" noAdjustHandles="1" noChangeArrowheads="1" noChangeShapeType="1" noTextEdit="1"/>
+          </p:cNvSpPr>
+          <p:nvPr>
+            <p:extLst>
+              <p:ext uri="{386F3935-93C4-4BCD-93E2-E3B085C9AB24}">
+                <p16:designElem xmlns:p16="http://schemas.microsoft.com/office/powerpoint/2015/main" val="1"/>
+              </p:ext>
+            </p:extLst>
+          </p:nvPr>
+        </p:nvSpPr>
+        <p:spPr bwMode="auto">
+          <a:xfrm flipH="1">
+            <a:off x="842688" y="1766812"/>
+            <a:ext cx="822493" cy="4232692"/>
+          </a:xfrm>
+          <a:custGeom>
+            <a:avLst/>
+            <a:gdLst>
+              <a:gd name="T0" fmla="*/ 491 w 491"/>
+              <a:gd name="T1" fmla="*/ 2247 h 2732"/>
+              <a:gd name="T2" fmla="*/ 0 w 491"/>
+              <a:gd name="T3" fmla="*/ 2732 h 2732"/>
+              <a:gd name="T4" fmla="*/ 0 w 491"/>
+              <a:gd name="T5" fmla="*/ 486 h 2732"/>
+              <a:gd name="T6" fmla="*/ 491 w 491"/>
+              <a:gd name="T7" fmla="*/ 0 h 2732"/>
+              <a:gd name="T8" fmla="*/ 491 w 491"/>
+              <a:gd name="T9" fmla="*/ 2247 h 2732"/>
+            </a:gdLst>
+            <a:ahLst/>
+            <a:cxnLst>
+              <a:cxn ang="0">
+                <a:pos x="T0" y="T1"/>
+              </a:cxn>
+              <a:cxn ang="0">
+                <a:pos x="T2" y="T3"/>
+              </a:cxn>
+              <a:cxn ang="0">
+                <a:pos x="T4" y="T5"/>
+              </a:cxn>
+              <a:cxn ang="0">
+                <a:pos x="T6" y="T7"/>
+              </a:cxn>
+              <a:cxn ang="0">
+                <a:pos x="T8" y="T9"/>
+              </a:cxn>
+            </a:cxnLst>
+            <a:rect l="0" t="0" r="r" b="b"/>
+            <a:pathLst>
+              <a:path w="491" h="2732">
+                <a:moveTo>
+                  <a:pt x="491" y="2247"/>
+                </a:moveTo>
+                <a:lnTo>
+                  <a:pt x="0" y="2732"/>
+                </a:lnTo>
+                <a:lnTo>
+                  <a:pt x="0" y="486"/>
+                </a:lnTo>
+                <a:lnTo>
+                  <a:pt x="491" y="0"/>
+                </a:lnTo>
+                <a:lnTo>
+                  <a:pt x="491" y="2247"/>
+                </a:lnTo>
+                <a:close/>
+              </a:path>
+            </a:pathLst>
+          </a:custGeom>
+          <a:solidFill>
+            <a:schemeClr val="accent1">
+              <a:lumMod val="50000"/>
+            </a:schemeClr>
+          </a:solidFill>
+          <a:ln>
+            <a:noFill/>
+          </a:ln>
+        </p:spPr>
+        <p:txBody>
+          <a:bodyPr vert="horz" wrap="square" lIns="91440" tIns="45720" rIns="91440" bIns="45720" numCol="1" anchor="t" anchorCtr="0" compatLnSpc="1">
+            <a:prstTxWarp prst="textNoShape">
+              <a:avLst/>
+            </a:prstTxWarp>
+          </a:bodyPr>
+          <a:lstStyle/>
+          <a:p>
+            <a:endParaRPr lang="en-US"/>
+          </a:p>
+        </p:txBody>
+      </p:sp>
+      <p:sp>
+        <p:nvSpPr>
+          <p:cNvPr id="11" name="Freeform 6">
+            <a:extLst>
+              <a:ext uri="{FF2B5EF4-FFF2-40B4-BE49-F238E27FC236}">
+                <a16:creationId xmlns:a16="http://schemas.microsoft.com/office/drawing/2014/main" id="{731FE21B-2A45-4BF5-8B03-E12341988774}"/>
+              </a:ext>
+              <a:ext uri="{C183D7F6-B498-43B3-948B-1728B52AA6E4}">
+                <adec:decorative xmlns:adec="http://schemas.microsoft.com/office/drawing/2017/decorative" val="1"/>
+              </a:ext>
+            </a:extLst>
+          </p:cNvPr>
+          <p:cNvSpPr>
+            <a:spLocks noGrp="1" noRot="1" noChangeAspect="1" noMove="1" noResize="1" noEditPoints="1" noAdjustHandles="1" noChangeArrowheads="1" noChangeShapeType="1" noTextEdit="1"/>
+          </p:cNvSpPr>
+          <p:nvPr>
+            <p:extLst>
+              <p:ext uri="{386F3935-93C4-4BCD-93E2-E3B085C9AB24}">
+                <p16:designElem xmlns:p16="http://schemas.microsoft.com/office/powerpoint/2015/main" val="1"/>
+              </p:ext>
+            </p:extLst>
+          </p:nvPr>
+        </p:nvSpPr>
+        <p:spPr bwMode="auto">
+          <a:xfrm flipH="1">
+            <a:off x="842689" y="1423780"/>
+            <a:ext cx="687754" cy="3820236"/>
+          </a:xfrm>
+          <a:custGeom>
+            <a:avLst/>
+            <a:gdLst>
+              <a:gd name="T0" fmla="*/ 414 w 414"/>
+              <a:gd name="T1" fmla="*/ 2447 h 2447"/>
+              <a:gd name="T2" fmla="*/ 0 w 414"/>
+              <a:gd name="T3" fmla="*/ 2247 h 2447"/>
+              <a:gd name="T4" fmla="*/ 0 w 414"/>
+              <a:gd name="T5" fmla="*/ 0 h 2447"/>
+              <a:gd name="T6" fmla="*/ 414 w 414"/>
+              <a:gd name="T7" fmla="*/ 200 h 2447"/>
+              <a:gd name="T8" fmla="*/ 414 w 414"/>
+              <a:gd name="T9" fmla="*/ 2447 h 2447"/>
+            </a:gdLst>
+            <a:ahLst/>
+            <a:cxnLst>
+              <a:cxn ang="0">
+                <a:pos x="T0" y="T1"/>
+              </a:cxn>
+              <a:cxn ang="0">
+                <a:pos x="T2" y="T3"/>
+              </a:cxn>
+              <a:cxn ang="0">
+                <a:pos x="T4" y="T5"/>
+              </a:cxn>
+              <a:cxn ang="0">
+                <a:pos x="T6" y="T7"/>
+              </a:cxn>
+              <a:cxn ang="0">
+                <a:pos x="T8" y="T9"/>
+              </a:cxn>
+            </a:cxnLst>
+            <a:rect l="0" t="0" r="r" b="b"/>
+            <a:pathLst>
+              <a:path w="414" h="2447">
+                <a:moveTo>
+                  <a:pt x="414" y="2447"/>
+                </a:moveTo>
+                <a:lnTo>
+                  <a:pt x="0" y="2247"/>
+                </a:lnTo>
+                <a:lnTo>
+                  <a:pt x="0" y="0"/>
+                </a:lnTo>
+                <a:lnTo>
+                  <a:pt x="414" y="200"/>
+                </a:lnTo>
+                <a:lnTo>
+                  <a:pt x="414" y="2447"/>
+                </a:lnTo>
+                <a:close/>
+              </a:path>
+            </a:pathLst>
+          </a:custGeom>
+          <a:solidFill>
+            <a:schemeClr val="accent1">
+              <a:lumMod val="75000"/>
+            </a:schemeClr>
+          </a:solidFill>
+          <a:ln>
+            <a:noFill/>
+          </a:ln>
+        </p:spPr>
+        <p:txBody>
+          <a:bodyPr vert="horz" wrap="square" lIns="91440" tIns="45720" rIns="91440" bIns="45720" numCol="1" anchor="t" anchorCtr="0" compatLnSpc="1">
+            <a:prstTxWarp prst="textNoShape">
+              <a:avLst/>
+            </a:prstTxWarp>
+          </a:bodyPr>
+          <a:lstStyle/>
+          <a:p>
+            <a:endParaRPr lang="en-US"/>
+          </a:p>
+        </p:txBody>
+      </p:sp>
+      <p:sp>
+        <p:nvSpPr>
+          <p:cNvPr id="13" name="Freeform 7">
+            <a:extLst>
+              <a:ext uri="{FF2B5EF4-FFF2-40B4-BE49-F238E27FC236}">
+                <a16:creationId xmlns:a16="http://schemas.microsoft.com/office/drawing/2014/main" id="{2DC5A94D-79ED-48F5-9DC5-96CBB507CEC8}"/>
+              </a:ext>
+              <a:ext uri="{C183D7F6-B498-43B3-948B-1728B52AA6E4}">
+                <adec:decorative xmlns:adec="http://schemas.microsoft.com/office/drawing/2017/decorative" val="1"/>
+              </a:ext>
+            </a:extLst>
+          </p:cNvPr>
+          <p:cNvSpPr>
+            <a:spLocks noGrp="1" noRot="1" noChangeAspect="1" noMove="1" noResize="1" noEditPoints="1" noAdjustHandles="1" noChangeArrowheads="1" noChangeShapeType="1" noTextEdit="1"/>
+          </p:cNvSpPr>
+          <p:nvPr>
+            <p:extLst>
+              <p:ext uri="{386F3935-93C4-4BCD-93E2-E3B085C9AB24}">
+                <p16:designElem xmlns:p16="http://schemas.microsoft.com/office/powerpoint/2015/main" val="1"/>
+              </p:ext>
+            </p:extLst>
+          </p:nvPr>
+        </p:nvSpPr>
+        <p:spPr bwMode="auto">
+          <a:xfrm flipH="1">
+            <a:off x="1183243" y="1239381"/>
+            <a:ext cx="347200" cy="3699705"/>
+          </a:xfrm>
+          <a:custGeom>
+            <a:avLst/>
+            <a:gdLst>
+              <a:gd name="T0" fmla="*/ 209 w 209"/>
+              <a:gd name="T1" fmla="*/ 2246 h 2358"/>
+              <a:gd name="T2" fmla="*/ 0 w 209"/>
+              <a:gd name="T3" fmla="*/ 2358 h 2358"/>
+              <a:gd name="T4" fmla="*/ 0 w 209"/>
+              <a:gd name="T5" fmla="*/ 111 h 2358"/>
+              <a:gd name="T6" fmla="*/ 209 w 209"/>
+              <a:gd name="T7" fmla="*/ 0 h 2358"/>
+              <a:gd name="T8" fmla="*/ 209 w 209"/>
+              <a:gd name="T9" fmla="*/ 2246 h 2358"/>
+            </a:gdLst>
+            <a:ahLst/>
+            <a:cxnLst>
+              <a:cxn ang="0">
+                <a:pos x="T0" y="T1"/>
+              </a:cxn>
+              <a:cxn ang="0">
+                <a:pos x="T2" y="T3"/>
+              </a:cxn>
+              <a:cxn ang="0">
+                <a:pos x="T4" y="T5"/>
+              </a:cxn>
+              <a:cxn ang="0">
+                <a:pos x="T6" y="T7"/>
+              </a:cxn>
+              <a:cxn ang="0">
+                <a:pos x="T8" y="T9"/>
+              </a:cxn>
+            </a:cxnLst>
+            <a:rect l="0" t="0" r="r" b="b"/>
+            <a:pathLst>
+              <a:path w="209" h="2358">
+                <a:moveTo>
+                  <a:pt x="209" y="2246"/>
+                </a:moveTo>
+                <a:lnTo>
+                  <a:pt x="0" y="2358"/>
+                </a:lnTo>
+                <a:lnTo>
+                  <a:pt x="0" y="111"/>
+                </a:lnTo>
+                <a:lnTo>
+                  <a:pt x="209" y="0"/>
+                </a:lnTo>
+                <a:lnTo>
+                  <a:pt x="209" y="2246"/>
+                </a:lnTo>
+                <a:close/>
+              </a:path>
+            </a:pathLst>
+          </a:custGeom>
+          <a:solidFill>
+            <a:schemeClr val="accent1">
+              <a:lumMod val="50000"/>
+            </a:schemeClr>
+          </a:solidFill>
+          <a:ln>
+            <a:noFill/>
+          </a:ln>
+        </p:spPr>
+        <p:txBody>
+          <a:bodyPr vert="horz" wrap="square" lIns="91440" tIns="45720" rIns="91440" bIns="45720" numCol="1" anchor="t" anchorCtr="0" compatLnSpc="1">
+            <a:prstTxWarp prst="textNoShape">
+              <a:avLst/>
+            </a:prstTxWarp>
+          </a:bodyPr>
+          <a:lstStyle/>
+          <a:p>
+            <a:endParaRPr lang="en-US"/>
+          </a:p>
+        </p:txBody>
+      </p:sp>
+      <p:sp>
+        <p:nvSpPr>
+          <p:cNvPr id="15" name="Rectangle 8">
+            <a:extLst>
+              <a:ext uri="{FF2B5EF4-FFF2-40B4-BE49-F238E27FC236}">
+                <a16:creationId xmlns:a16="http://schemas.microsoft.com/office/drawing/2014/main" id="{93A3D4BE-AF25-4F9A-9C29-1145CCE24A28}"/>
+              </a:ext>
+              <a:ext uri="{C183D7F6-B498-43B3-948B-1728B52AA6E4}">
+                <adec:decorative xmlns:adec="http://schemas.microsoft.com/office/drawing/2017/decorative" val="1"/>
+              </a:ext>
+            </a:extLst>
+          </p:cNvPr>
+          <p:cNvSpPr>
+            <a:spLocks noGrp="1" noRot="1" noChangeAspect="1" noMove="1" noResize="1" noEditPoints="1" noAdjustHandles="1" noChangeArrowheads="1" noChangeShapeType="1" noTextEdit="1"/>
+          </p:cNvSpPr>
+          <p:nvPr>
+            <p:extLst>
+              <p:ext uri="{386F3935-93C4-4BCD-93E2-E3B085C9AB24}">
+                <p16:designElem xmlns:p16="http://schemas.microsoft.com/office/powerpoint/2015/main" val="1"/>
+              </p:ext>
+            </p:extLst>
+          </p:nvPr>
+        </p:nvSpPr>
+        <p:spPr bwMode="auto">
+          <a:xfrm flipH="1">
+            <a:off x="1183242" y="1230651"/>
+            <a:ext cx="10208658" cy="3531073"/>
+          </a:xfrm>
+          <a:prstGeom prst="rect">
+            <a:avLst/>
+          </a:prstGeom>
+          <a:solidFill>
+            <a:schemeClr val="accent1"/>
+          </a:solidFill>
+          <a:ln>
+            <a:noFill/>
+          </a:ln>
+        </p:spPr>
+        <p:txBody>
+          <a:bodyPr vert="horz" wrap="square" lIns="91440" tIns="45720" rIns="91440" bIns="45720" numCol="1" anchor="t" anchorCtr="0" compatLnSpc="1">
+            <a:prstTxWarp prst="textNoShape">
+              <a:avLst/>
+            </a:prstTxWarp>
+          </a:bodyPr>
+          <a:lstStyle/>
+          <a:p>
+            <a:endParaRPr lang="en-US"/>
+          </a:p>
+        </p:txBody>
+      </p:sp>
+      <p:sp>
+        <p:nvSpPr>
+          <p:cNvPr id="2" name="Title 1">
+            <a:extLst>
+              <a:ext uri="{FF2B5EF4-FFF2-40B4-BE49-F238E27FC236}">
+                <a16:creationId xmlns:a16="http://schemas.microsoft.com/office/drawing/2014/main" id="{10B71728-B7C9-4862-8F57-DFA354394394}"/>
+              </a:ext>
+            </a:extLst>
+          </p:cNvPr>
+          <p:cNvSpPr>
+            <a:spLocks noGrp="1"/>
+          </p:cNvSpPr>
+          <p:nvPr>
+            <p:ph type="title"/>
+          </p:nvPr>
+        </p:nvSpPr>
+        <p:spPr>
+          <a:xfrm>
+            <a:off x="1870997" y="1607809"/>
+            <a:ext cx="9236026" cy="2876680"/>
+          </a:xfrm>
+        </p:spPr>
+        <p:txBody>
+          <a:bodyPr vert="horz" lIns="91440" tIns="45720" rIns="91440" bIns="45720" rtlCol="0" anchor="b">
+            <a:normAutofit/>
+          </a:bodyPr>
+          <a:lstStyle/>
+          <a:p>
+            <a:r>
+              <a:rPr lang="en-US" sz="6600" kern="1200" dirty="0" err="1">
+                <a:solidFill>
+                  <a:srgbClr val="FFFFFF"/>
+                </a:solidFill>
+                <a:latin typeface="+mj-lt"/>
+                <a:ea typeface="+mj-ea"/>
+                <a:cs typeface="+mj-cs"/>
+              </a:rPr>
+              <a:t>Trừ</a:t>
+            </a:r>
+            <a:r>
+              <a:rPr lang="en-US" sz="6600" kern="1200" dirty="0">
+                <a:solidFill>
+                  <a:srgbClr val="FFFFFF"/>
+                </a:solidFill>
+                <a:latin typeface="+mj-lt"/>
+                <a:ea typeface="+mj-ea"/>
+                <a:cs typeface="+mj-cs"/>
+              </a:rPr>
+              <a:t> </a:t>
+            </a:r>
+            <a:r>
+              <a:rPr lang="en-US" sz="6600" kern="1200" dirty="0" err="1">
+                <a:solidFill>
+                  <a:srgbClr val="FFFFFF"/>
+                </a:solidFill>
+                <a:latin typeface="+mj-lt"/>
+                <a:ea typeface="+mj-ea"/>
+                <a:cs typeface="+mj-cs"/>
+              </a:rPr>
+              <a:t>ảnh</a:t>
+            </a:r>
+            <a:endParaRPr lang="en-US" sz="6600" kern="1200" dirty="0">
+              <a:solidFill>
+                <a:srgbClr val="FFFFFF"/>
+              </a:solidFill>
+              <a:latin typeface="+mj-lt"/>
+              <a:ea typeface="+mj-ea"/>
+              <a:cs typeface="+mj-cs"/>
+            </a:endParaRPr>
+          </a:p>
+        </p:txBody>
+      </p:sp>
+    </p:spTree>
+    <p:extLst>
+      <p:ext uri="{BB962C8B-B14F-4D97-AF65-F5344CB8AC3E}">
+        <p14:creationId xmlns:p14="http://schemas.microsoft.com/office/powerpoint/2010/main" val="1262802900"/>
+      </p:ext>
+    </p:extLst>
+  </p:cSld>
+  <p:clrMapOvr>
+    <a:masterClrMapping/>
+  </p:clrMapOvr>
+</p:sld>
+</file>
+
+<file path=ppt/slides/slide32.xml><?xml version="1.0" encoding="utf-8"?>
+<p:sld xmlns:a="http://schemas.openxmlformats.org/drawingml/2006/main" xmlns:r="http://schemas.openxmlformats.org/officeDocument/2006/relationships" xmlns:p="http://schemas.openxmlformats.org/presentationml/2006/main">
+  <p:cSld>
+    <p:spTree>
+      <p:nvGrpSpPr>
+        <p:cNvPr id="1" name=""/>
+        <p:cNvGrpSpPr/>
+        <p:nvPr/>
+      </p:nvGrpSpPr>
+      <p:grpSpPr>
+        <a:xfrm>
+          <a:off x="0" y="0"/>
+          <a:ext cx="0" cy="0"/>
+          <a:chOff x="0" y="0"/>
+          <a:chExt cx="0" cy="0"/>
+        </a:xfrm>
+      </p:grpSpPr>
+      <p:sp>
+        <p:nvSpPr>
+          <p:cNvPr id="3" name="Title 2">
+            <a:extLst>
+              <a:ext uri="{FF2B5EF4-FFF2-40B4-BE49-F238E27FC236}">
+                <a16:creationId xmlns:a16="http://schemas.microsoft.com/office/drawing/2014/main" id="{60E9DAC0-83CC-490A-8E20-51ADB9D9801B}"/>
+              </a:ext>
+            </a:extLst>
+          </p:cNvPr>
+          <p:cNvSpPr>
+            <a:spLocks noGrp="1"/>
+          </p:cNvSpPr>
+          <p:nvPr>
+            <p:ph type="title"/>
+          </p:nvPr>
+        </p:nvSpPr>
+        <p:spPr/>
+        <p:txBody>
+          <a:bodyPr/>
+          <a:lstStyle/>
+          <a:p>
+            <a:r>
+              <a:rPr lang="en-US" dirty="0" err="1"/>
+              <a:t>Trừ</a:t>
+            </a:r>
+            <a:r>
+              <a:rPr lang="en-US" dirty="0"/>
+              <a:t> </a:t>
+            </a:r>
+            <a:r>
+              <a:rPr lang="en-US" dirty="0" err="1"/>
+              <a:t>ảnh</a:t>
+            </a:r>
+            <a:endParaRPr lang="en-US" dirty="0"/>
+          </a:p>
+        </p:txBody>
+      </p:sp>
+      <p:sp>
+        <p:nvSpPr>
+          <p:cNvPr id="4" name="Content Placeholder 3">
+            <a:extLst>
+              <a:ext uri="{FF2B5EF4-FFF2-40B4-BE49-F238E27FC236}">
+                <a16:creationId xmlns:a16="http://schemas.microsoft.com/office/drawing/2014/main" id="{E68650AA-F232-4FD7-9BAA-145C760FC19A}"/>
+              </a:ext>
+            </a:extLst>
+          </p:cNvPr>
+          <p:cNvSpPr>
+            <a:spLocks noGrp="1"/>
+          </p:cNvSpPr>
+          <p:nvPr>
+            <p:ph idx="1"/>
+          </p:nvPr>
+        </p:nvSpPr>
+        <p:spPr/>
+        <p:txBody>
+          <a:bodyPr/>
+          <a:lstStyle/>
+          <a:p>
+            <a:r>
+              <a:rPr lang="en-US" dirty="0"/>
+              <a:t>Input: Back ground </a:t>
+            </a:r>
+            <a:r>
+              <a:rPr lang="en-US" dirty="0" err="1"/>
+              <a:t>và</a:t>
+            </a:r>
+            <a:r>
+              <a:rPr lang="en-US" dirty="0"/>
+              <a:t> Fore ground </a:t>
+            </a:r>
+            <a:r>
+              <a:rPr lang="en-US" dirty="0" err="1"/>
+              <a:t>imgae</a:t>
+            </a:r>
+            <a:endParaRPr lang="en-US" dirty="0"/>
+          </a:p>
+          <a:p>
+            <a:r>
+              <a:rPr lang="en-US" dirty="0"/>
+              <a:t>Output: </a:t>
+            </a:r>
+            <a:r>
+              <a:rPr lang="en-US" dirty="0" err="1"/>
+              <a:t>Chỉ</a:t>
+            </a:r>
+            <a:r>
+              <a:rPr lang="en-US" dirty="0"/>
+              <a:t> ra </a:t>
+            </a:r>
+            <a:r>
+              <a:rPr lang="en-US" dirty="0" err="1"/>
+              <a:t>điểm</a:t>
+            </a:r>
+            <a:r>
+              <a:rPr lang="en-US" dirty="0"/>
+              <a:t> </a:t>
+            </a:r>
+            <a:r>
+              <a:rPr lang="en-US" dirty="0" err="1"/>
+              <a:t>khác</a:t>
+            </a:r>
+            <a:r>
+              <a:rPr lang="en-US" dirty="0"/>
+              <a:t> </a:t>
+            </a:r>
+            <a:r>
+              <a:rPr lang="en-US" dirty="0" err="1"/>
+              <a:t>biệt</a:t>
+            </a:r>
+            <a:r>
+              <a:rPr lang="en-US" dirty="0"/>
+              <a:t> </a:t>
+            </a:r>
+            <a:r>
+              <a:rPr lang="en-US" dirty="0" err="1"/>
+              <a:t>trong</a:t>
+            </a:r>
+            <a:r>
+              <a:rPr lang="en-US" dirty="0"/>
+              <a:t> 2 </a:t>
+            </a:r>
+            <a:r>
+              <a:rPr lang="en-US" dirty="0" err="1"/>
+              <a:t>hình</a:t>
+            </a:r>
+            <a:r>
+              <a:rPr lang="en-US" dirty="0"/>
+              <a:t>.</a:t>
+            </a:r>
+          </a:p>
+        </p:txBody>
+      </p:sp>
+    </p:spTree>
+    <p:extLst>
+      <p:ext uri="{BB962C8B-B14F-4D97-AF65-F5344CB8AC3E}">
+        <p14:creationId xmlns:p14="http://schemas.microsoft.com/office/powerpoint/2010/main" val="528418373"/>
       </p:ext>
     </p:extLst>
   </p:cSld>
@@ -10837,12 +12391,6 @@
 </file>
 
 <file path=customXml/item1.xml><?xml version="1.0" encoding="utf-8"?>
-<p:properties xmlns:p="http://schemas.microsoft.com/office/2006/metadata/properties" xmlns:xsi="http://www.w3.org/2001/XMLSchema-instance" xmlns:pc="http://schemas.microsoft.com/office/infopath/2007/PartnerControls">
-  <documentManagement/>
-</p:properties>
-</file>
-
-<file path=customXml/item2.xml><?xml version="1.0" encoding="utf-8"?>
 <ct:contentTypeSchema xmlns:ct="http://schemas.microsoft.com/office/2006/metadata/contentType" xmlns:ma="http://schemas.microsoft.com/office/2006/metadata/properties/metaAttributes" ct:_="" ma:_="" ma:contentTypeName="Document" ma:contentTypeID="0x0101005BD551F90032B749B36C3DC190CEF30E" ma:contentTypeVersion="8" ma:contentTypeDescription="Create a new document." ma:contentTypeScope="" ma:versionID="f221cd154926e81e7cd0834e7580ba27">
   <xsd:schema xmlns:xsd="http://www.w3.org/2001/XMLSchema" xmlns:xs="http://www.w3.org/2001/XMLSchema" xmlns:p="http://schemas.microsoft.com/office/2006/metadata/properties" xmlns:ns3="b5dec6d1-ff35-47a2-b92b-72c1e009ebcf" targetNamespace="http://schemas.microsoft.com/office/2006/metadata/properties" ma:root="true" ma:fieldsID="662bb24b3b212a99191018b91831956a" ns3:_="">
     <xsd:import namespace="b5dec6d1-ff35-47a2-b92b-72c1e009ebcf"/>
@@ -11012,6 +12560,12 @@
 </ct:contentTypeSchema>
 </file>
 
+<file path=customXml/item2.xml><?xml version="1.0" encoding="utf-8"?>
+<p:properties xmlns:p="http://schemas.microsoft.com/office/2006/metadata/properties" xmlns:xsi="http://www.w3.org/2001/XMLSchema-instance" xmlns:pc="http://schemas.microsoft.com/office/infopath/2007/PartnerControls">
+  <documentManagement/>
+</p:properties>
+</file>
+
 <file path=customXml/item3.xml><?xml version="1.0" encoding="utf-8"?>
 <?mso-contentType ?>
 <FormTemplates xmlns="http://schemas.microsoft.com/sharepoint/v3/contenttype/forms">
@@ -11022,15 +12576,6 @@
 </file>
 
 <file path=customXml/itemProps1.xml><?xml version="1.0" encoding="utf-8"?>
-<ds:datastoreItem xmlns:ds="http://schemas.openxmlformats.org/officeDocument/2006/customXml" ds:itemID="{5D02053A-F17C-4255-9994-667A92805C4B}">
-  <ds:schemaRefs>
-    <ds:schemaRef ds:uri="http://schemas.microsoft.com/office/2006/metadata/properties"/>
-    <ds:schemaRef ds:uri="http://schemas.microsoft.com/office/infopath/2007/PartnerControls"/>
-  </ds:schemaRefs>
-</ds:datastoreItem>
-</file>
-
-<file path=customXml/itemProps2.xml><?xml version="1.0" encoding="utf-8"?>
 <ds:datastoreItem xmlns:ds="http://schemas.openxmlformats.org/officeDocument/2006/customXml" ds:itemID="{165E9803-73E2-42B8-8A79-6ED09C462EBF}">
   <ds:schemaRefs>
     <ds:schemaRef ds:uri="http://schemas.microsoft.com/office/2006/metadata/contentType"/>
@@ -11048,6 +12593,15 @@
 </ds:datastoreItem>
 </file>
 
+<file path=customXml/itemProps2.xml><?xml version="1.0" encoding="utf-8"?>
+<ds:datastoreItem xmlns:ds="http://schemas.openxmlformats.org/officeDocument/2006/customXml" ds:itemID="{5D02053A-F17C-4255-9994-667A92805C4B}">
+  <ds:schemaRefs>
+    <ds:schemaRef ds:uri="http://schemas.microsoft.com/office/2006/metadata/properties"/>
+    <ds:schemaRef ds:uri="http://schemas.microsoft.com/office/infopath/2007/PartnerControls"/>
+  </ds:schemaRefs>
+</ds:datastoreItem>
+</file>
+
 <file path=customXml/itemProps3.xml><?xml version="1.0" encoding="utf-8"?>
 <ds:datastoreItem xmlns:ds="http://schemas.openxmlformats.org/officeDocument/2006/customXml" ds:itemID="{367D404D-C7F6-4D08-AA47-E3794D297A9E}">
   <ds:schemaRefs>

--- a/Lecture/OpenCVCoban.pptx
+++ b/Lecture/OpenCVCoban.pptx
@@ -5,7 +5,7 @@
     <p:sldMasterId id="2147483648" r:id="rId4"/>
   </p:sldMasterIdLst>
   <p:notesMasterIdLst>
-    <p:notesMasterId r:id="rId37"/>
+    <p:notesMasterId r:id="rId41"/>
   </p:notesMasterIdLst>
   <p:sldIdLst>
     <p:sldId id="256" r:id="rId5"/>
@@ -40,6 +40,10 @@
     <p:sldId id="287" r:id="rId34"/>
     <p:sldId id="288" r:id="rId35"/>
     <p:sldId id="289" r:id="rId36"/>
+    <p:sldId id="290" r:id="rId37"/>
+    <p:sldId id="291" r:id="rId38"/>
+    <p:sldId id="292" r:id="rId39"/>
+    <p:sldId id="293" r:id="rId40"/>
   </p:sldIdLst>
   <p:sldSz cx="12192000" cy="6858000"/>
   <p:notesSz cx="6858000" cy="9144000"/>
@@ -228,7 +232,7 @@
           <a:p>
             <a:fld id="{6B0060CE-5BE9-4999-A479-5CC727D9E929}" type="datetimeFigureOut">
               <a:rPr lang="en-US" smtClean="0"/>
-              <a:t>3/16/2020</a:t>
+              <a:t>3/17/2020</a:t>
             </a:fld>
             <a:endParaRPr lang="en-US"/>
           </a:p>
@@ -735,7 +739,7 @@
           <a:p>
             <a:fld id="{398F67C6-969B-4601-8D1D-2A5CCB604380}" type="datetimeFigureOut">
               <a:rPr lang="en-US" smtClean="0"/>
-              <a:t>3/16/2020</a:t>
+              <a:t>3/17/2020</a:t>
             </a:fld>
             <a:endParaRPr lang="en-US"/>
           </a:p>
@@ -933,7 +937,7 @@
           <a:p>
             <a:fld id="{398F67C6-969B-4601-8D1D-2A5CCB604380}" type="datetimeFigureOut">
               <a:rPr lang="en-US" smtClean="0"/>
-              <a:t>3/16/2020</a:t>
+              <a:t>3/17/2020</a:t>
             </a:fld>
             <a:endParaRPr lang="en-US"/>
           </a:p>
@@ -1141,7 +1145,7 @@
           <a:p>
             <a:fld id="{398F67C6-969B-4601-8D1D-2A5CCB604380}" type="datetimeFigureOut">
               <a:rPr lang="en-US" smtClean="0"/>
-              <a:t>3/16/2020</a:t>
+              <a:t>3/17/2020</a:t>
             </a:fld>
             <a:endParaRPr lang="en-US"/>
           </a:p>
@@ -1339,7 +1343,7 @@
           <a:p>
             <a:fld id="{398F67C6-969B-4601-8D1D-2A5CCB604380}" type="datetimeFigureOut">
               <a:rPr lang="en-US" smtClean="0"/>
-              <a:t>3/16/2020</a:t>
+              <a:t>3/17/2020</a:t>
             </a:fld>
             <a:endParaRPr lang="en-US"/>
           </a:p>
@@ -1614,7 +1618,7 @@
           <a:p>
             <a:fld id="{398F67C6-969B-4601-8D1D-2A5CCB604380}" type="datetimeFigureOut">
               <a:rPr lang="en-US" smtClean="0"/>
-              <a:t>3/16/2020</a:t>
+              <a:t>3/17/2020</a:t>
             </a:fld>
             <a:endParaRPr lang="en-US"/>
           </a:p>
@@ -1879,7 +1883,7 @@
           <a:p>
             <a:fld id="{398F67C6-969B-4601-8D1D-2A5CCB604380}" type="datetimeFigureOut">
               <a:rPr lang="en-US" smtClean="0"/>
-              <a:t>3/16/2020</a:t>
+              <a:t>3/17/2020</a:t>
             </a:fld>
             <a:endParaRPr lang="en-US"/>
           </a:p>
@@ -2291,7 +2295,7 @@
           <a:p>
             <a:fld id="{398F67C6-969B-4601-8D1D-2A5CCB604380}" type="datetimeFigureOut">
               <a:rPr lang="en-US" smtClean="0"/>
-              <a:t>3/16/2020</a:t>
+              <a:t>3/17/2020</a:t>
             </a:fld>
             <a:endParaRPr lang="en-US"/>
           </a:p>
@@ -2432,7 +2436,7 @@
           <a:p>
             <a:fld id="{398F67C6-969B-4601-8D1D-2A5CCB604380}" type="datetimeFigureOut">
               <a:rPr lang="en-US" smtClean="0"/>
-              <a:t>3/16/2020</a:t>
+              <a:t>3/17/2020</a:t>
             </a:fld>
             <a:endParaRPr lang="en-US"/>
           </a:p>
@@ -2545,7 +2549,7 @@
           <a:p>
             <a:fld id="{398F67C6-969B-4601-8D1D-2A5CCB604380}" type="datetimeFigureOut">
               <a:rPr lang="en-US" smtClean="0"/>
-              <a:t>3/16/2020</a:t>
+              <a:t>3/17/2020</a:t>
             </a:fld>
             <a:endParaRPr lang="en-US"/>
           </a:p>
@@ -2856,7 +2860,7 @@
           <a:p>
             <a:fld id="{398F67C6-969B-4601-8D1D-2A5CCB604380}" type="datetimeFigureOut">
               <a:rPr lang="en-US" smtClean="0"/>
-              <a:t>3/16/2020</a:t>
+              <a:t>3/17/2020</a:t>
             </a:fld>
             <a:endParaRPr lang="en-US"/>
           </a:p>
@@ -3144,7 +3148,7 @@
           <a:p>
             <a:fld id="{398F67C6-969B-4601-8D1D-2A5CCB604380}" type="datetimeFigureOut">
               <a:rPr lang="en-US" smtClean="0"/>
-              <a:t>3/16/2020</a:t>
+              <a:t>3/17/2020</a:t>
             </a:fld>
             <a:endParaRPr lang="en-US"/>
           </a:p>
@@ -3385,7 +3389,7 @@
           <a:p>
             <a:fld id="{398F67C6-969B-4601-8D1D-2A5CCB604380}" type="datetimeFigureOut">
               <a:rPr lang="en-US" smtClean="0"/>
-              <a:t>3/16/2020</a:t>
+              <a:t>3/17/2020</a:t>
             </a:fld>
             <a:endParaRPr lang="en-US"/>
           </a:p>
@@ -10288,6 +10292,28 @@
               </a:rPr>
               <a:t>ảnh</a:t>
             </a:r>
+            <a:r>
+              <a:rPr lang="en-US" sz="6600" kern="1200" dirty="0">
+                <a:solidFill>
+                  <a:srgbClr val="FFFFFF"/>
+                </a:solidFill>
+                <a:latin typeface="+mj-lt"/>
+                <a:ea typeface="+mj-ea"/>
+                <a:cs typeface="+mj-cs"/>
+              </a:rPr>
+              <a:t> </a:t>
+            </a:r>
+            <a:r>
+              <a:rPr lang="en-US" sz="6600" kern="1200" dirty="0" err="1">
+                <a:solidFill>
+                  <a:srgbClr val="FFFFFF"/>
+                </a:solidFill>
+                <a:latin typeface="+mj-lt"/>
+                <a:ea typeface="+mj-ea"/>
+                <a:cs typeface="+mj-cs"/>
+              </a:rPr>
+              <a:t>nền</a:t>
+            </a:r>
             <a:endParaRPr lang="en-US" sz="6600" kern="1200" dirty="0">
               <a:solidFill>
                 <a:srgbClr val="FFFFFF"/>
@@ -10362,6 +10388,14 @@
               <a:rPr lang="en-US" dirty="0" err="1"/>
               <a:t>ảnh</a:t>
             </a:r>
+            <a:r>
+              <a:rPr lang="en-US" dirty="0"/>
+              <a:t> </a:t>
+            </a:r>
+            <a:r>
+              <a:rPr lang="en-US" dirty="0" err="1"/>
+              <a:t>nền</a:t>
+            </a:r>
             <a:endParaRPr lang="en-US" dirty="0"/>
           </a:p>
         </p:txBody>
@@ -10465,6 +10499,727 @@
     <p:extLst>
       <p:ext uri="{BB962C8B-B14F-4D97-AF65-F5344CB8AC3E}">
         <p14:creationId xmlns:p14="http://schemas.microsoft.com/office/powerpoint/2010/main" val="528418373"/>
+      </p:ext>
+    </p:extLst>
+  </p:cSld>
+  <p:clrMapOvr>
+    <a:masterClrMapping/>
+  </p:clrMapOvr>
+</p:sld>
+</file>
+
+<file path=ppt/slides/slide33.xml><?xml version="1.0" encoding="utf-8"?>
+<p:sld xmlns:a="http://schemas.openxmlformats.org/drawingml/2006/main" xmlns:r="http://schemas.openxmlformats.org/officeDocument/2006/relationships" xmlns:p="http://schemas.openxmlformats.org/presentationml/2006/main">
+  <p:cSld>
+    <p:spTree>
+      <p:nvGrpSpPr>
+        <p:cNvPr id="1" name=""/>
+        <p:cNvGrpSpPr/>
+        <p:nvPr/>
+      </p:nvGrpSpPr>
+      <p:grpSpPr>
+        <a:xfrm>
+          <a:off x="0" y="0"/>
+          <a:ext cx="0" cy="0"/>
+          <a:chOff x="0" y="0"/>
+          <a:chExt cx="0" cy="0"/>
+        </a:xfrm>
+      </p:grpSpPr>
+      <p:sp>
+        <p:nvSpPr>
+          <p:cNvPr id="2" name="Title 1">
+            <a:extLst>
+              <a:ext uri="{FF2B5EF4-FFF2-40B4-BE49-F238E27FC236}">
+                <a16:creationId xmlns:a16="http://schemas.microsoft.com/office/drawing/2014/main" id="{201D020E-F45B-45D8-BB3B-8947697F8AC6}"/>
+              </a:ext>
+            </a:extLst>
+          </p:cNvPr>
+          <p:cNvSpPr>
+            <a:spLocks noGrp="1"/>
+          </p:cNvSpPr>
+          <p:nvPr>
+            <p:ph type="title"/>
+          </p:nvPr>
+        </p:nvSpPr>
+        <p:spPr/>
+        <p:txBody>
+          <a:bodyPr/>
+          <a:lstStyle/>
+          <a:p>
+            <a:r>
+              <a:rPr lang="en-US" dirty="0" err="1"/>
+              <a:t>Trừ</a:t>
+            </a:r>
+            <a:r>
+              <a:rPr lang="en-US" dirty="0"/>
+              <a:t> </a:t>
+            </a:r>
+            <a:r>
+              <a:rPr lang="en-US" dirty="0" err="1"/>
+              <a:t>ảnh</a:t>
+            </a:r>
+            <a:r>
+              <a:rPr lang="en-US" dirty="0"/>
+              <a:t> </a:t>
+            </a:r>
+            <a:r>
+              <a:rPr lang="en-US" dirty="0" err="1"/>
+              <a:t>nền</a:t>
+            </a:r>
+            <a:endParaRPr lang="en-US" dirty="0"/>
+          </a:p>
+        </p:txBody>
+      </p:sp>
+      <p:sp>
+        <p:nvSpPr>
+          <p:cNvPr id="3" name="Content Placeholder 2">
+            <a:extLst>
+              <a:ext uri="{FF2B5EF4-FFF2-40B4-BE49-F238E27FC236}">
+                <a16:creationId xmlns:a16="http://schemas.microsoft.com/office/drawing/2014/main" id="{2AFD0FFE-344E-4F5A-B433-41C019FC51A9}"/>
+              </a:ext>
+            </a:extLst>
+          </p:cNvPr>
+          <p:cNvSpPr>
+            <a:spLocks noGrp="1"/>
+          </p:cNvSpPr>
+          <p:nvPr>
+            <p:ph idx="1"/>
+          </p:nvPr>
+        </p:nvSpPr>
+        <p:spPr/>
+        <p:txBody>
+          <a:bodyPr/>
+          <a:lstStyle/>
+          <a:p>
+            <a:r>
+              <a:rPr lang="en-US" dirty="0" err="1"/>
+              <a:t>Giải</a:t>
+            </a:r>
+            <a:r>
+              <a:rPr lang="en-US" dirty="0"/>
+              <a:t> </a:t>
+            </a:r>
+            <a:r>
+              <a:rPr lang="en-US" dirty="0" err="1"/>
+              <a:t>thuật</a:t>
+            </a:r>
+            <a:r>
+              <a:rPr lang="en-US" dirty="0"/>
+              <a:t> </a:t>
+            </a:r>
+            <a:r>
+              <a:rPr lang="en-US" dirty="0" err="1"/>
+              <a:t>trừ</a:t>
+            </a:r>
+            <a:r>
+              <a:rPr lang="en-US" dirty="0"/>
+              <a:t> </a:t>
+            </a:r>
+            <a:r>
+              <a:rPr lang="en-US" dirty="0" err="1"/>
+              <a:t>ảnh</a:t>
+            </a:r>
+            <a:r>
+              <a:rPr lang="en-US" dirty="0"/>
+              <a:t> </a:t>
+            </a:r>
+            <a:r>
+              <a:rPr lang="en-US" dirty="0" err="1"/>
+              <a:t>nền</a:t>
+            </a:r>
+            <a:r>
+              <a:rPr lang="en-US" dirty="0"/>
+              <a:t> </a:t>
+            </a:r>
+            <a:r>
+              <a:rPr lang="en-US" dirty="0" err="1"/>
+              <a:t>thông</a:t>
+            </a:r>
+            <a:r>
+              <a:rPr lang="en-US" dirty="0"/>
+              <a:t> qua </a:t>
+            </a:r>
+            <a:r>
+              <a:rPr lang="en-US" dirty="0" err="1"/>
+              <a:t>các</a:t>
+            </a:r>
+            <a:r>
+              <a:rPr lang="en-US" dirty="0"/>
+              <a:t> b</a:t>
+            </a:r>
+            <a:r>
+              <a:rPr lang="vi-VN" dirty="0"/>
+              <a:t>ư</a:t>
+            </a:r>
+            <a:r>
+              <a:rPr lang="en-US" dirty="0" err="1"/>
+              <a:t>ớc</a:t>
+            </a:r>
+            <a:r>
+              <a:rPr lang="en-US" dirty="0"/>
+              <a:t> </a:t>
+            </a:r>
+            <a:r>
+              <a:rPr lang="en-US" dirty="0" err="1"/>
+              <a:t>sau</a:t>
+            </a:r>
+            <a:r>
+              <a:rPr lang="en-US" dirty="0"/>
+              <a:t>:</a:t>
+            </a:r>
+          </a:p>
+          <a:p>
+            <a:pPr lvl="1"/>
+            <a:r>
+              <a:rPr lang="en-US" dirty="0" err="1"/>
+              <a:t>Chuyển</a:t>
+            </a:r>
+            <a:r>
+              <a:rPr lang="en-US" dirty="0"/>
+              <a:t> </a:t>
+            </a:r>
+            <a:r>
+              <a:rPr lang="en-US" dirty="0" err="1"/>
+              <a:t>ảnh</a:t>
+            </a:r>
+            <a:r>
+              <a:rPr lang="en-US" dirty="0"/>
+              <a:t> back ground </a:t>
+            </a:r>
+            <a:r>
+              <a:rPr lang="en-US" dirty="0" err="1"/>
+              <a:t>và</a:t>
+            </a:r>
+            <a:r>
+              <a:rPr lang="en-US" dirty="0"/>
+              <a:t> fore ground sang gray scale</a:t>
+            </a:r>
+          </a:p>
+          <a:p>
+            <a:pPr lvl="1"/>
+            <a:r>
+              <a:rPr lang="en-US" dirty="0" err="1"/>
+              <a:t>Trừ</a:t>
+            </a:r>
+            <a:r>
+              <a:rPr lang="en-US" dirty="0"/>
+              <a:t> </a:t>
+            </a:r>
+            <a:r>
+              <a:rPr lang="en-US" dirty="0" err="1"/>
+              <a:t>ảnh</a:t>
+            </a:r>
+            <a:endParaRPr lang="en-US" dirty="0"/>
+          </a:p>
+          <a:p>
+            <a:pPr lvl="1"/>
+            <a:r>
+              <a:rPr lang="en-US" dirty="0" err="1"/>
+              <a:t>Chuyển</a:t>
+            </a:r>
+            <a:r>
+              <a:rPr lang="en-US" dirty="0"/>
+              <a:t> </a:t>
+            </a:r>
+            <a:r>
+              <a:rPr lang="en-US" dirty="0" err="1"/>
+              <a:t>ảnh</a:t>
+            </a:r>
+            <a:r>
+              <a:rPr lang="en-US" dirty="0"/>
+              <a:t> </a:t>
+            </a:r>
+            <a:r>
+              <a:rPr lang="en-US" dirty="0" err="1"/>
+              <a:t>trừ</a:t>
+            </a:r>
+            <a:r>
+              <a:rPr lang="en-US" dirty="0"/>
+              <a:t> sang binary</a:t>
+            </a:r>
+          </a:p>
+          <a:p>
+            <a:pPr lvl="1"/>
+            <a:r>
+              <a:rPr lang="en-US" dirty="0" err="1"/>
+              <a:t>Loại</a:t>
+            </a:r>
+            <a:r>
+              <a:rPr lang="en-US" dirty="0"/>
+              <a:t> </a:t>
+            </a:r>
+            <a:r>
+              <a:rPr lang="en-US" dirty="0" err="1"/>
+              <a:t>bỏ</a:t>
+            </a:r>
+            <a:r>
+              <a:rPr lang="en-US" dirty="0"/>
+              <a:t> </a:t>
+            </a:r>
+            <a:r>
+              <a:rPr lang="en-US" dirty="0" err="1"/>
+              <a:t>nhiễu</a:t>
+            </a:r>
+            <a:endParaRPr lang="en-US" dirty="0"/>
+          </a:p>
+          <a:p>
+            <a:pPr lvl="1"/>
+            <a:r>
+              <a:rPr lang="en-US" dirty="0" err="1"/>
+              <a:t>Sử</a:t>
+            </a:r>
+            <a:r>
+              <a:rPr lang="en-US" dirty="0"/>
+              <a:t> </a:t>
+            </a:r>
+            <a:r>
+              <a:rPr lang="en-US" dirty="0" err="1"/>
+              <a:t>dụng</a:t>
+            </a:r>
+            <a:r>
+              <a:rPr lang="en-US" dirty="0"/>
+              <a:t> contours </a:t>
+            </a:r>
+            <a:r>
+              <a:rPr lang="en-US" dirty="0" err="1"/>
+              <a:t>để</a:t>
+            </a:r>
+            <a:r>
+              <a:rPr lang="en-US" dirty="0"/>
+              <a:t> </a:t>
+            </a:r>
+            <a:r>
+              <a:rPr lang="en-US" dirty="0" err="1"/>
+              <a:t>xác</a:t>
+            </a:r>
+            <a:r>
+              <a:rPr lang="en-US" dirty="0"/>
+              <a:t> </a:t>
+            </a:r>
+            <a:r>
+              <a:rPr lang="en-US" dirty="0" err="1"/>
+              <a:t>định</a:t>
+            </a:r>
+            <a:r>
+              <a:rPr lang="en-US" dirty="0"/>
+              <a:t> </a:t>
+            </a:r>
+            <a:r>
+              <a:rPr lang="en-US" dirty="0" err="1"/>
+              <a:t>hình</a:t>
+            </a:r>
+            <a:r>
+              <a:rPr lang="en-US" dirty="0"/>
+              <a:t> </a:t>
+            </a:r>
+            <a:r>
+              <a:rPr lang="en-US" dirty="0" err="1"/>
+              <a:t>chữ</a:t>
+            </a:r>
+            <a:r>
+              <a:rPr lang="en-US" dirty="0"/>
+              <a:t> </a:t>
+            </a:r>
+            <a:r>
+              <a:rPr lang="en-US" dirty="0" err="1"/>
+              <a:t>nhật</a:t>
+            </a:r>
+            <a:r>
+              <a:rPr lang="en-US" dirty="0"/>
+              <a:t> bao </a:t>
+            </a:r>
+            <a:r>
+              <a:rPr lang="en-US" dirty="0" err="1"/>
+              <a:t>quanh</a:t>
+            </a:r>
+            <a:r>
+              <a:rPr lang="en-US" dirty="0"/>
+              <a:t> </a:t>
+            </a:r>
+            <a:r>
+              <a:rPr lang="en-US" dirty="0" err="1"/>
+              <a:t>khu</a:t>
+            </a:r>
+            <a:r>
+              <a:rPr lang="en-US" dirty="0"/>
+              <a:t> </a:t>
+            </a:r>
+            <a:r>
+              <a:rPr lang="en-US" dirty="0" err="1"/>
+              <a:t>vực</a:t>
+            </a:r>
+            <a:r>
+              <a:rPr lang="en-US" dirty="0"/>
+              <a:t> </a:t>
+            </a:r>
+            <a:r>
+              <a:rPr lang="en-US" dirty="0" err="1"/>
+              <a:t>khác</a:t>
+            </a:r>
+            <a:r>
+              <a:rPr lang="en-US" dirty="0"/>
+              <a:t> </a:t>
+            </a:r>
+            <a:r>
+              <a:rPr lang="en-US" dirty="0" err="1"/>
+              <a:t>biệt</a:t>
+            </a:r>
+            <a:endParaRPr lang="en-US" dirty="0"/>
+          </a:p>
+        </p:txBody>
+      </p:sp>
+    </p:spTree>
+    <p:extLst>
+      <p:ext uri="{BB962C8B-B14F-4D97-AF65-F5344CB8AC3E}">
+        <p14:creationId xmlns:p14="http://schemas.microsoft.com/office/powerpoint/2010/main" val="3943057284"/>
+      </p:ext>
+    </p:extLst>
+  </p:cSld>
+  <p:clrMapOvr>
+    <a:masterClrMapping/>
+  </p:clrMapOvr>
+</p:sld>
+</file>
+
+<file path=ppt/slides/slide34.xml><?xml version="1.0" encoding="utf-8"?>
+<p:sld xmlns:a="http://schemas.openxmlformats.org/drawingml/2006/main" xmlns:r="http://schemas.openxmlformats.org/officeDocument/2006/relationships" xmlns:p="http://schemas.openxmlformats.org/presentationml/2006/main">
+  <p:cSld>
+    <p:spTree>
+      <p:nvGrpSpPr>
+        <p:cNvPr id="1" name=""/>
+        <p:cNvGrpSpPr/>
+        <p:nvPr/>
+      </p:nvGrpSpPr>
+      <p:grpSpPr>
+        <a:xfrm>
+          <a:off x="0" y="0"/>
+          <a:ext cx="0" cy="0"/>
+          <a:chOff x="0" y="0"/>
+          <a:chExt cx="0" cy="0"/>
+        </a:xfrm>
+      </p:grpSpPr>
+      <p:sp>
+        <p:nvSpPr>
+          <p:cNvPr id="2" name="Title 1">
+            <a:extLst>
+              <a:ext uri="{FF2B5EF4-FFF2-40B4-BE49-F238E27FC236}">
+                <a16:creationId xmlns:a16="http://schemas.microsoft.com/office/drawing/2014/main" id="{D57952E0-03CD-4327-BFDB-B8E6A400A2BA}"/>
+              </a:ext>
+            </a:extLst>
+          </p:cNvPr>
+          <p:cNvSpPr>
+            <a:spLocks noGrp="1"/>
+          </p:cNvSpPr>
+          <p:nvPr>
+            <p:ph type="title"/>
+          </p:nvPr>
+        </p:nvSpPr>
+        <p:spPr/>
+        <p:txBody>
+          <a:bodyPr/>
+          <a:lstStyle/>
+          <a:p>
+            <a:r>
+              <a:rPr lang="en-US" dirty="0" err="1"/>
+              <a:t>Trừ</a:t>
+            </a:r>
+            <a:r>
+              <a:rPr lang="en-US" dirty="0"/>
+              <a:t> </a:t>
+            </a:r>
+            <a:r>
+              <a:rPr lang="en-US" dirty="0" err="1"/>
+              <a:t>ảnh</a:t>
+            </a:r>
+            <a:r>
+              <a:rPr lang="en-US" dirty="0"/>
+              <a:t> </a:t>
+            </a:r>
+            <a:r>
+              <a:rPr lang="en-US" dirty="0" err="1"/>
+              <a:t>bg</a:t>
+            </a:r>
+            <a:r>
+              <a:rPr lang="en-US" dirty="0"/>
+              <a:t> </a:t>
+            </a:r>
+            <a:r>
+              <a:rPr lang="en-US" dirty="0" err="1"/>
+              <a:t>và</a:t>
+            </a:r>
+            <a:r>
+              <a:rPr lang="en-US" dirty="0"/>
+              <a:t> </a:t>
+            </a:r>
+            <a:r>
+              <a:rPr lang="en-US" dirty="0" err="1"/>
+              <a:t>fg</a:t>
+            </a:r>
+            <a:endParaRPr lang="en-US" dirty="0"/>
+          </a:p>
+        </p:txBody>
+      </p:sp>
+      <p:pic>
+        <p:nvPicPr>
+          <p:cNvPr id="4" name="Content Placeholder 3">
+            <a:extLst>
+              <a:ext uri="{FF2B5EF4-FFF2-40B4-BE49-F238E27FC236}">
+                <a16:creationId xmlns:a16="http://schemas.microsoft.com/office/drawing/2014/main" id="{23040380-EDC4-4B6B-A0D7-91CFE2C716A8}"/>
+              </a:ext>
+            </a:extLst>
+          </p:cNvPr>
+          <p:cNvPicPr>
+            <a:picLocks noGrp="1" noChangeAspect="1"/>
+          </p:cNvPicPr>
+          <p:nvPr>
+            <p:ph idx="1"/>
+          </p:nvPr>
+        </p:nvPicPr>
+        <p:blipFill>
+          <a:blip r:embed="rId2"/>
+          <a:stretch>
+            <a:fillRect/>
+          </a:stretch>
+        </p:blipFill>
+        <p:spPr>
+          <a:xfrm>
+            <a:off x="838200" y="2991965"/>
+            <a:ext cx="10515600" cy="2018657"/>
+          </a:xfrm>
+          <a:prstGeom prst="rect">
+            <a:avLst/>
+          </a:prstGeom>
+        </p:spPr>
+      </p:pic>
+    </p:spTree>
+    <p:extLst>
+      <p:ext uri="{BB962C8B-B14F-4D97-AF65-F5344CB8AC3E}">
+        <p14:creationId xmlns:p14="http://schemas.microsoft.com/office/powerpoint/2010/main" val="4202160055"/>
+      </p:ext>
+    </p:extLst>
+  </p:cSld>
+  <p:clrMapOvr>
+    <a:masterClrMapping/>
+  </p:clrMapOvr>
+</p:sld>
+</file>
+
+<file path=ppt/slides/slide35.xml><?xml version="1.0" encoding="utf-8"?>
+<p:sld xmlns:a="http://schemas.openxmlformats.org/drawingml/2006/main" xmlns:r="http://schemas.openxmlformats.org/officeDocument/2006/relationships" xmlns:p="http://schemas.openxmlformats.org/presentationml/2006/main">
+  <p:cSld>
+    <p:spTree>
+      <p:nvGrpSpPr>
+        <p:cNvPr id="1" name=""/>
+        <p:cNvGrpSpPr/>
+        <p:nvPr/>
+      </p:nvGrpSpPr>
+      <p:grpSpPr>
+        <a:xfrm>
+          <a:off x="0" y="0"/>
+          <a:ext cx="0" cy="0"/>
+          <a:chOff x="0" y="0"/>
+          <a:chExt cx="0" cy="0"/>
+        </a:xfrm>
+      </p:grpSpPr>
+      <p:sp>
+        <p:nvSpPr>
+          <p:cNvPr id="2" name="Title 1">
+            <a:extLst>
+              <a:ext uri="{FF2B5EF4-FFF2-40B4-BE49-F238E27FC236}">
+                <a16:creationId xmlns:a16="http://schemas.microsoft.com/office/drawing/2014/main" id="{7A4603AF-734B-4428-8D97-54B3711E27A0}"/>
+              </a:ext>
+            </a:extLst>
+          </p:cNvPr>
+          <p:cNvSpPr>
+            <a:spLocks noGrp="1"/>
+          </p:cNvSpPr>
+          <p:nvPr>
+            <p:ph type="title"/>
+          </p:nvPr>
+        </p:nvSpPr>
+        <p:spPr/>
+        <p:txBody>
+          <a:bodyPr/>
+          <a:lstStyle/>
+          <a:p>
+            <a:r>
+              <a:rPr lang="en-US" dirty="0" err="1"/>
+              <a:t>Chuyển</a:t>
+            </a:r>
+            <a:r>
+              <a:rPr lang="en-US" dirty="0"/>
+              <a:t> </a:t>
+            </a:r>
+            <a:r>
+              <a:rPr lang="en-US" dirty="0" err="1"/>
+              <a:t>về</a:t>
+            </a:r>
+            <a:r>
+              <a:rPr lang="en-US" dirty="0"/>
+              <a:t> binary image </a:t>
+            </a:r>
+            <a:r>
+              <a:rPr lang="en-US" dirty="0" err="1"/>
+              <a:t>và</a:t>
+            </a:r>
+            <a:r>
+              <a:rPr lang="en-US" dirty="0"/>
+              <a:t> </a:t>
+            </a:r>
+            <a:r>
+              <a:rPr lang="en-US" dirty="0" err="1"/>
+              <a:t>bỏ</a:t>
+            </a:r>
+            <a:r>
+              <a:rPr lang="en-US" dirty="0"/>
+              <a:t> </a:t>
+            </a:r>
+            <a:r>
+              <a:rPr lang="en-US" dirty="0" err="1"/>
+              <a:t>nhiễu</a:t>
+            </a:r>
+            <a:endParaRPr lang="en-US" dirty="0"/>
+          </a:p>
+        </p:txBody>
+      </p:sp>
+      <p:pic>
+        <p:nvPicPr>
+          <p:cNvPr id="4" name="Content Placeholder 3">
+            <a:extLst>
+              <a:ext uri="{FF2B5EF4-FFF2-40B4-BE49-F238E27FC236}">
+                <a16:creationId xmlns:a16="http://schemas.microsoft.com/office/drawing/2014/main" id="{D6915F54-721F-479B-A5B1-7943036980BD}"/>
+              </a:ext>
+            </a:extLst>
+          </p:cNvPr>
+          <p:cNvPicPr>
+            <a:picLocks noGrp="1" noChangeAspect="1"/>
+          </p:cNvPicPr>
+          <p:nvPr>
+            <p:ph idx="1"/>
+          </p:nvPr>
+        </p:nvPicPr>
+        <p:blipFill>
+          <a:blip r:embed="rId2"/>
+          <a:stretch>
+            <a:fillRect/>
+          </a:stretch>
+        </p:blipFill>
+        <p:spPr>
+          <a:xfrm>
+            <a:off x="838200" y="2689569"/>
+            <a:ext cx="10515600" cy="2623449"/>
+          </a:xfrm>
+          <a:prstGeom prst="rect">
+            <a:avLst/>
+          </a:prstGeom>
+        </p:spPr>
+      </p:pic>
+    </p:spTree>
+    <p:extLst>
+      <p:ext uri="{BB962C8B-B14F-4D97-AF65-F5344CB8AC3E}">
+        <p14:creationId xmlns:p14="http://schemas.microsoft.com/office/powerpoint/2010/main" val="745674018"/>
+      </p:ext>
+    </p:extLst>
+  </p:cSld>
+  <p:clrMapOvr>
+    <a:masterClrMapping/>
+  </p:clrMapOvr>
+</p:sld>
+</file>
+
+<file path=ppt/slides/slide36.xml><?xml version="1.0" encoding="utf-8"?>
+<p:sld xmlns:a="http://schemas.openxmlformats.org/drawingml/2006/main" xmlns:r="http://schemas.openxmlformats.org/officeDocument/2006/relationships" xmlns:p="http://schemas.openxmlformats.org/presentationml/2006/main">
+  <p:cSld>
+    <p:spTree>
+      <p:nvGrpSpPr>
+        <p:cNvPr id="1" name=""/>
+        <p:cNvGrpSpPr/>
+        <p:nvPr/>
+      </p:nvGrpSpPr>
+      <p:grpSpPr>
+        <a:xfrm>
+          <a:off x="0" y="0"/>
+          <a:ext cx="0" cy="0"/>
+          <a:chOff x="0" y="0"/>
+          <a:chExt cx="0" cy="0"/>
+        </a:xfrm>
+      </p:grpSpPr>
+      <p:sp>
+        <p:nvSpPr>
+          <p:cNvPr id="2" name="Title 1">
+            <a:extLst>
+              <a:ext uri="{FF2B5EF4-FFF2-40B4-BE49-F238E27FC236}">
+                <a16:creationId xmlns:a16="http://schemas.microsoft.com/office/drawing/2014/main" id="{50FCACB6-E439-45C4-83B7-B9095B68DB30}"/>
+              </a:ext>
+            </a:extLst>
+          </p:cNvPr>
+          <p:cNvSpPr>
+            <a:spLocks noGrp="1"/>
+          </p:cNvSpPr>
+          <p:nvPr>
+            <p:ph type="title"/>
+          </p:nvPr>
+        </p:nvSpPr>
+        <p:spPr/>
+        <p:txBody>
+          <a:bodyPr/>
+          <a:lstStyle/>
+          <a:p>
+            <a:r>
+              <a:rPr lang="en-US" dirty="0" err="1"/>
+              <a:t>Áp</a:t>
+            </a:r>
+            <a:r>
+              <a:rPr lang="en-US" dirty="0"/>
+              <a:t> </a:t>
+            </a:r>
+            <a:r>
+              <a:rPr lang="en-US" dirty="0" err="1"/>
+              <a:t>dụng</a:t>
+            </a:r>
+            <a:r>
+              <a:rPr lang="en-US" dirty="0"/>
+              <a:t> contours</a:t>
+            </a:r>
+          </a:p>
+        </p:txBody>
+      </p:sp>
+      <p:pic>
+        <p:nvPicPr>
+          <p:cNvPr id="4" name="Content Placeholder 3">
+            <a:extLst>
+              <a:ext uri="{FF2B5EF4-FFF2-40B4-BE49-F238E27FC236}">
+                <a16:creationId xmlns:a16="http://schemas.microsoft.com/office/drawing/2014/main" id="{8371D405-9B7F-4FCE-9669-92AF52FC63F0}"/>
+              </a:ext>
+            </a:extLst>
+          </p:cNvPr>
+          <p:cNvPicPr>
+            <a:picLocks noGrp="1" noChangeAspect="1"/>
+          </p:cNvPicPr>
+          <p:nvPr>
+            <p:ph idx="1"/>
+          </p:nvPr>
+        </p:nvPicPr>
+        <p:blipFill>
+          <a:blip r:embed="rId2"/>
+          <a:stretch>
+            <a:fillRect/>
+          </a:stretch>
+        </p:blipFill>
+        <p:spPr>
+          <a:xfrm>
+            <a:off x="838200" y="3011431"/>
+            <a:ext cx="10515600" cy="1979726"/>
+          </a:xfrm>
+          <a:prstGeom prst="rect">
+            <a:avLst/>
+          </a:prstGeom>
+        </p:spPr>
+      </p:pic>
+    </p:spTree>
+    <p:extLst>
+      <p:ext uri="{BB962C8B-B14F-4D97-AF65-F5344CB8AC3E}">
+        <p14:creationId xmlns:p14="http://schemas.microsoft.com/office/powerpoint/2010/main" val="3444168249"/>
       </p:ext>
     </p:extLst>
   </p:cSld>
@@ -12561,18 +13316,18 @@
 </file>
 
 <file path=customXml/item2.xml><?xml version="1.0" encoding="utf-8"?>
-<p:properties xmlns:p="http://schemas.microsoft.com/office/2006/metadata/properties" xmlns:xsi="http://www.w3.org/2001/XMLSchema-instance" xmlns:pc="http://schemas.microsoft.com/office/infopath/2007/PartnerControls">
-  <documentManagement/>
-</p:properties>
-</file>
-
-<file path=customXml/item3.xml><?xml version="1.0" encoding="utf-8"?>
 <?mso-contentType ?>
 <FormTemplates xmlns="http://schemas.microsoft.com/sharepoint/v3/contenttype/forms">
   <Display>DocumentLibraryForm</Display>
   <Edit>DocumentLibraryForm</Edit>
   <New>DocumentLibraryForm</New>
 </FormTemplates>
+</file>
+
+<file path=customXml/item3.xml><?xml version="1.0" encoding="utf-8"?>
+<p:properties xmlns:p="http://schemas.microsoft.com/office/2006/metadata/properties" xmlns:xsi="http://www.w3.org/2001/XMLSchema-instance" xmlns:pc="http://schemas.microsoft.com/office/infopath/2007/PartnerControls">
+  <documentManagement/>
+</p:properties>
 </file>
 
 <file path=customXml/itemProps1.xml><?xml version="1.0" encoding="utf-8"?>
@@ -12594,18 +13349,18 @@
 </file>
 
 <file path=customXml/itemProps2.xml><?xml version="1.0" encoding="utf-8"?>
+<ds:datastoreItem xmlns:ds="http://schemas.openxmlformats.org/officeDocument/2006/customXml" ds:itemID="{367D404D-C7F6-4D08-AA47-E3794D297A9E}">
+  <ds:schemaRefs>
+    <ds:schemaRef ds:uri="http://schemas.microsoft.com/sharepoint/v3/contenttype/forms"/>
+  </ds:schemaRefs>
+</ds:datastoreItem>
+</file>
+
+<file path=customXml/itemProps3.xml><?xml version="1.0" encoding="utf-8"?>
 <ds:datastoreItem xmlns:ds="http://schemas.openxmlformats.org/officeDocument/2006/customXml" ds:itemID="{5D02053A-F17C-4255-9994-667A92805C4B}">
   <ds:schemaRefs>
     <ds:schemaRef ds:uri="http://schemas.microsoft.com/office/2006/metadata/properties"/>
     <ds:schemaRef ds:uri="http://schemas.microsoft.com/office/infopath/2007/PartnerControls"/>
   </ds:schemaRefs>
 </ds:datastoreItem>
-</file>
-
-<file path=customXml/itemProps3.xml><?xml version="1.0" encoding="utf-8"?>
-<ds:datastoreItem xmlns:ds="http://schemas.openxmlformats.org/officeDocument/2006/customXml" ds:itemID="{367D404D-C7F6-4D08-AA47-E3794D297A9E}">
-  <ds:schemaRefs>
-    <ds:schemaRef ds:uri="http://schemas.microsoft.com/sharepoint/v3/contenttype/forms"/>
-  </ds:schemaRefs>
-</ds:datastoreItem>
 </file>